--- a/non-code-files/interface-mockups.pptx
+++ b/non-code-files/interface-mockups.pptx
@@ -5,7 +5,9 @@
     <p:sldMasterId id="2147483648" r:id="rId1"/>
   </p:sldMasterIdLst>
   <p:sldIdLst>
-    <p:sldId id="256" r:id="rId2"/>
+    <p:sldId id="257" r:id="rId2"/>
+    <p:sldId id="258" r:id="rId3"/>
+    <p:sldId id="259" r:id="rId4"/>
   </p:sldIdLst>
   <p:sldSz cx="12192000" cy="6858000"/>
   <p:notesSz cx="6858000" cy="9144000"/>
@@ -104,7 +106,106 @@
       </a:defRPr>
     </a:lvl9pPr>
   </p:defaultTextStyle>
+  <p:extLst>
+    <p:ext uri="{EFAFB233-063F-42B5-8137-9DF3F51BA10A}">
+      <p15:sldGuideLst xmlns:p15="http://schemas.microsoft.com/office/powerpoint/2012/main"/>
+    </p:ext>
+  </p:extLst>
 </p:presentation>
+</file>
+
+<file path=ppt/commentAuthors.xml><?xml version="1.0" encoding="utf-8"?>
+<p:cmAuthorLst xmlns:a="http://schemas.openxmlformats.org/drawingml/2006/main" xmlns:r="http://schemas.openxmlformats.org/officeDocument/2006/relationships" xmlns:p="http://schemas.openxmlformats.org/presentationml/2006/main">
+  <p:cmAuthor id="1" name="Steve Wagner" initials="SW" lastIdx="8" clrIdx="0">
+    <p:extLst>
+      <p:ext uri="{19B8F6BF-5375-455C-9EA6-DF929625EA0E}">
+        <p15:presenceInfo xmlns:p15="http://schemas.microsoft.com/office/powerpoint/2012/main" userId="S-1-5-21-217603591-242749749-965413785-25848975" providerId="AD"/>
+      </p:ext>
+    </p:extLst>
+  </p:cmAuthor>
+</p:cmAuthorLst>
+</file>
+
+<file path=ppt/comments/comment1.xml><?xml version="1.0" encoding="utf-8"?>
+<p:cmLst xmlns:a="http://schemas.openxmlformats.org/drawingml/2006/main" xmlns:r="http://schemas.openxmlformats.org/officeDocument/2006/relationships" xmlns:p="http://schemas.openxmlformats.org/presentationml/2006/main">
+  <p:cm authorId="1" dt="2018-10-14T11:54:01.789" idx="1">
+    <p:pos x="5683" y="2598"/>
+    <p:text>This section wouldn't show up until after you clicked an investor profile button</p:text>
+    <p:extLst>
+      <p:ext uri="{C676402C-5697-4E1C-873F-D02D1690AC5C}">
+        <p15:threadingInfo xmlns:p15="http://schemas.microsoft.com/office/powerpoint/2012/main" timeZoneBias="300"/>
+      </p:ext>
+    </p:extLst>
+  </p:cm>
+  <p:cm authorId="1" dt="2018-10-14T11:54:04.029" idx="2">
+    <p:pos x="5684" y="2892"/>
+    <p:text>Each criteria would have a hover blurb explaining the details of it</p:text>
+    <p:extLst>
+      <p:ext uri="{C676402C-5697-4E1C-873F-D02D1690AC5C}">
+        <p15:threadingInfo xmlns:p15="http://schemas.microsoft.com/office/powerpoint/2012/main" timeZoneBias="300"/>
+      </p:ext>
+    </p:extLst>
+  </p:cm>
+  <p:cm authorId="1" dt="2018-10-14T11:55:00.519" idx="3">
+    <p:pos x="4261" y="3816"/>
+    <p:text>Clicking view results would run the analysis and take you to the results screen</p:text>
+    <p:extLst>
+      <p:ext uri="{C676402C-5697-4E1C-873F-D02D1690AC5C}">
+        <p15:threadingInfo xmlns:p15="http://schemas.microsoft.com/office/powerpoint/2012/main" timeZoneBias="300"/>
+      </p:ext>
+    </p:extLst>
+  </p:cm>
+</p:cmLst>
+</file>
+
+<file path=ppt/comments/comment2.xml><?xml version="1.0" encoding="utf-8"?>
+<p:cmLst xmlns:a="http://schemas.openxmlformats.org/drawingml/2006/main" xmlns:r="http://schemas.openxmlformats.org/officeDocument/2006/relationships" xmlns:p="http://schemas.openxmlformats.org/presentationml/2006/main">
+  <p:cm authorId="1" dt="2018-10-14T11:59:13.083" idx="4">
+    <p:pos x="2839" y="1398"/>
+    <p:text>Choropleth map with shading of each zip code based on the results</p:text>
+    <p:extLst>
+      <p:ext uri="{C676402C-5697-4E1C-873F-D02D1690AC5C}">
+        <p15:threadingInfo xmlns:p15="http://schemas.microsoft.com/office/powerpoint/2012/main" timeZoneBias="300"/>
+      </p:ext>
+    </p:extLst>
+  </p:cm>
+  <p:cm authorId="1" dt="2018-10-14T12:06:57.401" idx="5">
+    <p:pos x="4224" y="1060"/>
+    <p:text>Some sort of aggregate score</p:text>
+    <p:extLst>
+      <p:ext uri="{C676402C-5697-4E1C-873F-D02D1690AC5C}">
+        <p15:threadingInfo xmlns:p15="http://schemas.microsoft.com/office/powerpoint/2012/main" timeZoneBias="300"/>
+      </p:ext>
+    </p:extLst>
+  </p:cm>
+  <p:cm authorId="1" dt="2018-10-14T12:07:10.040" idx="6">
+    <p:pos x="5128" y="1235"/>
+    <p:text>List of the metrics that went into our calculations</p:text>
+    <p:extLst>
+      <p:ext uri="{C676402C-5697-4E1C-873F-D02D1690AC5C}">
+        <p15:threadingInfo xmlns:p15="http://schemas.microsoft.com/office/powerpoint/2012/main" timeZoneBias="300"/>
+      </p:ext>
+    </p:extLst>
+  </p:cm>
+  <p:cm authorId="1" dt="2018-10-14T12:07:26.762" idx="7">
+    <p:pos x="5828" y="1155"/>
+    <p:text>Raw figure for those metrics</p:text>
+    <p:extLst>
+      <p:ext uri="{C676402C-5697-4E1C-873F-D02D1690AC5C}">
+        <p15:threadingInfo xmlns:p15="http://schemas.microsoft.com/office/powerpoint/2012/main" timeZoneBias="300"/>
+      </p:ext>
+    </p:extLst>
+  </p:cm>
+  <p:cm authorId="1" dt="2018-10-14T12:07:39.709" idx="8">
+    <p:pos x="7133" y="1169"/>
+    <p:text>Small multiple bar chart indictating the percentile rank of each metric</p:text>
+    <p:extLst>
+      <p:ext uri="{C676402C-5697-4E1C-873F-D02D1690AC5C}">
+        <p15:threadingInfo xmlns:p15="http://schemas.microsoft.com/office/powerpoint/2012/main" timeZoneBias="300"/>
+      </p:ext>
+    </p:extLst>
+  </p:cm>
+</p:cmLst>
 </file>
 
 <file path=ppt/slideLayouts/slideLayout1.xml><?xml version="1.0" encoding="utf-8"?>
@@ -190,35 +291,35 @@
               <a:buNone/>
               <a:defRPr sz="2400"/>
             </a:lvl1pPr>
-            <a:lvl2pPr marL="457200" indent="0" algn="ctr">
+            <a:lvl2pPr marL="457211" indent="0" algn="ctr">
               <a:buNone/>
               <a:defRPr sz="2000"/>
             </a:lvl2pPr>
-            <a:lvl3pPr marL="914400" indent="0" algn="ctr">
+            <a:lvl3pPr marL="914422" indent="0" algn="ctr">
               <a:buNone/>
-              <a:defRPr sz="1800"/>
+              <a:defRPr sz="1801"/>
             </a:lvl3pPr>
-            <a:lvl4pPr marL="1371600" indent="0" algn="ctr">
+            <a:lvl4pPr marL="1371635" indent="0" algn="ctr">
               <a:buNone/>
               <a:defRPr sz="1600"/>
             </a:lvl4pPr>
-            <a:lvl5pPr marL="1828800" indent="0" algn="ctr">
+            <a:lvl5pPr marL="1828846" indent="0" algn="ctr">
               <a:buNone/>
               <a:defRPr sz="1600"/>
             </a:lvl5pPr>
-            <a:lvl6pPr marL="2286000" indent="0" algn="ctr">
+            <a:lvl6pPr marL="2286057" indent="0" algn="ctr">
               <a:buNone/>
               <a:defRPr sz="1600"/>
             </a:lvl6pPr>
-            <a:lvl7pPr marL="2743200" indent="0" algn="ctr">
+            <a:lvl7pPr marL="2743268" indent="0" algn="ctr">
               <a:buNone/>
               <a:defRPr sz="1600"/>
             </a:lvl7pPr>
-            <a:lvl8pPr marL="3200400" indent="0" algn="ctr">
+            <a:lvl8pPr marL="3200481" indent="0" algn="ctr">
               <a:buNone/>
               <a:defRPr sz="1600"/>
             </a:lvl8pPr>
-            <a:lvl9pPr marL="3657600" indent="0" algn="ctr">
+            <a:lvl9pPr marL="3657692" indent="0" algn="ctr">
               <a:buNone/>
               <a:defRPr sz="1600"/>
             </a:lvl9pPr>
@@ -254,7 +355,7 @@
           <a:p>
             <a:fld id="{2F4140E7-54F4-45CB-B616-B115907BDB5C}" type="datetimeFigureOut">
               <a:rPr lang="en-US" smtClean="0"/>
-              <a:t>10/9/2018</a:t>
+              <a:t>10/14/2018</a:t>
             </a:fld>
             <a:endParaRPr lang="en-US"/>
           </a:p>
@@ -452,7 +553,7 @@
           <a:p>
             <a:fld id="{2F4140E7-54F4-45CB-B616-B115907BDB5C}" type="datetimeFigureOut">
               <a:rPr lang="en-US" smtClean="0"/>
-              <a:t>10/9/2018</a:t>
+              <a:t>10/14/2018</a:t>
             </a:fld>
             <a:endParaRPr lang="en-US"/>
           </a:p>
@@ -560,7 +661,7 @@
         </p:nvSpPr>
         <p:spPr>
           <a:xfrm>
-            <a:off x="8724900" y="365125"/>
+            <a:off x="8724899" y="365125"/>
             <a:ext cx="2628900" cy="5811838"/>
           </a:xfrm>
         </p:spPr>
@@ -593,7 +694,7 @@
         </p:nvSpPr>
         <p:spPr>
           <a:xfrm>
-            <a:off x="838200" y="365125"/>
+            <a:off x="838199" y="365125"/>
             <a:ext cx="7734300" cy="5811838"/>
           </a:xfrm>
         </p:spPr>
@@ -660,7 +761,7 @@
           <a:p>
             <a:fld id="{2F4140E7-54F4-45CB-B616-B115907BDB5C}" type="datetimeFigureOut">
               <a:rPr lang="en-US" smtClean="0"/>
-              <a:t>10/9/2018</a:t>
+              <a:t>10/14/2018</a:t>
             </a:fld>
             <a:endParaRPr lang="en-US"/>
           </a:p>
@@ -858,7 +959,7 @@
           <a:p>
             <a:fld id="{2F4140E7-54F4-45CB-B616-B115907BDB5C}" type="datetimeFigureOut">
               <a:rPr lang="en-US" smtClean="0"/>
-              <a:t>10/9/2018</a:t>
+              <a:t>10/14/2018</a:t>
             </a:fld>
             <a:endParaRPr lang="en-US"/>
           </a:p>
@@ -966,7 +1067,7 @@
         </p:nvSpPr>
         <p:spPr>
           <a:xfrm>
-            <a:off x="831850" y="1709738"/>
+            <a:off x="831853" y="1709738"/>
             <a:ext cx="10515600" cy="2852737"/>
           </a:xfrm>
         </p:spPr>
@@ -1003,7 +1104,7 @@
         </p:nvSpPr>
         <p:spPr>
           <a:xfrm>
-            <a:off x="831850" y="4589463"/>
+            <a:off x="831853" y="4589465"/>
             <a:ext cx="10515600" cy="1500187"/>
           </a:xfrm>
         </p:spPr>
@@ -1020,7 +1121,7 @@
                 </a:solidFill>
               </a:defRPr>
             </a:lvl1pPr>
-            <a:lvl2pPr marL="457200" indent="0">
+            <a:lvl2pPr marL="457211" indent="0">
               <a:buNone/>
               <a:defRPr sz="2000">
                 <a:solidFill>
@@ -1030,9 +1131,9 @@
                 </a:solidFill>
               </a:defRPr>
             </a:lvl2pPr>
-            <a:lvl3pPr marL="914400" indent="0">
+            <a:lvl3pPr marL="914422" indent="0">
               <a:buNone/>
-              <a:defRPr sz="1800">
+              <a:defRPr sz="1801">
                 <a:solidFill>
                   <a:schemeClr val="tx1">
                     <a:tint val="75000"/>
@@ -1040,7 +1141,7 @@
                 </a:solidFill>
               </a:defRPr>
             </a:lvl3pPr>
-            <a:lvl4pPr marL="1371600" indent="0">
+            <a:lvl4pPr marL="1371635" indent="0">
               <a:buNone/>
               <a:defRPr sz="1600">
                 <a:solidFill>
@@ -1050,7 +1151,7 @@
                 </a:solidFill>
               </a:defRPr>
             </a:lvl4pPr>
-            <a:lvl5pPr marL="1828800" indent="0">
+            <a:lvl5pPr marL="1828846" indent="0">
               <a:buNone/>
               <a:defRPr sz="1600">
                 <a:solidFill>
@@ -1060,7 +1161,7 @@
                 </a:solidFill>
               </a:defRPr>
             </a:lvl5pPr>
-            <a:lvl6pPr marL="2286000" indent="0">
+            <a:lvl6pPr marL="2286057" indent="0">
               <a:buNone/>
               <a:defRPr sz="1600">
                 <a:solidFill>
@@ -1070,7 +1171,7 @@
                 </a:solidFill>
               </a:defRPr>
             </a:lvl6pPr>
-            <a:lvl7pPr marL="2743200" indent="0">
+            <a:lvl7pPr marL="2743268" indent="0">
               <a:buNone/>
               <a:defRPr sz="1600">
                 <a:solidFill>
@@ -1080,7 +1181,7 @@
                 </a:solidFill>
               </a:defRPr>
             </a:lvl7pPr>
-            <a:lvl8pPr marL="3200400" indent="0">
+            <a:lvl8pPr marL="3200481" indent="0">
               <a:buNone/>
               <a:defRPr sz="1600">
                 <a:solidFill>
@@ -1090,7 +1191,7 @@
                 </a:solidFill>
               </a:defRPr>
             </a:lvl8pPr>
-            <a:lvl9pPr marL="3657600" indent="0">
+            <a:lvl9pPr marL="3657692" indent="0">
               <a:buNone/>
               <a:defRPr sz="1600">
                 <a:solidFill>
@@ -1133,7 +1234,7 @@
           <a:p>
             <a:fld id="{2F4140E7-54F4-45CB-B616-B115907BDB5C}" type="datetimeFigureOut">
               <a:rPr lang="en-US" smtClean="0"/>
-              <a:t>10/9/2018</a:t>
+              <a:t>10/14/2018</a:t>
             </a:fld>
             <a:endParaRPr lang="en-US"/>
           </a:p>
@@ -1269,7 +1370,7 @@
         </p:nvSpPr>
         <p:spPr>
           <a:xfrm>
-            <a:off x="838200" y="1825625"/>
+            <a:off x="838201" y="1825625"/>
             <a:ext cx="5181600" cy="4351338"/>
           </a:xfrm>
         </p:spPr>
@@ -1331,7 +1432,7 @@
         </p:nvSpPr>
         <p:spPr>
           <a:xfrm>
-            <a:off x="6172200" y="1825625"/>
+            <a:off x="6172201" y="1825625"/>
             <a:ext cx="5181600" cy="4351338"/>
           </a:xfrm>
         </p:spPr>
@@ -1398,7 +1499,7 @@
           <a:p>
             <a:fld id="{2F4140E7-54F4-45CB-B616-B115907BDB5C}" type="datetimeFigureOut">
               <a:rPr lang="en-US" smtClean="0"/>
-              <a:t>10/9/2018</a:t>
+              <a:t>10/14/2018</a:t>
             </a:fld>
             <a:endParaRPr lang="en-US"/>
           </a:p>
@@ -1506,7 +1607,7 @@
         </p:nvSpPr>
         <p:spPr>
           <a:xfrm>
-            <a:off x="839788" y="365125"/>
+            <a:off x="839789" y="365125"/>
             <a:ext cx="10515600" cy="1325563"/>
           </a:xfrm>
         </p:spPr>
@@ -1539,7 +1640,7 @@
         </p:nvSpPr>
         <p:spPr>
           <a:xfrm>
-            <a:off x="839788" y="1681163"/>
+            <a:off x="839791" y="1681163"/>
             <a:ext cx="5157787" cy="823912"/>
           </a:xfrm>
         </p:spPr>
@@ -1550,35 +1651,35 @@
               <a:buNone/>
               <a:defRPr sz="2400" b="1"/>
             </a:lvl1pPr>
-            <a:lvl2pPr marL="457200" indent="0">
+            <a:lvl2pPr marL="457211" indent="0">
               <a:buNone/>
               <a:defRPr sz="2000" b="1"/>
             </a:lvl2pPr>
-            <a:lvl3pPr marL="914400" indent="0">
+            <a:lvl3pPr marL="914422" indent="0">
               <a:buNone/>
-              <a:defRPr sz="1800" b="1"/>
+              <a:defRPr sz="1801" b="1"/>
             </a:lvl3pPr>
-            <a:lvl4pPr marL="1371600" indent="0">
+            <a:lvl4pPr marL="1371635" indent="0">
               <a:buNone/>
               <a:defRPr sz="1600" b="1"/>
             </a:lvl4pPr>
-            <a:lvl5pPr marL="1828800" indent="0">
+            <a:lvl5pPr marL="1828846" indent="0">
               <a:buNone/>
               <a:defRPr sz="1600" b="1"/>
             </a:lvl5pPr>
-            <a:lvl6pPr marL="2286000" indent="0">
+            <a:lvl6pPr marL="2286057" indent="0">
               <a:buNone/>
               <a:defRPr sz="1600" b="1"/>
             </a:lvl6pPr>
-            <a:lvl7pPr marL="2743200" indent="0">
+            <a:lvl7pPr marL="2743268" indent="0">
               <a:buNone/>
               <a:defRPr sz="1600" b="1"/>
             </a:lvl7pPr>
-            <a:lvl8pPr marL="3200400" indent="0">
+            <a:lvl8pPr marL="3200481" indent="0">
               <a:buNone/>
               <a:defRPr sz="1600" b="1"/>
             </a:lvl8pPr>
-            <a:lvl9pPr marL="3657600" indent="0">
+            <a:lvl9pPr marL="3657692" indent="0">
               <a:buNone/>
               <a:defRPr sz="1600" b="1"/>
             </a:lvl9pPr>
@@ -1610,7 +1711,7 @@
         </p:nvSpPr>
         <p:spPr>
           <a:xfrm>
-            <a:off x="839788" y="2505075"/>
+            <a:off x="839791" y="2505076"/>
             <a:ext cx="5157787" cy="3684588"/>
           </a:xfrm>
         </p:spPr>
@@ -1672,7 +1773,7 @@
         </p:nvSpPr>
         <p:spPr>
           <a:xfrm>
-            <a:off x="6172200" y="1681163"/>
+            <a:off x="6172203" y="1681163"/>
             <a:ext cx="5183188" cy="823912"/>
           </a:xfrm>
         </p:spPr>
@@ -1683,35 +1784,35 @@
               <a:buNone/>
               <a:defRPr sz="2400" b="1"/>
             </a:lvl1pPr>
-            <a:lvl2pPr marL="457200" indent="0">
+            <a:lvl2pPr marL="457211" indent="0">
               <a:buNone/>
               <a:defRPr sz="2000" b="1"/>
             </a:lvl2pPr>
-            <a:lvl3pPr marL="914400" indent="0">
+            <a:lvl3pPr marL="914422" indent="0">
               <a:buNone/>
-              <a:defRPr sz="1800" b="1"/>
+              <a:defRPr sz="1801" b="1"/>
             </a:lvl3pPr>
-            <a:lvl4pPr marL="1371600" indent="0">
+            <a:lvl4pPr marL="1371635" indent="0">
               <a:buNone/>
               <a:defRPr sz="1600" b="1"/>
             </a:lvl4pPr>
-            <a:lvl5pPr marL="1828800" indent="0">
+            <a:lvl5pPr marL="1828846" indent="0">
               <a:buNone/>
               <a:defRPr sz="1600" b="1"/>
             </a:lvl5pPr>
-            <a:lvl6pPr marL="2286000" indent="0">
+            <a:lvl6pPr marL="2286057" indent="0">
               <a:buNone/>
               <a:defRPr sz="1600" b="1"/>
             </a:lvl6pPr>
-            <a:lvl7pPr marL="2743200" indent="0">
+            <a:lvl7pPr marL="2743268" indent="0">
               <a:buNone/>
               <a:defRPr sz="1600" b="1"/>
             </a:lvl7pPr>
-            <a:lvl8pPr marL="3200400" indent="0">
+            <a:lvl8pPr marL="3200481" indent="0">
               <a:buNone/>
               <a:defRPr sz="1600" b="1"/>
             </a:lvl8pPr>
-            <a:lvl9pPr marL="3657600" indent="0">
+            <a:lvl9pPr marL="3657692" indent="0">
               <a:buNone/>
               <a:defRPr sz="1600" b="1"/>
             </a:lvl9pPr>
@@ -1743,7 +1844,7 @@
         </p:nvSpPr>
         <p:spPr>
           <a:xfrm>
-            <a:off x="6172200" y="2505075"/>
+            <a:off x="6172203" y="2505076"/>
             <a:ext cx="5183188" cy="3684588"/>
           </a:xfrm>
         </p:spPr>
@@ -1810,7 +1911,7 @@
           <a:p>
             <a:fld id="{2F4140E7-54F4-45CB-B616-B115907BDB5C}" type="datetimeFigureOut">
               <a:rPr lang="en-US" smtClean="0"/>
-              <a:t>10/9/2018</a:t>
+              <a:t>10/14/2018</a:t>
             </a:fld>
             <a:endParaRPr lang="en-US"/>
           </a:p>
@@ -1951,7 +2052,7 @@
           <a:p>
             <a:fld id="{2F4140E7-54F4-45CB-B616-B115907BDB5C}" type="datetimeFigureOut">
               <a:rPr lang="en-US" smtClean="0"/>
-              <a:t>10/9/2018</a:t>
+              <a:t>10/14/2018</a:t>
             </a:fld>
             <a:endParaRPr lang="en-US"/>
           </a:p>
@@ -2064,7 +2165,7 @@
           <a:p>
             <a:fld id="{2F4140E7-54F4-45CB-B616-B115907BDB5C}" type="datetimeFigureOut">
               <a:rPr lang="en-US" smtClean="0"/>
-              <a:t>10/9/2018</a:t>
+              <a:t>10/14/2018</a:t>
             </a:fld>
             <a:endParaRPr lang="en-US"/>
           </a:p>
@@ -2172,8 +2273,8 @@
         </p:nvSpPr>
         <p:spPr>
           <a:xfrm>
-            <a:off x="839788" y="457200"/>
-            <a:ext cx="3932237" cy="1600200"/>
+            <a:off x="839791" y="457200"/>
+            <a:ext cx="3932236" cy="1600200"/>
           </a:xfrm>
         </p:spPr>
         <p:txBody>
@@ -2209,8 +2310,8 @@
         </p:nvSpPr>
         <p:spPr>
           <a:xfrm>
-            <a:off x="5183188" y="987425"/>
-            <a:ext cx="6172200" cy="4873625"/>
+            <a:off x="5183190" y="987425"/>
+            <a:ext cx="6172201" cy="4873625"/>
           </a:xfrm>
         </p:spPr>
         <p:txBody>
@@ -2299,8 +2400,8 @@
         </p:nvSpPr>
         <p:spPr>
           <a:xfrm>
-            <a:off x="839788" y="2057400"/>
-            <a:ext cx="3932237" cy="3811588"/>
+            <a:off x="839791" y="2057400"/>
+            <a:ext cx="3932236" cy="3811588"/>
           </a:xfrm>
         </p:spPr>
         <p:txBody>
@@ -2310,37 +2411,37 @@
               <a:buNone/>
               <a:defRPr sz="1600"/>
             </a:lvl1pPr>
-            <a:lvl2pPr marL="457200" indent="0">
+            <a:lvl2pPr marL="457211" indent="0">
               <a:buNone/>
-              <a:defRPr sz="1400"/>
+              <a:defRPr sz="1401"/>
             </a:lvl2pPr>
-            <a:lvl3pPr marL="914400" indent="0">
+            <a:lvl3pPr marL="914422" indent="0">
               <a:buNone/>
               <a:defRPr sz="1200"/>
             </a:lvl3pPr>
-            <a:lvl4pPr marL="1371600" indent="0">
+            <a:lvl4pPr marL="1371635" indent="0">
               <a:buNone/>
-              <a:defRPr sz="1000"/>
+              <a:defRPr sz="1001"/>
             </a:lvl4pPr>
-            <a:lvl5pPr marL="1828800" indent="0">
+            <a:lvl5pPr marL="1828846" indent="0">
               <a:buNone/>
-              <a:defRPr sz="1000"/>
+              <a:defRPr sz="1001"/>
             </a:lvl5pPr>
-            <a:lvl6pPr marL="2286000" indent="0">
+            <a:lvl6pPr marL="2286057" indent="0">
               <a:buNone/>
-              <a:defRPr sz="1000"/>
+              <a:defRPr sz="1001"/>
             </a:lvl6pPr>
-            <a:lvl7pPr marL="2743200" indent="0">
+            <a:lvl7pPr marL="2743268" indent="0">
               <a:buNone/>
-              <a:defRPr sz="1000"/>
+              <a:defRPr sz="1001"/>
             </a:lvl7pPr>
-            <a:lvl8pPr marL="3200400" indent="0">
+            <a:lvl8pPr marL="3200481" indent="0">
               <a:buNone/>
-              <a:defRPr sz="1000"/>
+              <a:defRPr sz="1001"/>
             </a:lvl8pPr>
-            <a:lvl9pPr marL="3657600" indent="0">
+            <a:lvl9pPr marL="3657692" indent="0">
               <a:buNone/>
-              <a:defRPr sz="1000"/>
+              <a:defRPr sz="1001"/>
             </a:lvl9pPr>
           </a:lstStyle>
           <a:p>
@@ -2375,7 +2476,7 @@
           <a:p>
             <a:fld id="{2F4140E7-54F4-45CB-B616-B115907BDB5C}" type="datetimeFigureOut">
               <a:rPr lang="en-US" smtClean="0"/>
-              <a:t>10/9/2018</a:t>
+              <a:t>10/14/2018</a:t>
             </a:fld>
             <a:endParaRPr lang="en-US"/>
           </a:p>
@@ -2483,8 +2584,8 @@
         </p:nvSpPr>
         <p:spPr>
           <a:xfrm>
-            <a:off x="839788" y="457200"/>
-            <a:ext cx="3932237" cy="1600200"/>
+            <a:off x="839791" y="457200"/>
+            <a:ext cx="3932236" cy="1600200"/>
           </a:xfrm>
         </p:spPr>
         <p:txBody>
@@ -2520,8 +2621,8 @@
         </p:nvSpPr>
         <p:spPr>
           <a:xfrm>
-            <a:off x="5183188" y="987425"/>
-            <a:ext cx="6172200" cy="4873625"/>
+            <a:off x="5183190" y="987425"/>
+            <a:ext cx="6172201" cy="4873625"/>
           </a:xfrm>
         </p:spPr>
         <p:txBody>
@@ -2531,35 +2632,35 @@
               <a:buNone/>
               <a:defRPr sz="3200"/>
             </a:lvl1pPr>
-            <a:lvl2pPr marL="457200" indent="0">
+            <a:lvl2pPr marL="457211" indent="0">
               <a:buNone/>
               <a:defRPr sz="2800"/>
             </a:lvl2pPr>
-            <a:lvl3pPr marL="914400" indent="0">
+            <a:lvl3pPr marL="914422" indent="0">
               <a:buNone/>
               <a:defRPr sz="2400"/>
             </a:lvl3pPr>
-            <a:lvl4pPr marL="1371600" indent="0">
+            <a:lvl4pPr marL="1371635" indent="0">
               <a:buNone/>
               <a:defRPr sz="2000"/>
             </a:lvl4pPr>
-            <a:lvl5pPr marL="1828800" indent="0">
+            <a:lvl5pPr marL="1828846" indent="0">
               <a:buNone/>
               <a:defRPr sz="2000"/>
             </a:lvl5pPr>
-            <a:lvl6pPr marL="2286000" indent="0">
+            <a:lvl6pPr marL="2286057" indent="0">
               <a:buNone/>
               <a:defRPr sz="2000"/>
             </a:lvl6pPr>
-            <a:lvl7pPr marL="2743200" indent="0">
+            <a:lvl7pPr marL="2743268" indent="0">
               <a:buNone/>
               <a:defRPr sz="2000"/>
             </a:lvl7pPr>
-            <a:lvl8pPr marL="3200400" indent="0">
+            <a:lvl8pPr marL="3200481" indent="0">
               <a:buNone/>
               <a:defRPr sz="2000"/>
             </a:lvl8pPr>
-            <a:lvl9pPr marL="3657600" indent="0">
+            <a:lvl9pPr marL="3657692" indent="0">
               <a:buNone/>
               <a:defRPr sz="2000"/>
             </a:lvl9pPr>
@@ -2587,8 +2688,8 @@
         </p:nvSpPr>
         <p:spPr>
           <a:xfrm>
-            <a:off x="839788" y="2057400"/>
-            <a:ext cx="3932237" cy="3811588"/>
+            <a:off x="839791" y="2057400"/>
+            <a:ext cx="3932236" cy="3811588"/>
           </a:xfrm>
         </p:spPr>
         <p:txBody>
@@ -2598,37 +2699,37 @@
               <a:buNone/>
               <a:defRPr sz="1600"/>
             </a:lvl1pPr>
-            <a:lvl2pPr marL="457200" indent="0">
+            <a:lvl2pPr marL="457211" indent="0">
               <a:buNone/>
-              <a:defRPr sz="1400"/>
+              <a:defRPr sz="1401"/>
             </a:lvl2pPr>
-            <a:lvl3pPr marL="914400" indent="0">
+            <a:lvl3pPr marL="914422" indent="0">
               <a:buNone/>
               <a:defRPr sz="1200"/>
             </a:lvl3pPr>
-            <a:lvl4pPr marL="1371600" indent="0">
+            <a:lvl4pPr marL="1371635" indent="0">
               <a:buNone/>
-              <a:defRPr sz="1000"/>
+              <a:defRPr sz="1001"/>
             </a:lvl4pPr>
-            <a:lvl5pPr marL="1828800" indent="0">
+            <a:lvl5pPr marL="1828846" indent="0">
               <a:buNone/>
-              <a:defRPr sz="1000"/>
+              <a:defRPr sz="1001"/>
             </a:lvl5pPr>
-            <a:lvl6pPr marL="2286000" indent="0">
+            <a:lvl6pPr marL="2286057" indent="0">
               <a:buNone/>
-              <a:defRPr sz="1000"/>
+              <a:defRPr sz="1001"/>
             </a:lvl6pPr>
-            <a:lvl7pPr marL="2743200" indent="0">
+            <a:lvl7pPr marL="2743268" indent="0">
               <a:buNone/>
-              <a:defRPr sz="1000"/>
+              <a:defRPr sz="1001"/>
             </a:lvl7pPr>
-            <a:lvl8pPr marL="3200400" indent="0">
+            <a:lvl8pPr marL="3200481" indent="0">
               <a:buNone/>
-              <a:defRPr sz="1000"/>
+              <a:defRPr sz="1001"/>
             </a:lvl8pPr>
-            <a:lvl9pPr marL="3657600" indent="0">
+            <a:lvl9pPr marL="3657692" indent="0">
               <a:buNone/>
-              <a:defRPr sz="1000"/>
+              <a:defRPr sz="1001"/>
             </a:lvl9pPr>
           </a:lstStyle>
           <a:p>
@@ -2663,7 +2764,7 @@
           <a:p>
             <a:fld id="{2F4140E7-54F4-45CB-B616-B115907BDB5C}" type="datetimeFigureOut">
               <a:rPr lang="en-US" smtClean="0"/>
-              <a:t>10/9/2018</a:t>
+              <a:t>10/14/2018</a:t>
             </a:fld>
             <a:endParaRPr lang="en-US"/>
           </a:p>
@@ -2776,7 +2877,7 @@
         </p:nvSpPr>
         <p:spPr>
           <a:xfrm>
-            <a:off x="838200" y="365125"/>
+            <a:off x="838204" y="365125"/>
             <a:ext cx="10515600" cy="1325563"/>
           </a:xfrm>
           <a:prstGeom prst="rect">
@@ -2814,7 +2915,7 @@
         </p:nvSpPr>
         <p:spPr>
           <a:xfrm>
-            <a:off x="838200" y="1825625"/>
+            <a:off x="838204" y="1825625"/>
             <a:ext cx="10515600" cy="4351338"/>
           </a:xfrm>
           <a:prstGeom prst="rect">
@@ -2881,7 +2982,7 @@
         </p:nvSpPr>
         <p:spPr>
           <a:xfrm>
-            <a:off x="838200" y="6356350"/>
+            <a:off x="838201" y="6356352"/>
             <a:ext cx="2743200" cy="365125"/>
           </a:xfrm>
           <a:prstGeom prst="rect">
@@ -2904,7 +3005,7 @@
           <a:p>
             <a:fld id="{2F4140E7-54F4-45CB-B616-B115907BDB5C}" type="datetimeFigureOut">
               <a:rPr lang="en-US" smtClean="0"/>
-              <a:t>10/9/2018</a:t>
+              <a:t>10/14/2018</a:t>
             </a:fld>
             <a:endParaRPr lang="en-US"/>
           </a:p>
@@ -2928,7 +3029,7 @@
         </p:nvSpPr>
         <p:spPr>
           <a:xfrm>
-            <a:off x="4038600" y="6356350"/>
+            <a:off x="4038604" y="6356352"/>
             <a:ext cx="4114800" cy="365125"/>
           </a:xfrm>
           <a:prstGeom prst="rect">
@@ -2971,7 +3072,7 @@
         </p:nvSpPr>
         <p:spPr>
           <a:xfrm>
-            <a:off x="8610600" y="6356350"/>
+            <a:off x="8610601" y="6356352"/>
             <a:ext cx="2743200" cy="365125"/>
           </a:xfrm>
           <a:prstGeom prst="rect">
@@ -3023,7 +3124,7 @@
   </p:sldLayoutIdLst>
   <p:txStyles>
     <p:titleStyle>
-      <a:lvl1pPr algn="l" defTabSz="914400" rtl="0" eaLnBrk="1" latinLnBrk="0" hangingPunct="1">
+      <a:lvl1pPr algn="l" defTabSz="914422" rtl="0" eaLnBrk="1" latinLnBrk="0" hangingPunct="1">
         <a:lnSpc>
           <a:spcPct val="90000"/>
         </a:lnSpc>
@@ -3042,12 +3143,12 @@
       </a:lvl1pPr>
     </p:titleStyle>
     <p:bodyStyle>
-      <a:lvl1pPr marL="228600" indent="-228600" algn="l" defTabSz="914400" rtl="0" eaLnBrk="1" latinLnBrk="0" hangingPunct="1">
+      <a:lvl1pPr marL="228606" indent="-228606" algn="l" defTabSz="914422" rtl="0" eaLnBrk="1" latinLnBrk="0" hangingPunct="1">
         <a:lnSpc>
           <a:spcPct val="90000"/>
         </a:lnSpc>
         <a:spcBef>
-          <a:spcPts val="1000"/>
+          <a:spcPts val="1001"/>
         </a:spcBef>
         <a:buFont typeface="Arial" panose="020B0604020202020204" pitchFamily="34" charset="0"/>
         <a:buChar char="•"/>
@@ -3060,7 +3161,7 @@
           <a:cs typeface="+mn-cs"/>
         </a:defRPr>
       </a:lvl1pPr>
-      <a:lvl2pPr marL="685800" indent="-228600" algn="l" defTabSz="914400" rtl="0" eaLnBrk="1" latinLnBrk="0" hangingPunct="1">
+      <a:lvl2pPr marL="685817" indent="-228606" algn="l" defTabSz="914422" rtl="0" eaLnBrk="1" latinLnBrk="0" hangingPunct="1">
         <a:lnSpc>
           <a:spcPct val="90000"/>
         </a:lnSpc>
@@ -3078,7 +3179,7 @@
           <a:cs typeface="+mn-cs"/>
         </a:defRPr>
       </a:lvl2pPr>
-      <a:lvl3pPr marL="1143000" indent="-228600" algn="l" defTabSz="914400" rtl="0" eaLnBrk="1" latinLnBrk="0" hangingPunct="1">
+      <a:lvl3pPr marL="1143028" indent="-228606" algn="l" defTabSz="914422" rtl="0" eaLnBrk="1" latinLnBrk="0" hangingPunct="1">
         <a:lnSpc>
           <a:spcPct val="90000"/>
         </a:lnSpc>
@@ -3096,7 +3197,7 @@
           <a:cs typeface="+mn-cs"/>
         </a:defRPr>
       </a:lvl3pPr>
-      <a:lvl4pPr marL="1600200" indent="-228600" algn="l" defTabSz="914400" rtl="0" eaLnBrk="1" latinLnBrk="0" hangingPunct="1">
+      <a:lvl4pPr marL="1600240" indent="-228606" algn="l" defTabSz="914422" rtl="0" eaLnBrk="1" latinLnBrk="0" hangingPunct="1">
         <a:lnSpc>
           <a:spcPct val="90000"/>
         </a:lnSpc>
@@ -3105,7 +3206,7 @@
         </a:spcBef>
         <a:buFont typeface="Arial" panose="020B0604020202020204" pitchFamily="34" charset="0"/>
         <a:buChar char="•"/>
-        <a:defRPr sz="1800" kern="1200">
+        <a:defRPr sz="1801" kern="1200">
           <a:solidFill>
             <a:schemeClr val="tx1"/>
           </a:solidFill>
@@ -3114,7 +3215,7 @@
           <a:cs typeface="+mn-cs"/>
         </a:defRPr>
       </a:lvl4pPr>
-      <a:lvl5pPr marL="2057400" indent="-228600" algn="l" defTabSz="914400" rtl="0" eaLnBrk="1" latinLnBrk="0" hangingPunct="1">
+      <a:lvl5pPr marL="2057451" indent="-228606" algn="l" defTabSz="914422" rtl="0" eaLnBrk="1" latinLnBrk="0" hangingPunct="1">
         <a:lnSpc>
           <a:spcPct val="90000"/>
         </a:lnSpc>
@@ -3123,7 +3224,7 @@
         </a:spcBef>
         <a:buFont typeface="Arial" panose="020B0604020202020204" pitchFamily="34" charset="0"/>
         <a:buChar char="•"/>
-        <a:defRPr sz="1800" kern="1200">
+        <a:defRPr sz="1801" kern="1200">
           <a:solidFill>
             <a:schemeClr val="tx1"/>
           </a:solidFill>
@@ -3132,7 +3233,7 @@
           <a:cs typeface="+mn-cs"/>
         </a:defRPr>
       </a:lvl5pPr>
-      <a:lvl6pPr marL="2514600" indent="-228600" algn="l" defTabSz="914400" rtl="0" eaLnBrk="1" latinLnBrk="0" hangingPunct="1">
+      <a:lvl6pPr marL="2514664" indent="-228606" algn="l" defTabSz="914422" rtl="0" eaLnBrk="1" latinLnBrk="0" hangingPunct="1">
         <a:lnSpc>
           <a:spcPct val="90000"/>
         </a:lnSpc>
@@ -3141,7 +3242,7 @@
         </a:spcBef>
         <a:buFont typeface="Arial" panose="020B0604020202020204" pitchFamily="34" charset="0"/>
         <a:buChar char="•"/>
-        <a:defRPr sz="1800" kern="1200">
+        <a:defRPr sz="1801" kern="1200">
           <a:solidFill>
             <a:schemeClr val="tx1"/>
           </a:solidFill>
@@ -3150,7 +3251,7 @@
           <a:cs typeface="+mn-cs"/>
         </a:defRPr>
       </a:lvl6pPr>
-      <a:lvl7pPr marL="2971800" indent="-228600" algn="l" defTabSz="914400" rtl="0" eaLnBrk="1" latinLnBrk="0" hangingPunct="1">
+      <a:lvl7pPr marL="2971874" indent="-228606" algn="l" defTabSz="914422" rtl="0" eaLnBrk="1" latinLnBrk="0" hangingPunct="1">
         <a:lnSpc>
           <a:spcPct val="90000"/>
         </a:lnSpc>
@@ -3159,7 +3260,7 @@
         </a:spcBef>
         <a:buFont typeface="Arial" panose="020B0604020202020204" pitchFamily="34" charset="0"/>
         <a:buChar char="•"/>
-        <a:defRPr sz="1800" kern="1200">
+        <a:defRPr sz="1801" kern="1200">
           <a:solidFill>
             <a:schemeClr val="tx1"/>
           </a:solidFill>
@@ -3168,7 +3269,7 @@
           <a:cs typeface="+mn-cs"/>
         </a:defRPr>
       </a:lvl7pPr>
-      <a:lvl8pPr marL="3429000" indent="-228600" algn="l" defTabSz="914400" rtl="0" eaLnBrk="1" latinLnBrk="0" hangingPunct="1">
+      <a:lvl8pPr marL="3429086" indent="-228606" algn="l" defTabSz="914422" rtl="0" eaLnBrk="1" latinLnBrk="0" hangingPunct="1">
         <a:lnSpc>
           <a:spcPct val="90000"/>
         </a:lnSpc>
@@ -3177,7 +3278,7 @@
         </a:spcBef>
         <a:buFont typeface="Arial" panose="020B0604020202020204" pitchFamily="34" charset="0"/>
         <a:buChar char="•"/>
-        <a:defRPr sz="1800" kern="1200">
+        <a:defRPr sz="1801" kern="1200">
           <a:solidFill>
             <a:schemeClr val="tx1"/>
           </a:solidFill>
@@ -3186,7 +3287,7 @@
           <a:cs typeface="+mn-cs"/>
         </a:defRPr>
       </a:lvl8pPr>
-      <a:lvl9pPr marL="3886200" indent="-228600" algn="l" defTabSz="914400" rtl="0" eaLnBrk="1" latinLnBrk="0" hangingPunct="1">
+      <a:lvl9pPr marL="3886297" indent="-228606" algn="l" defTabSz="914422" rtl="0" eaLnBrk="1" latinLnBrk="0" hangingPunct="1">
         <a:lnSpc>
           <a:spcPct val="90000"/>
         </a:lnSpc>
@@ -3195,7 +3296,7 @@
         </a:spcBef>
         <a:buFont typeface="Arial" panose="020B0604020202020204" pitchFamily="34" charset="0"/>
         <a:buChar char="•"/>
-        <a:defRPr sz="1800" kern="1200">
+        <a:defRPr sz="1801" kern="1200">
           <a:solidFill>
             <a:schemeClr val="tx1"/>
           </a:solidFill>
@@ -3209,8 +3310,8 @@
       <a:defPPr>
         <a:defRPr lang="en-US"/>
       </a:defPPr>
-      <a:lvl1pPr marL="0" algn="l" defTabSz="914400" rtl="0" eaLnBrk="1" latinLnBrk="0" hangingPunct="1">
-        <a:defRPr sz="1800" kern="1200">
+      <a:lvl1pPr marL="0" algn="l" defTabSz="914422" rtl="0" eaLnBrk="1" latinLnBrk="0" hangingPunct="1">
+        <a:defRPr sz="1801" kern="1200">
           <a:solidFill>
             <a:schemeClr val="tx1"/>
           </a:solidFill>
@@ -3219,8 +3320,8 @@
           <a:cs typeface="+mn-cs"/>
         </a:defRPr>
       </a:lvl1pPr>
-      <a:lvl2pPr marL="457200" algn="l" defTabSz="914400" rtl="0" eaLnBrk="1" latinLnBrk="0" hangingPunct="1">
-        <a:defRPr sz="1800" kern="1200">
+      <a:lvl2pPr marL="457211" algn="l" defTabSz="914422" rtl="0" eaLnBrk="1" latinLnBrk="0" hangingPunct="1">
+        <a:defRPr sz="1801" kern="1200">
           <a:solidFill>
             <a:schemeClr val="tx1"/>
           </a:solidFill>
@@ -3229,8 +3330,8 @@
           <a:cs typeface="+mn-cs"/>
         </a:defRPr>
       </a:lvl2pPr>
-      <a:lvl3pPr marL="914400" algn="l" defTabSz="914400" rtl="0" eaLnBrk="1" latinLnBrk="0" hangingPunct="1">
-        <a:defRPr sz="1800" kern="1200">
+      <a:lvl3pPr marL="914422" algn="l" defTabSz="914422" rtl="0" eaLnBrk="1" latinLnBrk="0" hangingPunct="1">
+        <a:defRPr sz="1801" kern="1200">
           <a:solidFill>
             <a:schemeClr val="tx1"/>
           </a:solidFill>
@@ -3239,8 +3340,8 @@
           <a:cs typeface="+mn-cs"/>
         </a:defRPr>
       </a:lvl3pPr>
-      <a:lvl4pPr marL="1371600" algn="l" defTabSz="914400" rtl="0" eaLnBrk="1" latinLnBrk="0" hangingPunct="1">
-        <a:defRPr sz="1800" kern="1200">
+      <a:lvl4pPr marL="1371635" algn="l" defTabSz="914422" rtl="0" eaLnBrk="1" latinLnBrk="0" hangingPunct="1">
+        <a:defRPr sz="1801" kern="1200">
           <a:solidFill>
             <a:schemeClr val="tx1"/>
           </a:solidFill>
@@ -3249,8 +3350,8 @@
           <a:cs typeface="+mn-cs"/>
         </a:defRPr>
       </a:lvl4pPr>
-      <a:lvl5pPr marL="1828800" algn="l" defTabSz="914400" rtl="0" eaLnBrk="1" latinLnBrk="0" hangingPunct="1">
-        <a:defRPr sz="1800" kern="1200">
+      <a:lvl5pPr marL="1828846" algn="l" defTabSz="914422" rtl="0" eaLnBrk="1" latinLnBrk="0" hangingPunct="1">
+        <a:defRPr sz="1801" kern="1200">
           <a:solidFill>
             <a:schemeClr val="tx1"/>
           </a:solidFill>
@@ -3259,8 +3360,8 @@
           <a:cs typeface="+mn-cs"/>
         </a:defRPr>
       </a:lvl5pPr>
-      <a:lvl6pPr marL="2286000" algn="l" defTabSz="914400" rtl="0" eaLnBrk="1" latinLnBrk="0" hangingPunct="1">
-        <a:defRPr sz="1800" kern="1200">
+      <a:lvl6pPr marL="2286057" algn="l" defTabSz="914422" rtl="0" eaLnBrk="1" latinLnBrk="0" hangingPunct="1">
+        <a:defRPr sz="1801" kern="1200">
           <a:solidFill>
             <a:schemeClr val="tx1"/>
           </a:solidFill>
@@ -3269,8 +3370,8 @@
           <a:cs typeface="+mn-cs"/>
         </a:defRPr>
       </a:lvl6pPr>
-      <a:lvl7pPr marL="2743200" algn="l" defTabSz="914400" rtl="0" eaLnBrk="1" latinLnBrk="0" hangingPunct="1">
-        <a:defRPr sz="1800" kern="1200">
+      <a:lvl7pPr marL="2743268" algn="l" defTabSz="914422" rtl="0" eaLnBrk="1" latinLnBrk="0" hangingPunct="1">
+        <a:defRPr sz="1801" kern="1200">
           <a:solidFill>
             <a:schemeClr val="tx1"/>
           </a:solidFill>
@@ -3279,8 +3380,8 @@
           <a:cs typeface="+mn-cs"/>
         </a:defRPr>
       </a:lvl7pPr>
-      <a:lvl8pPr marL="3200400" algn="l" defTabSz="914400" rtl="0" eaLnBrk="1" latinLnBrk="0" hangingPunct="1">
-        <a:defRPr sz="1800" kern="1200">
+      <a:lvl8pPr marL="3200481" algn="l" defTabSz="914422" rtl="0" eaLnBrk="1" latinLnBrk="0" hangingPunct="1">
+        <a:defRPr sz="1801" kern="1200">
           <a:solidFill>
             <a:schemeClr val="tx1"/>
           </a:solidFill>
@@ -3289,8 +3390,8 @@
           <a:cs typeface="+mn-cs"/>
         </a:defRPr>
       </a:lvl8pPr>
-      <a:lvl9pPr marL="3657600" algn="l" defTabSz="914400" rtl="0" eaLnBrk="1" latinLnBrk="0" hangingPunct="1">
-        <a:defRPr sz="1800" kern="1200">
+      <a:lvl9pPr marL="3657692" algn="l" defTabSz="914422" rtl="0" eaLnBrk="1" latinLnBrk="0" hangingPunct="1">
+        <a:defRPr sz="1801" kern="1200">
           <a:solidFill>
             <a:schemeClr val="tx1"/>
           </a:solidFill>
@@ -3307,6 +3408,16 @@
 <file path=ppt/slides/slide1.xml><?xml version="1.0" encoding="utf-8"?>
 <p:sld xmlns:a="http://schemas.openxmlformats.org/drawingml/2006/main" xmlns:r="http://schemas.openxmlformats.org/officeDocument/2006/relationships" xmlns:p="http://schemas.openxmlformats.org/presentationml/2006/main">
   <p:cSld>
+    <p:bg>
+      <p:bgPr>
+        <a:solidFill>
+          <a:schemeClr val="bg2">
+            <a:lumMod val="25000"/>
+          </a:schemeClr>
+        </a:solidFill>
+        <a:effectLst/>
+      </p:bgPr>
+    </p:bg>
     <p:spTree>
       <p:nvGrpSpPr>
         <p:cNvPr id="1" name=""/>
@@ -3323,10 +3434,175 @@
       </p:grpSpPr>
       <p:sp>
         <p:nvSpPr>
-          <p:cNvPr id="4" name="Rectangle: Rounded Corners 3">
-            <a:extLst>
-              <a:ext uri="{FF2B5EF4-FFF2-40B4-BE49-F238E27FC236}">
-                <a16:creationId xmlns:a16="http://schemas.microsoft.com/office/drawing/2014/main" id="{BD4D1C78-2F46-4CB8-9405-70D73FB02833}"/>
+          <p:cNvPr id="2" name="Title 1">
+            <a:extLst>
+              <a:ext uri="{FF2B5EF4-FFF2-40B4-BE49-F238E27FC236}">
+                <a16:creationId xmlns:a16="http://schemas.microsoft.com/office/drawing/2014/main" id="{6964A4C8-A0C7-479D-A2EE-4D8FF51633E8}"/>
+              </a:ext>
+            </a:extLst>
+          </p:cNvPr>
+          <p:cNvSpPr>
+            <a:spLocks noGrp="1"/>
+          </p:cNvSpPr>
+          <p:nvPr>
+            <p:ph type="title"/>
+          </p:nvPr>
+        </p:nvSpPr>
+        <p:spPr>
+          <a:xfrm>
+            <a:off x="838200" y="31751"/>
+            <a:ext cx="10515600" cy="726640"/>
+          </a:xfrm>
+        </p:spPr>
+        <p:txBody>
+          <a:bodyPr anchor="t"/>
+          <a:lstStyle/>
+          <a:p>
+            <a:pPr algn="ctr"/>
+            <a:r>
+              <a:rPr lang="en-US" dirty="0">
+                <a:solidFill>
+                  <a:schemeClr val="bg1"/>
+                </a:solidFill>
+              </a:rPr>
+              <a:t>Should We Invest</a:t>
+            </a:r>
+          </a:p>
+        </p:txBody>
+      </p:sp>
+      <p:sp>
+        <p:nvSpPr>
+          <p:cNvPr id="4" name="TextBox 3">
+            <a:extLst>
+              <a:ext uri="{FF2B5EF4-FFF2-40B4-BE49-F238E27FC236}">
+                <a16:creationId xmlns:a16="http://schemas.microsoft.com/office/drawing/2014/main" id="{00FDABAA-AFA4-451A-9F7E-15D7DA15B49D}"/>
+              </a:ext>
+            </a:extLst>
+          </p:cNvPr>
+          <p:cNvSpPr txBox="1"/>
+          <p:nvPr/>
+        </p:nvSpPr>
+        <p:spPr>
+          <a:xfrm>
+            <a:off x="981075" y="685008"/>
+            <a:ext cx="10229851" cy="584775"/>
+          </a:xfrm>
+          <a:prstGeom prst="rect">
+            <a:avLst/>
+          </a:prstGeom>
+          <a:noFill/>
+        </p:spPr>
+        <p:txBody>
+          <a:bodyPr wrap="square" rtlCol="0">
+            <a:spAutoFit/>
+          </a:bodyPr>
+          <a:lstStyle/>
+          <a:p>
+            <a:pPr algn="ctr">
+              <a:tabLst>
+                <a:tab pos="1143028" algn="l"/>
+              </a:tabLst>
+            </a:pPr>
+            <a:r>
+              <a:rPr lang="en-US" sz="1600" i="1" dirty="0">
+                <a:solidFill>
+                  <a:schemeClr val="bg1"/>
+                </a:solidFill>
+              </a:rPr>
+              <a:t>Should We Invest helps you, as an investor, identify residential real estate markets that provide the best investment opportunities based upon your investment criteria</a:t>
+            </a:r>
+          </a:p>
+        </p:txBody>
+      </p:sp>
+      <p:sp>
+        <p:nvSpPr>
+          <p:cNvPr id="5" name="TextBox 4">
+            <a:extLst>
+              <a:ext uri="{FF2B5EF4-FFF2-40B4-BE49-F238E27FC236}">
+                <a16:creationId xmlns:a16="http://schemas.microsoft.com/office/drawing/2014/main" id="{0152DABE-72D4-44FF-89CA-B23FA638FA09}"/>
+              </a:ext>
+            </a:extLst>
+          </p:cNvPr>
+          <p:cNvSpPr txBox="1"/>
+          <p:nvPr/>
+        </p:nvSpPr>
+        <p:spPr>
+          <a:xfrm>
+            <a:off x="4324350" y="1470541"/>
+            <a:ext cx="3543300" cy="369460"/>
+          </a:xfrm>
+          <a:prstGeom prst="rect">
+            <a:avLst/>
+          </a:prstGeom>
+          <a:noFill/>
+        </p:spPr>
+        <p:txBody>
+          <a:bodyPr wrap="square" rtlCol="0">
+            <a:spAutoFit/>
+          </a:bodyPr>
+          <a:lstStyle/>
+          <a:p>
+            <a:pPr algn="ctr"/>
+            <a:r>
+              <a:rPr lang="en-US" sz="1801" dirty="0">
+                <a:solidFill>
+                  <a:schemeClr val="bg1"/>
+                </a:solidFill>
+              </a:rPr>
+              <a:t>Select an Investor Profile</a:t>
+            </a:r>
+          </a:p>
+        </p:txBody>
+      </p:sp>
+      <p:cxnSp>
+        <p:nvCxnSpPr>
+          <p:cNvPr id="7" name="Straight Connector 6">
+            <a:extLst>
+              <a:ext uri="{FF2B5EF4-FFF2-40B4-BE49-F238E27FC236}">
+                <a16:creationId xmlns:a16="http://schemas.microsoft.com/office/drawing/2014/main" id="{F8A6EE6E-E94D-4270-B6B2-138B2DD1AEBB}"/>
+              </a:ext>
+            </a:extLst>
+          </p:cNvPr>
+          <p:cNvCxnSpPr/>
+          <p:nvPr/>
+        </p:nvCxnSpPr>
+        <p:spPr>
+          <a:xfrm>
+            <a:off x="838202" y="1400175"/>
+            <a:ext cx="10515600" cy="0"/>
+          </a:xfrm>
+          <a:prstGeom prst="line">
+            <a:avLst/>
+          </a:prstGeom>
+          <a:ln>
+            <a:solidFill>
+              <a:schemeClr val="bg1">
+                <a:lumMod val="65000"/>
+              </a:schemeClr>
+            </a:solidFill>
+          </a:ln>
+        </p:spPr>
+        <p:style>
+          <a:lnRef idx="1">
+            <a:schemeClr val="accent1"/>
+          </a:lnRef>
+          <a:fillRef idx="0">
+            <a:schemeClr val="accent1"/>
+          </a:fillRef>
+          <a:effectRef idx="0">
+            <a:schemeClr val="accent1"/>
+          </a:effectRef>
+          <a:fontRef idx="minor">
+            <a:schemeClr val="tx1"/>
+          </a:fontRef>
+        </p:style>
+      </p:cxnSp>
+      <p:sp>
+        <p:nvSpPr>
+          <p:cNvPr id="8" name="Rectangle: Rounded Corners 7">
+            <a:extLst>
+              <a:ext uri="{FF2B5EF4-FFF2-40B4-BE49-F238E27FC236}">
+                <a16:creationId xmlns:a16="http://schemas.microsoft.com/office/drawing/2014/main" id="{C4E3A7FA-7D48-4C64-A192-66628D584403}"/>
               </a:ext>
             </a:extLst>
           </p:cNvPr>
@@ -3335,12 +3611,24 @@
         </p:nvSpPr>
         <p:spPr>
           <a:xfrm>
-            <a:off x="2281882" y="1613320"/>
-            <a:ext cx="1977079" cy="639573"/>
+            <a:off x="1189039" y="1990733"/>
+            <a:ext cx="1685925" cy="457200"/>
           </a:xfrm>
           <a:prstGeom prst="roundRect">
             <a:avLst/>
           </a:prstGeom>
+          <a:solidFill>
+            <a:schemeClr val="bg1">
+              <a:lumMod val="85000"/>
+            </a:schemeClr>
+          </a:solidFill>
+          <a:ln>
+            <a:solidFill>
+              <a:schemeClr val="bg1">
+                <a:lumMod val="65000"/>
+              </a:schemeClr>
+            </a:solidFill>
+          </a:ln>
         </p:spPr>
         <p:style>
           <a:lnRef idx="2">
@@ -3359,19 +3647,23 @@
           </a:fontRef>
         </p:style>
         <p:txBody>
-          <a:bodyPr rtlCol="0" anchor="ctr"/>
+          <a:bodyPr rot="0" spcFirstLastPara="0" vertOverflow="overflow" horzOverflow="overflow" vert="horz" wrap="square" lIns="91440" tIns="45721" rIns="91440" bIns="45721" numCol="1" spcCol="0" rtlCol="0" fromWordArt="0" anchor="ctr" anchorCtr="0" forceAA="0" compatLnSpc="1">
+            <a:prstTxWarp prst="textNoShape">
+              <a:avLst/>
+            </a:prstTxWarp>
+            <a:noAutofit/>
+          </a:bodyPr>
           <a:lstStyle/>
           <a:p>
             <a:pPr algn="ctr"/>
             <a:r>
-              <a:rPr lang="en-US" dirty="0"/>
-              <a:t>Default Persona</a:t>
-            </a:r>
-          </a:p>
-          <a:p>
-            <a:pPr algn="ctr"/>
-            <a:r>
-              <a:rPr lang="en-US" dirty="0"/>
+              <a:rPr lang="en-US" sz="1801" dirty="0">
+                <a:solidFill>
+                  <a:schemeClr val="bg2">
+                    <a:lumMod val="25000"/>
+                  </a:schemeClr>
+                </a:solidFill>
+              </a:rPr>
               <a:t>Flipper</a:t>
             </a:r>
           </a:p>
@@ -3379,10 +3671,10 @@
       </p:sp>
       <p:sp>
         <p:nvSpPr>
-          <p:cNvPr id="5" name="Rectangle: Rounded Corners 4">
-            <a:extLst>
-              <a:ext uri="{FF2B5EF4-FFF2-40B4-BE49-F238E27FC236}">
-                <a16:creationId xmlns:a16="http://schemas.microsoft.com/office/drawing/2014/main" id="{1E5E6C61-755B-45F8-A859-97177673204D}"/>
+          <p:cNvPr id="11" name="Rectangle: Rounded Corners 10">
+            <a:extLst>
+              <a:ext uri="{FF2B5EF4-FFF2-40B4-BE49-F238E27FC236}">
+                <a16:creationId xmlns:a16="http://schemas.microsoft.com/office/drawing/2014/main" id="{AC13BCCD-68E9-474F-BAE3-BD724954E183}"/>
               </a:ext>
             </a:extLst>
           </p:cNvPr>
@@ -3391,12 +3683,24 @@
         </p:nvSpPr>
         <p:spPr>
           <a:xfrm>
-            <a:off x="5113640" y="1606561"/>
-            <a:ext cx="2067704" cy="646332"/>
+            <a:off x="5253039" y="1990733"/>
+            <a:ext cx="1685925" cy="457200"/>
           </a:xfrm>
           <a:prstGeom prst="roundRect">
             <a:avLst/>
           </a:prstGeom>
+          <a:solidFill>
+            <a:schemeClr val="bg1">
+              <a:lumMod val="85000"/>
+            </a:schemeClr>
+          </a:solidFill>
+          <a:ln>
+            <a:solidFill>
+              <a:schemeClr val="bg1">
+                <a:lumMod val="65000"/>
+              </a:schemeClr>
+            </a:solidFill>
+          </a:ln>
         </p:spPr>
         <p:style>
           <a:lnRef idx="2">
@@ -3415,19 +3719,23 @@
           </a:fontRef>
         </p:style>
         <p:txBody>
-          <a:bodyPr rtlCol="0" anchor="ctr"/>
+          <a:bodyPr rot="0" spcFirstLastPara="0" vertOverflow="overflow" horzOverflow="overflow" vert="horz" wrap="square" lIns="91440" tIns="45721" rIns="91440" bIns="45721" numCol="1" spcCol="0" rtlCol="0" fromWordArt="0" anchor="ctr" anchorCtr="0" forceAA="0" compatLnSpc="1">
+            <a:prstTxWarp prst="textNoShape">
+              <a:avLst/>
+            </a:prstTxWarp>
+            <a:noAutofit/>
+          </a:bodyPr>
           <a:lstStyle/>
           <a:p>
             <a:pPr algn="ctr"/>
             <a:r>
-              <a:rPr lang="en-US" dirty="0"/>
-              <a:t>Default Persona</a:t>
-            </a:r>
-          </a:p>
-          <a:p>
-            <a:pPr algn="ctr"/>
-            <a:r>
-              <a:rPr lang="en-US" dirty="0"/>
+              <a:rPr lang="en-US" sz="1801" dirty="0">
+                <a:solidFill>
+                  <a:schemeClr val="bg2">
+                    <a:lumMod val="25000"/>
+                  </a:schemeClr>
+                </a:solidFill>
+              </a:rPr>
               <a:t>Landlord</a:t>
             </a:r>
           </a:p>
@@ -3435,10 +3743,10 @@
       </p:sp>
       <p:sp>
         <p:nvSpPr>
-          <p:cNvPr id="6" name="Rectangle: Rounded Corners 5">
-            <a:extLst>
-              <a:ext uri="{FF2B5EF4-FFF2-40B4-BE49-F238E27FC236}">
-                <a16:creationId xmlns:a16="http://schemas.microsoft.com/office/drawing/2014/main" id="{E780B20A-2CCC-4958-BC9D-FC293794F5D1}"/>
+          <p:cNvPr id="12" name="Rectangle: Rounded Corners 11">
+            <a:extLst>
+              <a:ext uri="{FF2B5EF4-FFF2-40B4-BE49-F238E27FC236}">
+                <a16:creationId xmlns:a16="http://schemas.microsoft.com/office/drawing/2014/main" id="{E61A5483-9B33-4232-A444-6E90AB351A3E}"/>
               </a:ext>
             </a:extLst>
           </p:cNvPr>
@@ -3447,12 +3755,24 @@
         </p:nvSpPr>
         <p:spPr>
           <a:xfrm>
-            <a:off x="8178118" y="1597000"/>
-            <a:ext cx="1857627" cy="639573"/>
+            <a:off x="9317039" y="1990733"/>
+            <a:ext cx="1685925" cy="457200"/>
           </a:xfrm>
           <a:prstGeom prst="roundRect">
             <a:avLst/>
           </a:prstGeom>
+          <a:solidFill>
+            <a:schemeClr val="bg1">
+              <a:lumMod val="85000"/>
+            </a:schemeClr>
+          </a:solidFill>
+          <a:ln>
+            <a:solidFill>
+              <a:schemeClr val="bg1">
+                <a:lumMod val="65000"/>
+              </a:schemeClr>
+            </a:solidFill>
+          </a:ln>
         </p:spPr>
         <p:style>
           <a:lnRef idx="2">
@@ -3471,23 +3791,214 @@
           </a:fontRef>
         </p:style>
         <p:txBody>
-          <a:bodyPr rtlCol="0" anchor="ctr"/>
+          <a:bodyPr rot="0" spcFirstLastPara="0" vertOverflow="overflow" horzOverflow="overflow" vert="horz" wrap="square" lIns="91440" tIns="45721" rIns="91440" bIns="45721" numCol="1" spcCol="0" rtlCol="0" fromWordArt="0" anchor="ctr" anchorCtr="0" forceAA="0" compatLnSpc="1">
+            <a:prstTxWarp prst="textNoShape">
+              <a:avLst/>
+            </a:prstTxWarp>
+            <a:noAutofit/>
+          </a:bodyPr>
           <a:lstStyle/>
           <a:p>
             <a:pPr algn="ctr"/>
             <a:r>
-              <a:rPr lang="en-US" dirty="0"/>
-              <a:t>Custom Persona</a:t>
-            </a:r>
-          </a:p>
-        </p:txBody>
-      </p:sp>
-      <p:sp>
-        <p:nvSpPr>
-          <p:cNvPr id="7" name="TextBox 6">
-            <a:extLst>
-              <a:ext uri="{FF2B5EF4-FFF2-40B4-BE49-F238E27FC236}">
-                <a16:creationId xmlns:a16="http://schemas.microsoft.com/office/drawing/2014/main" id="{D1DC7104-0663-45E6-A595-889A46D6FC78}"/>
+              <a:rPr lang="en-US" sz="1801" dirty="0">
+                <a:solidFill>
+                  <a:schemeClr val="bg2">
+                    <a:lumMod val="25000"/>
+                  </a:schemeClr>
+                </a:solidFill>
+              </a:rPr>
+              <a:t>Custom</a:t>
+            </a:r>
+          </a:p>
+        </p:txBody>
+      </p:sp>
+      <p:cxnSp>
+        <p:nvCxnSpPr>
+          <p:cNvPr id="13" name="Straight Connector 12">
+            <a:extLst>
+              <a:ext uri="{FF2B5EF4-FFF2-40B4-BE49-F238E27FC236}">
+                <a16:creationId xmlns:a16="http://schemas.microsoft.com/office/drawing/2014/main" id="{42051E3F-8A93-449E-A19E-D7F3CA1C4684}"/>
+              </a:ext>
+            </a:extLst>
+          </p:cNvPr>
+          <p:cNvCxnSpPr>
+            <a:cxnSpLocks/>
+          </p:cNvCxnSpPr>
+          <p:nvPr/>
+        </p:nvCxnSpPr>
+        <p:spPr>
+          <a:xfrm>
+            <a:off x="0" y="3400424"/>
+            <a:ext cx="0" cy="2552700"/>
+          </a:xfrm>
+          <a:prstGeom prst="line">
+            <a:avLst/>
+          </a:prstGeom>
+          <a:ln>
+            <a:solidFill>
+              <a:schemeClr val="bg1">
+                <a:lumMod val="65000"/>
+              </a:schemeClr>
+            </a:solidFill>
+          </a:ln>
+        </p:spPr>
+        <p:style>
+          <a:lnRef idx="1">
+            <a:schemeClr val="accent1"/>
+          </a:lnRef>
+          <a:fillRef idx="0">
+            <a:schemeClr val="accent1"/>
+          </a:fillRef>
+          <a:effectRef idx="0">
+            <a:schemeClr val="accent1"/>
+          </a:effectRef>
+          <a:fontRef idx="minor">
+            <a:schemeClr val="tx1"/>
+          </a:fontRef>
+        </p:style>
+      </p:cxnSp>
+      <p:cxnSp>
+        <p:nvCxnSpPr>
+          <p:cNvPr id="15" name="Straight Connector 14">
+            <a:extLst>
+              <a:ext uri="{FF2B5EF4-FFF2-40B4-BE49-F238E27FC236}">
+                <a16:creationId xmlns:a16="http://schemas.microsoft.com/office/drawing/2014/main" id="{1776864E-DDCD-45B5-98B5-03B210A5D1F3}"/>
+              </a:ext>
+            </a:extLst>
+          </p:cNvPr>
+          <p:cNvCxnSpPr>
+            <a:cxnSpLocks/>
+          </p:cNvCxnSpPr>
+          <p:nvPr/>
+        </p:nvCxnSpPr>
+        <p:spPr>
+          <a:xfrm>
+            <a:off x="8127998" y="2095500"/>
+            <a:ext cx="0" cy="1097280"/>
+          </a:xfrm>
+          <a:prstGeom prst="line">
+            <a:avLst/>
+          </a:prstGeom>
+          <a:ln>
+            <a:solidFill>
+              <a:schemeClr val="bg1">
+                <a:lumMod val="65000"/>
+              </a:schemeClr>
+            </a:solidFill>
+          </a:ln>
+        </p:spPr>
+        <p:style>
+          <a:lnRef idx="1">
+            <a:schemeClr val="accent1"/>
+          </a:lnRef>
+          <a:fillRef idx="0">
+            <a:schemeClr val="accent1"/>
+          </a:fillRef>
+          <a:effectRef idx="0">
+            <a:schemeClr val="accent1"/>
+          </a:effectRef>
+          <a:fontRef idx="minor">
+            <a:schemeClr val="tx1"/>
+          </a:fontRef>
+        </p:style>
+      </p:cxnSp>
+      <p:cxnSp>
+        <p:nvCxnSpPr>
+          <p:cNvPr id="16" name="Straight Connector 15">
+            <a:extLst>
+              <a:ext uri="{FF2B5EF4-FFF2-40B4-BE49-F238E27FC236}">
+                <a16:creationId xmlns:a16="http://schemas.microsoft.com/office/drawing/2014/main" id="{D165DB8B-16F4-409F-BCC8-ED8587BBD640}"/>
+              </a:ext>
+            </a:extLst>
+          </p:cNvPr>
+          <p:cNvCxnSpPr>
+            <a:cxnSpLocks/>
+          </p:cNvCxnSpPr>
+          <p:nvPr/>
+        </p:nvCxnSpPr>
+        <p:spPr>
+          <a:xfrm>
+            <a:off x="4063998" y="2095500"/>
+            <a:ext cx="0" cy="1097280"/>
+          </a:xfrm>
+          <a:prstGeom prst="line">
+            <a:avLst/>
+          </a:prstGeom>
+          <a:ln>
+            <a:solidFill>
+              <a:schemeClr val="bg1">
+                <a:lumMod val="65000"/>
+              </a:schemeClr>
+            </a:solidFill>
+          </a:ln>
+        </p:spPr>
+        <p:style>
+          <a:lnRef idx="1">
+            <a:schemeClr val="accent1"/>
+          </a:lnRef>
+          <a:fillRef idx="0">
+            <a:schemeClr val="accent1"/>
+          </a:fillRef>
+          <a:effectRef idx="0">
+            <a:schemeClr val="accent1"/>
+          </a:effectRef>
+          <a:fontRef idx="minor">
+            <a:schemeClr val="tx1"/>
+          </a:fontRef>
+        </p:style>
+      </p:cxnSp>
+      <p:cxnSp>
+        <p:nvCxnSpPr>
+          <p:cNvPr id="17" name="Straight Connector 16">
+            <a:extLst>
+              <a:ext uri="{FF2B5EF4-FFF2-40B4-BE49-F238E27FC236}">
+                <a16:creationId xmlns:a16="http://schemas.microsoft.com/office/drawing/2014/main" id="{B16669C0-6FE1-4EDE-81F6-23DC270E69DE}"/>
+              </a:ext>
+            </a:extLst>
+          </p:cNvPr>
+          <p:cNvCxnSpPr>
+            <a:cxnSpLocks/>
+          </p:cNvCxnSpPr>
+          <p:nvPr/>
+        </p:nvCxnSpPr>
+        <p:spPr>
+          <a:xfrm>
+            <a:off x="12192000" y="3857624"/>
+            <a:ext cx="0" cy="2552700"/>
+          </a:xfrm>
+          <a:prstGeom prst="line">
+            <a:avLst/>
+          </a:prstGeom>
+          <a:ln>
+            <a:solidFill>
+              <a:schemeClr val="bg1">
+                <a:lumMod val="65000"/>
+              </a:schemeClr>
+            </a:solidFill>
+          </a:ln>
+        </p:spPr>
+        <p:style>
+          <a:lnRef idx="1">
+            <a:schemeClr val="accent1"/>
+          </a:lnRef>
+          <a:fillRef idx="0">
+            <a:schemeClr val="accent1"/>
+          </a:fillRef>
+          <a:effectRef idx="0">
+            <a:schemeClr val="accent1"/>
+          </a:effectRef>
+          <a:fontRef idx="minor">
+            <a:schemeClr val="tx1"/>
+          </a:fontRef>
+        </p:style>
+      </p:cxnSp>
+      <p:sp>
+        <p:nvSpPr>
+          <p:cNvPr id="18" name="TextBox 17">
+            <a:extLst>
+              <a:ext uri="{FF2B5EF4-FFF2-40B4-BE49-F238E27FC236}">
+                <a16:creationId xmlns:a16="http://schemas.microsoft.com/office/drawing/2014/main" id="{E6B0471C-F17B-4064-976A-7EDE281F0720}"/>
               </a:ext>
             </a:extLst>
           </p:cNvPr>
@@ -3496,8 +4007,8 @@
         </p:nvSpPr>
         <p:spPr>
           <a:xfrm>
-            <a:off x="2316891" y="2496733"/>
-            <a:ext cx="1907059" cy="646331"/>
+            <a:off x="465136" y="2590800"/>
+            <a:ext cx="3133724" cy="646331"/>
           </a:xfrm>
           <a:prstGeom prst="rect">
             <a:avLst/>
@@ -3510,20 +4021,28 @@
           </a:bodyPr>
           <a:lstStyle/>
           <a:p>
-            <a:pPr algn="ctr"/>
-            <a:r>
-              <a:rPr lang="en-US" i="1" dirty="0"/>
-              <a:t>Details about persona 1</a:t>
-            </a:r>
-          </a:p>
-        </p:txBody>
-      </p:sp>
-      <p:sp>
-        <p:nvSpPr>
-          <p:cNvPr id="8" name="TextBox 7">
-            <a:extLst>
-              <a:ext uri="{FF2B5EF4-FFF2-40B4-BE49-F238E27FC236}">
-                <a16:creationId xmlns:a16="http://schemas.microsoft.com/office/drawing/2014/main" id="{285536E7-6411-4BD9-8133-7D1C5F9E0F37}"/>
+            <a:pPr algn="ctr">
+              <a:tabLst>
+                <a:tab pos="1143028" algn="l"/>
+              </a:tabLst>
+            </a:pPr>
+            <a:r>
+              <a:rPr lang="en-US" sz="1200" i="1" dirty="0">
+                <a:solidFill>
+                  <a:schemeClr val="bg1"/>
+                </a:solidFill>
+              </a:rPr>
+              <a:t>The Flipper profile is optimized for investors who have a short time-horizon and are looking to re-sell their investment quickly</a:t>
+            </a:r>
+          </a:p>
+        </p:txBody>
+      </p:sp>
+      <p:sp>
+        <p:nvSpPr>
+          <p:cNvPr id="19" name="TextBox 18">
+            <a:extLst>
+              <a:ext uri="{FF2B5EF4-FFF2-40B4-BE49-F238E27FC236}">
+                <a16:creationId xmlns:a16="http://schemas.microsoft.com/office/drawing/2014/main" id="{EF0B331B-B437-4B71-9EB5-83DF86EE1893}"/>
               </a:ext>
             </a:extLst>
           </p:cNvPr>
@@ -3532,8 +4051,8 @@
         </p:nvSpPr>
         <p:spPr>
           <a:xfrm>
-            <a:off x="5193963" y="2447959"/>
-            <a:ext cx="1907058" cy="646331"/>
+            <a:off x="4529140" y="2590800"/>
+            <a:ext cx="3133724" cy="646331"/>
           </a:xfrm>
           <a:prstGeom prst="rect">
             <a:avLst/>
@@ -3546,20 +4065,28 @@
           </a:bodyPr>
           <a:lstStyle/>
           <a:p>
-            <a:pPr algn="ctr"/>
-            <a:r>
-              <a:rPr lang="en-US" i="1" dirty="0"/>
-              <a:t>Details about persona 1</a:t>
-            </a:r>
-          </a:p>
-        </p:txBody>
-      </p:sp>
-      <p:sp>
-        <p:nvSpPr>
-          <p:cNvPr id="9" name="TextBox 8">
-            <a:extLst>
-              <a:ext uri="{FF2B5EF4-FFF2-40B4-BE49-F238E27FC236}">
-                <a16:creationId xmlns:a16="http://schemas.microsoft.com/office/drawing/2014/main" id="{F1335BBA-FE4A-445B-BC74-0862C9E2346C}"/>
+            <a:pPr algn="ctr">
+              <a:tabLst>
+                <a:tab pos="1143028" algn="l"/>
+              </a:tabLst>
+            </a:pPr>
+            <a:r>
+              <a:rPr lang="en-US" sz="1200" i="1" dirty="0">
+                <a:solidFill>
+                  <a:schemeClr val="bg1"/>
+                </a:solidFill>
+              </a:rPr>
+              <a:t>The Landlord profile is optimized for investors who have a long time-horizon and are looking to lease their investments</a:t>
+            </a:r>
+          </a:p>
+        </p:txBody>
+      </p:sp>
+      <p:sp>
+        <p:nvSpPr>
+          <p:cNvPr id="20" name="TextBox 19">
+            <a:extLst>
+              <a:ext uri="{FF2B5EF4-FFF2-40B4-BE49-F238E27FC236}">
+                <a16:creationId xmlns:a16="http://schemas.microsoft.com/office/drawing/2014/main" id="{FAC40D9C-AACC-433B-B4C4-83C8FBEADD98}"/>
               </a:ext>
             </a:extLst>
           </p:cNvPr>
@@ -3568,8 +4095,8 @@
         </p:nvSpPr>
         <p:spPr>
           <a:xfrm>
-            <a:off x="8052491" y="2358251"/>
-            <a:ext cx="2108883" cy="646331"/>
+            <a:off x="8736806" y="2590800"/>
+            <a:ext cx="2846389" cy="646331"/>
           </a:xfrm>
           <a:prstGeom prst="rect">
             <a:avLst/>
@@ -3582,20 +4109,71 @@
           </a:bodyPr>
           <a:lstStyle/>
           <a:p>
-            <a:pPr algn="ctr"/>
-            <a:r>
-              <a:rPr lang="en-US" i="1" dirty="0"/>
-              <a:t>Details about Custom Persona</a:t>
-            </a:r>
-          </a:p>
-        </p:txBody>
-      </p:sp>
-      <p:sp>
-        <p:nvSpPr>
-          <p:cNvPr id="22" name="TextBox 21">
-            <a:extLst>
-              <a:ext uri="{FF2B5EF4-FFF2-40B4-BE49-F238E27FC236}">
-                <a16:creationId xmlns:a16="http://schemas.microsoft.com/office/drawing/2014/main" id="{F4B0DCB9-1B28-4C07-AA85-4DB16BB34AC0}"/>
+            <a:pPr algn="ctr">
+              <a:tabLst>
+                <a:tab pos="1143028" algn="l"/>
+              </a:tabLst>
+            </a:pPr>
+            <a:r>
+              <a:rPr lang="en-US" sz="1200" i="1" dirty="0">
+                <a:solidFill>
+                  <a:schemeClr val="bg1"/>
+                </a:solidFill>
+              </a:rPr>
+              <a:t>The Custom profile is weighted evenly between the investment factors and can be further refined</a:t>
+            </a:r>
+          </a:p>
+        </p:txBody>
+      </p:sp>
+      <p:cxnSp>
+        <p:nvCxnSpPr>
+          <p:cNvPr id="23" name="Straight Connector 22">
+            <a:extLst>
+              <a:ext uri="{FF2B5EF4-FFF2-40B4-BE49-F238E27FC236}">
+                <a16:creationId xmlns:a16="http://schemas.microsoft.com/office/drawing/2014/main" id="{388BE04D-AAC6-48D6-893F-34AA51F54224}"/>
+              </a:ext>
+            </a:extLst>
+          </p:cNvPr>
+          <p:cNvCxnSpPr/>
+          <p:nvPr/>
+        </p:nvCxnSpPr>
+        <p:spPr>
+          <a:xfrm>
+            <a:off x="838200" y="3524250"/>
+            <a:ext cx="10515600" cy="0"/>
+          </a:xfrm>
+          <a:prstGeom prst="line">
+            <a:avLst/>
+          </a:prstGeom>
+          <a:ln>
+            <a:solidFill>
+              <a:schemeClr val="bg1">
+                <a:lumMod val="65000"/>
+              </a:schemeClr>
+            </a:solidFill>
+          </a:ln>
+        </p:spPr>
+        <p:style>
+          <a:lnRef idx="1">
+            <a:schemeClr val="accent1"/>
+          </a:lnRef>
+          <a:fillRef idx="0">
+            <a:schemeClr val="accent1"/>
+          </a:fillRef>
+          <a:effectRef idx="0">
+            <a:schemeClr val="accent1"/>
+          </a:effectRef>
+          <a:fontRef idx="minor">
+            <a:schemeClr val="tx1"/>
+          </a:fontRef>
+        </p:style>
+      </p:cxnSp>
+      <p:sp>
+        <p:nvSpPr>
+          <p:cNvPr id="24" name="TextBox 23">
+            <a:extLst>
+              <a:ext uri="{FF2B5EF4-FFF2-40B4-BE49-F238E27FC236}">
+                <a16:creationId xmlns:a16="http://schemas.microsoft.com/office/drawing/2014/main" id="{56D6610C-E5F3-4121-8F3A-EBA6056D92A4}"/>
               </a:ext>
             </a:extLst>
           </p:cNvPr>
@@ -3604,8 +4182,8 @@
         </p:nvSpPr>
         <p:spPr>
           <a:xfrm>
-            <a:off x="2804984" y="410516"/>
-            <a:ext cx="6582033" cy="646331"/>
+            <a:off x="2890838" y="3762978"/>
+            <a:ext cx="6410325" cy="338554"/>
           </a:xfrm>
           <a:prstGeom prst="rect">
             <a:avLst/>
@@ -3620,255 +4198,299 @@
           <a:p>
             <a:pPr algn="ctr"/>
             <a:r>
-              <a:rPr lang="en-US" b="1" dirty="0"/>
-              <a:t>Should We Invest</a:t>
-            </a:r>
-          </a:p>
-          <a:p>
-            <a:pPr algn="ctr"/>
-            <a:r>
-              <a:rPr lang="en-US" dirty="0"/>
-              <a:t>Description text about what it is, why you’d want to use it</a:t>
-            </a:r>
-          </a:p>
-        </p:txBody>
-      </p:sp>
-      <p:grpSp>
-        <p:nvGrpSpPr>
-          <p:cNvPr id="24" name="Group 23">
-            <a:extLst>
-              <a:ext uri="{FF2B5EF4-FFF2-40B4-BE49-F238E27FC236}">
-                <a16:creationId xmlns:a16="http://schemas.microsoft.com/office/drawing/2014/main" id="{06E3D7D5-36ED-4B1A-8AF6-851AB1A218EB}"/>
-              </a:ext>
-            </a:extLst>
-          </p:cNvPr>
-          <p:cNvGrpSpPr/>
-          <p:nvPr/>
-        </p:nvGrpSpPr>
-        <p:grpSpPr>
-          <a:xfrm>
-            <a:off x="4437880" y="3429001"/>
-            <a:ext cx="3198596" cy="1950308"/>
-            <a:chOff x="4437880" y="3429000"/>
-            <a:chExt cx="3789920" cy="3084995"/>
-          </a:xfrm>
-        </p:grpSpPr>
-        <p:pic>
-          <p:nvPicPr>
-            <p:cNvPr id="1026" name="Picture 2" descr="https://cdn-images-1.medium.com/max/1600/0*HR4hPudd0OuEfjhX.gif">
-              <a:extLst>
-                <a:ext uri="{FF2B5EF4-FFF2-40B4-BE49-F238E27FC236}">
-                  <a16:creationId xmlns:a16="http://schemas.microsoft.com/office/drawing/2014/main" id="{F0FB1DD3-800A-4172-9993-8372B2EFAA2E}"/>
-                </a:ext>
-              </a:extLst>
-            </p:cNvPr>
-            <p:cNvPicPr>
-              <a:picLocks noChangeAspect="1" noChangeArrowheads="1" noCrop="1"/>
-            </p:cNvPicPr>
-            <p:nvPr/>
-          </p:nvPicPr>
-          <p:blipFill>
-            <a:blip r:embed="rId2">
-              <a:extLst>
-                <a:ext uri="{28A0092B-C50C-407E-A947-70E740481C1C}">
-                  <a14:useLocalDpi xmlns:a14="http://schemas.microsoft.com/office/drawing/2010/main" val="0"/>
-                </a:ext>
-              </a:extLst>
-            </a:blip>
-            <a:srcRect/>
-            <a:stretch>
-              <a:fillRect/>
-            </a:stretch>
-          </p:blipFill>
-          <p:spPr bwMode="auto">
-            <a:xfrm>
-              <a:off x="4437880" y="3429000"/>
-              <a:ext cx="3789920" cy="3084995"/>
-            </a:xfrm>
-            <a:prstGeom prst="rect">
-              <a:avLst/>
-            </a:prstGeom>
-            <a:noFill/>
-            <a:extLst>
-              <a:ext uri="{909E8E84-426E-40DD-AFC4-6F175D3DCCD1}">
-                <a14:hiddenFill xmlns:a14="http://schemas.microsoft.com/office/drawing/2010/main">
-                  <a:solidFill>
-                    <a:srgbClr val="FFFFFF"/>
-                  </a:solidFill>
-                </a14:hiddenFill>
-              </a:ext>
-            </a:extLst>
-          </p:spPr>
-        </p:pic>
-        <p:sp>
-          <p:nvSpPr>
-            <p:cNvPr id="23" name="TextBox 22">
-              <a:extLst>
-                <a:ext uri="{FF2B5EF4-FFF2-40B4-BE49-F238E27FC236}">
-                  <a16:creationId xmlns:a16="http://schemas.microsoft.com/office/drawing/2014/main" id="{7C346D09-CE05-44F1-BE24-5EF4E1977652}"/>
-                </a:ext>
-              </a:extLst>
-            </p:cNvPr>
-            <p:cNvSpPr txBox="1"/>
-            <p:nvPr/>
-          </p:nvSpPr>
-          <p:spPr>
-            <a:xfrm>
-              <a:off x="4580237" y="3755769"/>
-              <a:ext cx="1219201" cy="369332"/>
-            </a:xfrm>
-            <a:prstGeom prst="rect">
-              <a:avLst/>
-            </a:prstGeom>
+              <a:rPr lang="en-US" sz="1600" i="1" dirty="0">
+                <a:solidFill>
+                  <a:schemeClr val="bg1"/>
+                </a:solidFill>
+              </a:rPr>
+              <a:t>Adjust the sliders to further refine your criteria importance</a:t>
+            </a:r>
+          </a:p>
+        </p:txBody>
+      </p:sp>
+      <p:sp>
+        <p:nvSpPr>
+          <p:cNvPr id="28" name="TextBox 27">
+            <a:extLst>
+              <a:ext uri="{FF2B5EF4-FFF2-40B4-BE49-F238E27FC236}">
+                <a16:creationId xmlns:a16="http://schemas.microsoft.com/office/drawing/2014/main" id="{C2BA702B-BA64-4CFE-A5B1-B97CAE14B2EA}"/>
+              </a:ext>
+            </a:extLst>
+          </p:cNvPr>
+          <p:cNvSpPr txBox="1"/>
+          <p:nvPr/>
+        </p:nvSpPr>
+        <p:spPr>
+          <a:xfrm>
+            <a:off x="3616487" y="4196988"/>
+            <a:ext cx="1196974" cy="338554"/>
+          </a:xfrm>
+          <a:prstGeom prst="rect">
+            <a:avLst/>
+          </a:prstGeom>
+          <a:noFill/>
+        </p:spPr>
+        <p:txBody>
+          <a:bodyPr wrap="square" rtlCol="0">
+            <a:spAutoFit/>
+          </a:bodyPr>
+          <a:lstStyle/>
+          <a:p>
+            <a:pPr algn="r"/>
+            <a:r>
+              <a:rPr lang="en-US" sz="1600" i="1" dirty="0">
+                <a:solidFill>
+                  <a:schemeClr val="bg1"/>
+                </a:solidFill>
+              </a:rPr>
+              <a:t>Criteria A</a:t>
+            </a:r>
+          </a:p>
+        </p:txBody>
+      </p:sp>
+      <p:sp>
+        <p:nvSpPr>
+          <p:cNvPr id="29" name="TextBox 28">
+            <a:extLst>
+              <a:ext uri="{FF2B5EF4-FFF2-40B4-BE49-F238E27FC236}">
+                <a16:creationId xmlns:a16="http://schemas.microsoft.com/office/drawing/2014/main" id="{7441A2D0-9C37-4891-87A6-9FA8DA14045D}"/>
+              </a:ext>
+            </a:extLst>
+          </p:cNvPr>
+          <p:cNvSpPr txBox="1"/>
+          <p:nvPr/>
+        </p:nvSpPr>
+        <p:spPr>
+          <a:xfrm>
+            <a:off x="3620457" y="4578461"/>
+            <a:ext cx="1196974" cy="338554"/>
+          </a:xfrm>
+          <a:prstGeom prst="rect">
+            <a:avLst/>
+          </a:prstGeom>
+          <a:noFill/>
+        </p:spPr>
+        <p:txBody>
+          <a:bodyPr wrap="square" rtlCol="0">
+            <a:spAutoFit/>
+          </a:bodyPr>
+          <a:lstStyle/>
+          <a:p>
+            <a:pPr algn="r"/>
+            <a:r>
+              <a:rPr lang="en-US" sz="1600" i="1" dirty="0">
+                <a:solidFill>
+                  <a:schemeClr val="bg1"/>
+                </a:solidFill>
+              </a:rPr>
+              <a:t>Criteria B</a:t>
+            </a:r>
+          </a:p>
+        </p:txBody>
+      </p:sp>
+      <p:sp>
+        <p:nvSpPr>
+          <p:cNvPr id="30" name="TextBox 29">
+            <a:extLst>
+              <a:ext uri="{FF2B5EF4-FFF2-40B4-BE49-F238E27FC236}">
+                <a16:creationId xmlns:a16="http://schemas.microsoft.com/office/drawing/2014/main" id="{1947C4CE-4219-418C-B994-00A2D9A7F05E}"/>
+              </a:ext>
+            </a:extLst>
+          </p:cNvPr>
+          <p:cNvSpPr txBox="1"/>
+          <p:nvPr/>
+        </p:nvSpPr>
+        <p:spPr>
+          <a:xfrm>
+            <a:off x="3618233" y="4993734"/>
+            <a:ext cx="1196974" cy="338554"/>
+          </a:xfrm>
+          <a:prstGeom prst="rect">
+            <a:avLst/>
+          </a:prstGeom>
+          <a:noFill/>
+        </p:spPr>
+        <p:txBody>
+          <a:bodyPr wrap="square" rtlCol="0">
+            <a:spAutoFit/>
+          </a:bodyPr>
+          <a:lstStyle/>
+          <a:p>
+            <a:pPr algn="r"/>
+            <a:r>
+              <a:rPr lang="en-US" sz="1600" i="1" dirty="0">
+                <a:solidFill>
+                  <a:schemeClr val="bg1"/>
+                </a:solidFill>
+              </a:rPr>
+              <a:t>Criteria C</a:t>
+            </a:r>
+          </a:p>
+        </p:txBody>
+      </p:sp>
+      <p:cxnSp>
+        <p:nvCxnSpPr>
+          <p:cNvPr id="26" name="Straight Connector 25">
+            <a:extLst>
+              <a:ext uri="{FF2B5EF4-FFF2-40B4-BE49-F238E27FC236}">
+                <a16:creationId xmlns:a16="http://schemas.microsoft.com/office/drawing/2014/main" id="{27913877-2AB4-435C-9A0D-7099F7C1BDD6}"/>
+              </a:ext>
+            </a:extLst>
+          </p:cNvPr>
+          <p:cNvCxnSpPr/>
+          <p:nvPr/>
+        </p:nvCxnSpPr>
+        <p:spPr>
+          <a:xfrm>
+            <a:off x="4933792" y="4248234"/>
+            <a:ext cx="0" cy="274320"/>
+          </a:xfrm>
+          <a:prstGeom prst="line">
+            <a:avLst/>
+          </a:prstGeom>
+          <a:ln>
             <a:solidFill>
-              <a:srgbClr val="EDEBED"/>
+              <a:schemeClr val="bg1">
+                <a:lumMod val="65000"/>
+              </a:schemeClr>
             </a:solidFill>
-          </p:spPr>
-          <p:txBody>
-            <a:bodyPr wrap="square" rtlCol="0">
-              <a:spAutoFit/>
-            </a:bodyPr>
-            <a:lstStyle/>
-            <a:p>
-              <a:r>
-                <a:rPr lang="en-US" dirty="0"/>
-                <a:t>Metric A</a:t>
-              </a:r>
-            </a:p>
-          </p:txBody>
-        </p:sp>
-        <p:sp>
-          <p:nvSpPr>
-            <p:cNvPr id="25" name="TextBox 24">
-              <a:extLst>
-                <a:ext uri="{FF2B5EF4-FFF2-40B4-BE49-F238E27FC236}">
-                  <a16:creationId xmlns:a16="http://schemas.microsoft.com/office/drawing/2014/main" id="{718A81F9-3CB8-49A2-B641-5A20149B9D89}"/>
-                </a:ext>
-              </a:extLst>
-            </p:cNvPr>
-            <p:cNvSpPr txBox="1"/>
-            <p:nvPr/>
-          </p:nvSpPr>
-          <p:spPr>
-            <a:xfrm>
-              <a:off x="4580235" y="4443929"/>
-              <a:ext cx="1219201" cy="369332"/>
-            </a:xfrm>
-            <a:prstGeom prst="rect">
-              <a:avLst/>
-            </a:prstGeom>
+          </a:ln>
+        </p:spPr>
+        <p:style>
+          <a:lnRef idx="1">
+            <a:schemeClr val="accent1"/>
+          </a:lnRef>
+          <a:fillRef idx="0">
+            <a:schemeClr val="accent1"/>
+          </a:fillRef>
+          <a:effectRef idx="0">
+            <a:schemeClr val="accent1"/>
+          </a:effectRef>
+          <a:fontRef idx="minor">
+            <a:schemeClr val="tx1"/>
+          </a:fontRef>
+        </p:style>
+      </p:cxnSp>
+      <p:cxnSp>
+        <p:nvCxnSpPr>
+          <p:cNvPr id="27" name="Straight Connector 26">
+            <a:extLst>
+              <a:ext uri="{FF2B5EF4-FFF2-40B4-BE49-F238E27FC236}">
+                <a16:creationId xmlns:a16="http://schemas.microsoft.com/office/drawing/2014/main" id="{F5713352-D7F6-46CD-B3A0-27B9015140A4}"/>
+              </a:ext>
+            </a:extLst>
+          </p:cNvPr>
+          <p:cNvCxnSpPr/>
+          <p:nvPr/>
+        </p:nvCxnSpPr>
+        <p:spPr>
+          <a:xfrm>
+            <a:off x="8175467" y="4248234"/>
+            <a:ext cx="0" cy="274320"/>
+          </a:xfrm>
+          <a:prstGeom prst="line">
+            <a:avLst/>
+          </a:prstGeom>
+          <a:ln>
             <a:solidFill>
-              <a:srgbClr val="EDEBED"/>
+              <a:schemeClr val="bg1">
+                <a:lumMod val="65000"/>
+              </a:schemeClr>
             </a:solidFill>
-          </p:spPr>
-          <p:txBody>
-            <a:bodyPr wrap="square" rtlCol="0">
-              <a:spAutoFit/>
-            </a:bodyPr>
-            <a:lstStyle/>
-            <a:p>
-              <a:r>
-                <a:rPr lang="en-US" dirty="0"/>
-                <a:t>Metric B</a:t>
-              </a:r>
-            </a:p>
-          </p:txBody>
-        </p:sp>
-        <p:sp>
-          <p:nvSpPr>
-            <p:cNvPr id="26" name="TextBox 25">
-              <a:extLst>
-                <a:ext uri="{FF2B5EF4-FFF2-40B4-BE49-F238E27FC236}">
-                  <a16:creationId xmlns:a16="http://schemas.microsoft.com/office/drawing/2014/main" id="{C4D7EE3D-5B0F-4B77-8264-74E781031B2D}"/>
-                </a:ext>
-              </a:extLst>
-            </p:cNvPr>
-            <p:cNvSpPr txBox="1"/>
-            <p:nvPr/>
-          </p:nvSpPr>
-          <p:spPr>
-            <a:xfrm>
-              <a:off x="4580236" y="5147971"/>
-              <a:ext cx="1219201" cy="369332"/>
-            </a:xfrm>
-            <a:prstGeom prst="rect">
-              <a:avLst/>
-            </a:prstGeom>
+          </a:ln>
+        </p:spPr>
+        <p:style>
+          <a:lnRef idx="1">
+            <a:schemeClr val="accent1"/>
+          </a:lnRef>
+          <a:fillRef idx="0">
+            <a:schemeClr val="accent1"/>
+          </a:fillRef>
+          <a:effectRef idx="0">
+            <a:schemeClr val="accent1"/>
+          </a:effectRef>
+          <a:fontRef idx="minor">
+            <a:schemeClr val="tx1"/>
+          </a:fontRef>
+        </p:style>
+      </p:cxnSp>
+      <p:cxnSp>
+        <p:nvCxnSpPr>
+          <p:cNvPr id="31" name="Straight Connector 30">
+            <a:extLst>
+              <a:ext uri="{FF2B5EF4-FFF2-40B4-BE49-F238E27FC236}">
+                <a16:creationId xmlns:a16="http://schemas.microsoft.com/office/drawing/2014/main" id="{E2F288DE-DFD6-4375-83AD-E41AF3DD0388}"/>
+              </a:ext>
+            </a:extLst>
+          </p:cNvPr>
+          <p:cNvCxnSpPr>
+            <a:cxnSpLocks/>
+          </p:cNvCxnSpPr>
+          <p:nvPr/>
+        </p:nvCxnSpPr>
+        <p:spPr>
+          <a:xfrm flipH="1" flipV="1">
+            <a:off x="4933792" y="4385394"/>
+            <a:ext cx="3241675" cy="0"/>
+          </a:xfrm>
+          <a:prstGeom prst="line">
+            <a:avLst/>
+          </a:prstGeom>
+          <a:ln>
             <a:solidFill>
-              <a:srgbClr val="EDEBED"/>
+              <a:schemeClr val="bg1">
+                <a:lumMod val="65000"/>
+              </a:schemeClr>
             </a:solidFill>
-          </p:spPr>
-          <p:txBody>
-            <a:bodyPr wrap="square" rtlCol="0">
-              <a:spAutoFit/>
-            </a:bodyPr>
-            <a:lstStyle/>
-            <a:p>
-              <a:r>
-                <a:rPr lang="en-US" dirty="0"/>
-                <a:t>Metric C</a:t>
-              </a:r>
-            </a:p>
-          </p:txBody>
-        </p:sp>
-        <p:sp>
-          <p:nvSpPr>
-            <p:cNvPr id="27" name="TextBox 26">
-              <a:extLst>
-                <a:ext uri="{FF2B5EF4-FFF2-40B4-BE49-F238E27FC236}">
-                  <a16:creationId xmlns:a16="http://schemas.microsoft.com/office/drawing/2014/main" id="{6DC3CA2D-FB02-4829-BF99-628C39F71D6C}"/>
-                </a:ext>
-              </a:extLst>
-            </p:cNvPr>
-            <p:cNvSpPr txBox="1"/>
-            <p:nvPr/>
-          </p:nvSpPr>
-          <p:spPr>
-            <a:xfrm>
-              <a:off x="4580235" y="5830983"/>
-              <a:ext cx="1219201" cy="369332"/>
-            </a:xfrm>
-            <a:prstGeom prst="rect">
-              <a:avLst/>
-            </a:prstGeom>
+          </a:ln>
+        </p:spPr>
+        <p:style>
+          <a:lnRef idx="1">
+            <a:schemeClr val="accent1"/>
+          </a:lnRef>
+          <a:fillRef idx="0">
+            <a:schemeClr val="accent1"/>
+          </a:fillRef>
+          <a:effectRef idx="0">
+            <a:schemeClr val="accent1"/>
+          </a:effectRef>
+          <a:fontRef idx="minor">
+            <a:schemeClr val="tx1"/>
+          </a:fontRef>
+        </p:style>
+      </p:cxnSp>
+      <p:sp>
+        <p:nvSpPr>
+          <p:cNvPr id="35" name="Oval 34">
+            <a:extLst>
+              <a:ext uri="{FF2B5EF4-FFF2-40B4-BE49-F238E27FC236}">
+                <a16:creationId xmlns:a16="http://schemas.microsoft.com/office/drawing/2014/main" id="{9D3A061A-26E2-461D-8277-3BD385145EE2}"/>
+              </a:ext>
+            </a:extLst>
+          </p:cNvPr>
+          <p:cNvSpPr/>
+          <p:nvPr/>
+        </p:nvSpPr>
+        <p:spPr>
+          <a:xfrm>
+            <a:off x="6904990" y="4321186"/>
+            <a:ext cx="137160" cy="137160"/>
+          </a:xfrm>
+          <a:prstGeom prst="ellipse">
+            <a:avLst/>
+          </a:prstGeom>
+          <a:solidFill>
+            <a:schemeClr val="bg1">
+              <a:lumMod val="85000"/>
+            </a:schemeClr>
+          </a:solidFill>
+          <a:ln>
             <a:solidFill>
-              <a:srgbClr val="EDEBED"/>
+              <a:schemeClr val="bg1">
+                <a:lumMod val="65000"/>
+              </a:schemeClr>
             </a:solidFill>
-          </p:spPr>
-          <p:txBody>
-            <a:bodyPr wrap="square" rtlCol="0">
-              <a:spAutoFit/>
-            </a:bodyPr>
-            <a:lstStyle/>
-            <a:p>
-              <a:r>
-                <a:rPr lang="en-US" dirty="0"/>
-                <a:t>Metric D</a:t>
-              </a:r>
-            </a:p>
-          </p:txBody>
-        </p:sp>
-      </p:grpSp>
-      <p:sp>
-        <p:nvSpPr>
-          <p:cNvPr id="28" name="Rectangle: Rounded Corners 27">
-            <a:extLst>
-              <a:ext uri="{FF2B5EF4-FFF2-40B4-BE49-F238E27FC236}">
-                <a16:creationId xmlns:a16="http://schemas.microsoft.com/office/drawing/2014/main" id="{58D82B59-818C-4046-96DB-DC799E16F8F1}"/>
-              </a:ext>
-            </a:extLst>
-          </p:cNvPr>
-          <p:cNvSpPr/>
-          <p:nvPr/>
-        </p:nvSpPr>
-        <p:spPr>
-          <a:xfrm>
-            <a:off x="5216620" y="5714020"/>
-            <a:ext cx="1964724" cy="435048"/>
-          </a:xfrm>
-          <a:prstGeom prst="roundRect">
-            <a:avLst/>
-          </a:prstGeom>
+          </a:ln>
         </p:spPr>
         <p:style>
           <a:lnRef idx="2">
@@ -3887,23 +4509,413 @@
           </a:fontRef>
         </p:style>
         <p:txBody>
-          <a:bodyPr rtlCol="0" anchor="ctr"/>
+          <a:bodyPr rot="0" spcFirstLastPara="0" vertOverflow="overflow" horzOverflow="overflow" vert="horz" wrap="square" lIns="91440" tIns="45721" rIns="91440" bIns="45721" numCol="1" spcCol="0" rtlCol="0" fromWordArt="0" anchor="ctr" anchorCtr="0" forceAA="0" compatLnSpc="1">
+            <a:prstTxWarp prst="textNoShape">
+              <a:avLst/>
+            </a:prstTxWarp>
+            <a:noAutofit/>
+          </a:bodyPr>
           <a:lstStyle/>
           <a:p>
             <a:pPr algn="ctr"/>
-            <a:r>
-              <a:rPr lang="en-US" dirty="0"/>
-              <a:t>Get Results</a:t>
-            </a:r>
-          </a:p>
-        </p:txBody>
-      </p:sp>
-      <p:sp>
-        <p:nvSpPr>
-          <p:cNvPr id="29" name="TextBox 28">
-            <a:extLst>
-              <a:ext uri="{FF2B5EF4-FFF2-40B4-BE49-F238E27FC236}">
-                <a16:creationId xmlns:a16="http://schemas.microsoft.com/office/drawing/2014/main" id="{65DF2583-385C-451F-A7CC-9BFCA3A0B7EA}"/>
+            <a:endParaRPr lang="en-US" sz="1801"/>
+          </a:p>
+        </p:txBody>
+      </p:sp>
+      <p:cxnSp>
+        <p:nvCxnSpPr>
+          <p:cNvPr id="37" name="Straight Connector 36">
+            <a:extLst>
+              <a:ext uri="{FF2B5EF4-FFF2-40B4-BE49-F238E27FC236}">
+                <a16:creationId xmlns:a16="http://schemas.microsoft.com/office/drawing/2014/main" id="{3F598E58-CA8A-4980-85B1-8129DC5C4C09}"/>
+              </a:ext>
+            </a:extLst>
+          </p:cNvPr>
+          <p:cNvCxnSpPr/>
+          <p:nvPr/>
+        </p:nvCxnSpPr>
+        <p:spPr>
+          <a:xfrm>
+            <a:off x="4933792" y="4632321"/>
+            <a:ext cx="0" cy="274320"/>
+          </a:xfrm>
+          <a:prstGeom prst="line">
+            <a:avLst/>
+          </a:prstGeom>
+          <a:ln>
+            <a:solidFill>
+              <a:schemeClr val="bg1">
+                <a:lumMod val="65000"/>
+              </a:schemeClr>
+            </a:solidFill>
+          </a:ln>
+        </p:spPr>
+        <p:style>
+          <a:lnRef idx="1">
+            <a:schemeClr val="accent1"/>
+          </a:lnRef>
+          <a:fillRef idx="0">
+            <a:schemeClr val="accent1"/>
+          </a:fillRef>
+          <a:effectRef idx="0">
+            <a:schemeClr val="accent1"/>
+          </a:effectRef>
+          <a:fontRef idx="minor">
+            <a:schemeClr val="tx1"/>
+          </a:fontRef>
+        </p:style>
+      </p:cxnSp>
+      <p:cxnSp>
+        <p:nvCxnSpPr>
+          <p:cNvPr id="38" name="Straight Connector 37">
+            <a:extLst>
+              <a:ext uri="{FF2B5EF4-FFF2-40B4-BE49-F238E27FC236}">
+                <a16:creationId xmlns:a16="http://schemas.microsoft.com/office/drawing/2014/main" id="{EE542901-ABD1-4313-9905-96FE349A2BF1}"/>
+              </a:ext>
+            </a:extLst>
+          </p:cNvPr>
+          <p:cNvCxnSpPr/>
+          <p:nvPr/>
+        </p:nvCxnSpPr>
+        <p:spPr>
+          <a:xfrm>
+            <a:off x="8175467" y="4632321"/>
+            <a:ext cx="0" cy="274320"/>
+          </a:xfrm>
+          <a:prstGeom prst="line">
+            <a:avLst/>
+          </a:prstGeom>
+          <a:ln>
+            <a:solidFill>
+              <a:schemeClr val="bg1">
+                <a:lumMod val="65000"/>
+              </a:schemeClr>
+            </a:solidFill>
+          </a:ln>
+        </p:spPr>
+        <p:style>
+          <a:lnRef idx="1">
+            <a:schemeClr val="accent1"/>
+          </a:lnRef>
+          <a:fillRef idx="0">
+            <a:schemeClr val="accent1"/>
+          </a:fillRef>
+          <a:effectRef idx="0">
+            <a:schemeClr val="accent1"/>
+          </a:effectRef>
+          <a:fontRef idx="minor">
+            <a:schemeClr val="tx1"/>
+          </a:fontRef>
+        </p:style>
+      </p:cxnSp>
+      <p:cxnSp>
+        <p:nvCxnSpPr>
+          <p:cNvPr id="39" name="Straight Connector 38">
+            <a:extLst>
+              <a:ext uri="{FF2B5EF4-FFF2-40B4-BE49-F238E27FC236}">
+                <a16:creationId xmlns:a16="http://schemas.microsoft.com/office/drawing/2014/main" id="{3A982E58-769B-42B0-958A-8B9F47D56C2C}"/>
+              </a:ext>
+            </a:extLst>
+          </p:cNvPr>
+          <p:cNvCxnSpPr>
+            <a:cxnSpLocks/>
+          </p:cNvCxnSpPr>
+          <p:nvPr/>
+        </p:nvCxnSpPr>
+        <p:spPr>
+          <a:xfrm flipH="1" flipV="1">
+            <a:off x="4933792" y="4769481"/>
+            <a:ext cx="3241675" cy="0"/>
+          </a:xfrm>
+          <a:prstGeom prst="line">
+            <a:avLst/>
+          </a:prstGeom>
+          <a:ln>
+            <a:solidFill>
+              <a:schemeClr val="bg1">
+                <a:lumMod val="65000"/>
+              </a:schemeClr>
+            </a:solidFill>
+          </a:ln>
+        </p:spPr>
+        <p:style>
+          <a:lnRef idx="1">
+            <a:schemeClr val="accent1"/>
+          </a:lnRef>
+          <a:fillRef idx="0">
+            <a:schemeClr val="accent1"/>
+          </a:fillRef>
+          <a:effectRef idx="0">
+            <a:schemeClr val="accent1"/>
+          </a:effectRef>
+          <a:fontRef idx="minor">
+            <a:schemeClr val="tx1"/>
+          </a:fontRef>
+        </p:style>
+      </p:cxnSp>
+      <p:sp>
+        <p:nvSpPr>
+          <p:cNvPr id="40" name="Oval 39">
+            <a:extLst>
+              <a:ext uri="{FF2B5EF4-FFF2-40B4-BE49-F238E27FC236}">
+                <a16:creationId xmlns:a16="http://schemas.microsoft.com/office/drawing/2014/main" id="{63AB3F5C-DF76-4DE3-A3E9-72BC58FD08DE}"/>
+              </a:ext>
+            </a:extLst>
+          </p:cNvPr>
+          <p:cNvSpPr/>
+          <p:nvPr/>
+        </p:nvSpPr>
+        <p:spPr>
+          <a:xfrm>
+            <a:off x="7343140" y="4705273"/>
+            <a:ext cx="137160" cy="137160"/>
+          </a:xfrm>
+          <a:prstGeom prst="ellipse">
+            <a:avLst/>
+          </a:prstGeom>
+          <a:solidFill>
+            <a:schemeClr val="bg1">
+              <a:lumMod val="85000"/>
+            </a:schemeClr>
+          </a:solidFill>
+          <a:ln>
+            <a:solidFill>
+              <a:schemeClr val="bg1">
+                <a:lumMod val="65000"/>
+              </a:schemeClr>
+            </a:solidFill>
+          </a:ln>
+        </p:spPr>
+        <p:style>
+          <a:lnRef idx="2">
+            <a:schemeClr val="accent1">
+              <a:shade val="50000"/>
+            </a:schemeClr>
+          </a:lnRef>
+          <a:fillRef idx="1">
+            <a:schemeClr val="accent1"/>
+          </a:fillRef>
+          <a:effectRef idx="0">
+            <a:schemeClr val="accent1"/>
+          </a:effectRef>
+          <a:fontRef idx="minor">
+            <a:schemeClr val="lt1"/>
+          </a:fontRef>
+        </p:style>
+        <p:txBody>
+          <a:bodyPr rot="0" spcFirstLastPara="0" vertOverflow="overflow" horzOverflow="overflow" vert="horz" wrap="square" lIns="91440" tIns="45721" rIns="91440" bIns="45721" numCol="1" spcCol="0" rtlCol="0" fromWordArt="0" anchor="ctr" anchorCtr="0" forceAA="0" compatLnSpc="1">
+            <a:prstTxWarp prst="textNoShape">
+              <a:avLst/>
+            </a:prstTxWarp>
+            <a:noAutofit/>
+          </a:bodyPr>
+          <a:lstStyle/>
+          <a:p>
+            <a:pPr algn="ctr"/>
+            <a:endParaRPr lang="en-US" sz="1801"/>
+          </a:p>
+        </p:txBody>
+      </p:sp>
+      <p:cxnSp>
+        <p:nvCxnSpPr>
+          <p:cNvPr id="42" name="Straight Connector 41">
+            <a:extLst>
+              <a:ext uri="{FF2B5EF4-FFF2-40B4-BE49-F238E27FC236}">
+                <a16:creationId xmlns:a16="http://schemas.microsoft.com/office/drawing/2014/main" id="{3D1B37AE-AC1B-44D6-BC32-5B527F0FDAA3}"/>
+              </a:ext>
+            </a:extLst>
+          </p:cNvPr>
+          <p:cNvCxnSpPr/>
+          <p:nvPr/>
+        </p:nvCxnSpPr>
+        <p:spPr>
+          <a:xfrm>
+            <a:off x="4933792" y="5044981"/>
+            <a:ext cx="0" cy="274320"/>
+          </a:xfrm>
+          <a:prstGeom prst="line">
+            <a:avLst/>
+          </a:prstGeom>
+          <a:ln>
+            <a:solidFill>
+              <a:schemeClr val="bg1">
+                <a:lumMod val="65000"/>
+              </a:schemeClr>
+            </a:solidFill>
+          </a:ln>
+        </p:spPr>
+        <p:style>
+          <a:lnRef idx="1">
+            <a:schemeClr val="accent1"/>
+          </a:lnRef>
+          <a:fillRef idx="0">
+            <a:schemeClr val="accent1"/>
+          </a:fillRef>
+          <a:effectRef idx="0">
+            <a:schemeClr val="accent1"/>
+          </a:effectRef>
+          <a:fontRef idx="minor">
+            <a:schemeClr val="tx1"/>
+          </a:fontRef>
+        </p:style>
+      </p:cxnSp>
+      <p:cxnSp>
+        <p:nvCxnSpPr>
+          <p:cNvPr id="43" name="Straight Connector 42">
+            <a:extLst>
+              <a:ext uri="{FF2B5EF4-FFF2-40B4-BE49-F238E27FC236}">
+                <a16:creationId xmlns:a16="http://schemas.microsoft.com/office/drawing/2014/main" id="{6E66764F-2BF7-4818-83D2-EACF40A6700E}"/>
+              </a:ext>
+            </a:extLst>
+          </p:cNvPr>
+          <p:cNvCxnSpPr/>
+          <p:nvPr/>
+        </p:nvCxnSpPr>
+        <p:spPr>
+          <a:xfrm>
+            <a:off x="8175467" y="5044981"/>
+            <a:ext cx="0" cy="274320"/>
+          </a:xfrm>
+          <a:prstGeom prst="line">
+            <a:avLst/>
+          </a:prstGeom>
+          <a:ln>
+            <a:solidFill>
+              <a:schemeClr val="bg1">
+                <a:lumMod val="65000"/>
+              </a:schemeClr>
+            </a:solidFill>
+          </a:ln>
+        </p:spPr>
+        <p:style>
+          <a:lnRef idx="1">
+            <a:schemeClr val="accent1"/>
+          </a:lnRef>
+          <a:fillRef idx="0">
+            <a:schemeClr val="accent1"/>
+          </a:fillRef>
+          <a:effectRef idx="0">
+            <a:schemeClr val="accent1"/>
+          </a:effectRef>
+          <a:fontRef idx="minor">
+            <a:schemeClr val="tx1"/>
+          </a:fontRef>
+        </p:style>
+      </p:cxnSp>
+      <p:cxnSp>
+        <p:nvCxnSpPr>
+          <p:cNvPr id="44" name="Straight Connector 43">
+            <a:extLst>
+              <a:ext uri="{FF2B5EF4-FFF2-40B4-BE49-F238E27FC236}">
+                <a16:creationId xmlns:a16="http://schemas.microsoft.com/office/drawing/2014/main" id="{9B7106CA-B389-44A8-9ACB-E5EE01FCF8F9}"/>
+              </a:ext>
+            </a:extLst>
+          </p:cNvPr>
+          <p:cNvCxnSpPr>
+            <a:cxnSpLocks/>
+          </p:cNvCxnSpPr>
+          <p:nvPr/>
+        </p:nvCxnSpPr>
+        <p:spPr>
+          <a:xfrm flipH="1" flipV="1">
+            <a:off x="4933792" y="5182141"/>
+            <a:ext cx="3241675" cy="0"/>
+          </a:xfrm>
+          <a:prstGeom prst="line">
+            <a:avLst/>
+          </a:prstGeom>
+          <a:ln>
+            <a:solidFill>
+              <a:schemeClr val="bg1">
+                <a:lumMod val="65000"/>
+              </a:schemeClr>
+            </a:solidFill>
+          </a:ln>
+        </p:spPr>
+        <p:style>
+          <a:lnRef idx="1">
+            <a:schemeClr val="accent1"/>
+          </a:lnRef>
+          <a:fillRef idx="0">
+            <a:schemeClr val="accent1"/>
+          </a:fillRef>
+          <a:effectRef idx="0">
+            <a:schemeClr val="accent1"/>
+          </a:effectRef>
+          <a:fontRef idx="minor">
+            <a:schemeClr val="tx1"/>
+          </a:fontRef>
+        </p:style>
+      </p:cxnSp>
+      <p:sp>
+        <p:nvSpPr>
+          <p:cNvPr id="45" name="Oval 44">
+            <a:extLst>
+              <a:ext uri="{FF2B5EF4-FFF2-40B4-BE49-F238E27FC236}">
+                <a16:creationId xmlns:a16="http://schemas.microsoft.com/office/drawing/2014/main" id="{E5DD7522-5489-4633-AD7E-A274F39EE675}"/>
+              </a:ext>
+            </a:extLst>
+          </p:cNvPr>
+          <p:cNvSpPr/>
+          <p:nvPr/>
+        </p:nvSpPr>
+        <p:spPr>
+          <a:xfrm>
+            <a:off x="5952490" y="5127458"/>
+            <a:ext cx="137160" cy="137160"/>
+          </a:xfrm>
+          <a:prstGeom prst="ellipse">
+            <a:avLst/>
+          </a:prstGeom>
+          <a:solidFill>
+            <a:schemeClr val="bg1">
+              <a:lumMod val="85000"/>
+            </a:schemeClr>
+          </a:solidFill>
+          <a:ln>
+            <a:solidFill>
+              <a:schemeClr val="bg1">
+                <a:lumMod val="65000"/>
+              </a:schemeClr>
+            </a:solidFill>
+          </a:ln>
+        </p:spPr>
+        <p:style>
+          <a:lnRef idx="2">
+            <a:schemeClr val="accent1">
+              <a:shade val="50000"/>
+            </a:schemeClr>
+          </a:lnRef>
+          <a:fillRef idx="1">
+            <a:schemeClr val="accent1"/>
+          </a:fillRef>
+          <a:effectRef idx="0">
+            <a:schemeClr val="accent1"/>
+          </a:effectRef>
+          <a:fontRef idx="minor">
+            <a:schemeClr val="lt1"/>
+          </a:fontRef>
+        </p:style>
+        <p:txBody>
+          <a:bodyPr rot="0" spcFirstLastPara="0" vertOverflow="overflow" horzOverflow="overflow" vert="horz" wrap="square" lIns="91440" tIns="45721" rIns="91440" bIns="45721" numCol="1" spcCol="0" rtlCol="0" fromWordArt="0" anchor="ctr" anchorCtr="0" forceAA="0" compatLnSpc="1">
+            <a:prstTxWarp prst="textNoShape">
+              <a:avLst/>
+            </a:prstTxWarp>
+            <a:noAutofit/>
+          </a:bodyPr>
+          <a:lstStyle/>
+          <a:p>
+            <a:pPr algn="ctr"/>
+            <a:endParaRPr lang="en-US" sz="1801"/>
+          </a:p>
+        </p:txBody>
+      </p:sp>
+      <p:sp>
+        <p:nvSpPr>
+          <p:cNvPr id="47" name="TextBox 46">
+            <a:extLst>
+              <a:ext uri="{FF2B5EF4-FFF2-40B4-BE49-F238E27FC236}">
+                <a16:creationId xmlns:a16="http://schemas.microsoft.com/office/drawing/2014/main" id="{FA296996-BB38-4FC3-B65F-C66A72F38309}"/>
               </a:ext>
             </a:extLst>
           </p:cNvPr>
@@ -3912,8 +4924,8 @@
         </p:nvSpPr>
         <p:spPr>
           <a:xfrm>
-            <a:off x="4118926" y="1000148"/>
-            <a:ext cx="3933565" cy="369332"/>
+            <a:off x="4576762" y="5343392"/>
+            <a:ext cx="3957636" cy="276999"/>
           </a:xfrm>
           <a:prstGeom prst="rect">
             <a:avLst/>
@@ -3926,10 +4938,129 @@
           </a:bodyPr>
           <a:lstStyle/>
           <a:p>
+            <a:pPr algn="ctr">
+              <a:tabLst>
+                <a:tab pos="1143028" algn="l"/>
+              </a:tabLst>
+            </a:pPr>
+            <a:r>
+              <a:rPr lang="en-US" sz="1200" i="1" dirty="0">
+                <a:solidFill>
+                  <a:schemeClr val="bg1"/>
+                </a:solidFill>
+              </a:rPr>
+              <a:t>Low  ------------------  Importance  ------------------  High</a:t>
+            </a:r>
+          </a:p>
+        </p:txBody>
+      </p:sp>
+      <p:sp>
+        <p:nvSpPr>
+          <p:cNvPr id="48" name="Rectangle: Rounded Corners 47">
+            <a:extLst>
+              <a:ext uri="{FF2B5EF4-FFF2-40B4-BE49-F238E27FC236}">
+                <a16:creationId xmlns:a16="http://schemas.microsoft.com/office/drawing/2014/main" id="{BEEF505C-71F6-4A96-B2DB-8A8BF1F56CB1}"/>
+              </a:ext>
+            </a:extLst>
+          </p:cNvPr>
+          <p:cNvSpPr/>
+          <p:nvPr/>
+        </p:nvSpPr>
+        <p:spPr>
+          <a:xfrm>
+            <a:off x="5253038" y="6084293"/>
+            <a:ext cx="1685925" cy="457200"/>
+          </a:xfrm>
+          <a:prstGeom prst="roundRect">
+            <a:avLst/>
+          </a:prstGeom>
+          <a:solidFill>
+            <a:schemeClr val="bg1">
+              <a:lumMod val="85000"/>
+            </a:schemeClr>
+          </a:solidFill>
+          <a:ln>
+            <a:solidFill>
+              <a:schemeClr val="bg1">
+                <a:lumMod val="65000"/>
+              </a:schemeClr>
+            </a:solidFill>
+          </a:ln>
+        </p:spPr>
+        <p:style>
+          <a:lnRef idx="2">
+            <a:schemeClr val="accent1">
+              <a:shade val="50000"/>
+            </a:schemeClr>
+          </a:lnRef>
+          <a:fillRef idx="1">
+            <a:schemeClr val="accent1"/>
+          </a:fillRef>
+          <a:effectRef idx="0">
+            <a:schemeClr val="accent1"/>
+          </a:effectRef>
+          <a:fontRef idx="minor">
+            <a:schemeClr val="lt1"/>
+          </a:fontRef>
+        </p:style>
+        <p:txBody>
+          <a:bodyPr rot="0" spcFirstLastPara="0" vertOverflow="overflow" horzOverflow="overflow" vert="horz" wrap="square" lIns="91440" tIns="45721" rIns="91440" bIns="45721" numCol="1" spcCol="0" rtlCol="0" fromWordArt="0" anchor="ctr" anchorCtr="0" forceAA="0" compatLnSpc="1">
+            <a:prstTxWarp prst="textNoShape">
+              <a:avLst/>
+            </a:prstTxWarp>
+            <a:noAutofit/>
+          </a:bodyPr>
+          <a:lstStyle/>
+          <a:p>
             <a:pPr algn="ctr"/>
             <a:r>
-              <a:rPr lang="en-US" i="1" dirty="0"/>
-              <a:t>Choose your investment profile</a:t>
+              <a:rPr lang="en-US" sz="1801" dirty="0">
+                <a:solidFill>
+                  <a:schemeClr val="bg2">
+                    <a:lumMod val="25000"/>
+                  </a:schemeClr>
+                </a:solidFill>
+              </a:rPr>
+              <a:t>View results</a:t>
+            </a:r>
+          </a:p>
+        </p:txBody>
+      </p:sp>
+      <p:sp>
+        <p:nvSpPr>
+          <p:cNvPr id="49" name="TextBox 48">
+            <a:extLst>
+              <a:ext uri="{FF2B5EF4-FFF2-40B4-BE49-F238E27FC236}">
+                <a16:creationId xmlns:a16="http://schemas.microsoft.com/office/drawing/2014/main" id="{11F74116-E533-4921-A2FD-E45DB3AF81C6}"/>
+              </a:ext>
+            </a:extLst>
+          </p:cNvPr>
+          <p:cNvSpPr txBox="1"/>
+          <p:nvPr/>
+        </p:nvSpPr>
+        <p:spPr>
+          <a:xfrm>
+            <a:off x="10348" y="40951"/>
+            <a:ext cx="1282641" cy="646331"/>
+          </a:xfrm>
+          <a:prstGeom prst="rect">
+            <a:avLst/>
+          </a:prstGeom>
+          <a:noFill/>
+        </p:spPr>
+        <p:txBody>
+          <a:bodyPr wrap="square" rtlCol="0">
+            <a:spAutoFit/>
+          </a:bodyPr>
+          <a:lstStyle/>
+          <a:p>
+            <a:r>
+              <a:rPr lang="en-US" dirty="0">
+                <a:highlight>
+                  <a:srgbClr val="FFFF00"/>
+                </a:highlight>
+              </a:rPr>
+              <a:t>LANDING PAGE</a:t>
             </a:r>
           </a:p>
         </p:txBody>
@@ -3937,7 +5068,2628 @@
     </p:spTree>
     <p:extLst>
       <p:ext uri="{BB962C8B-B14F-4D97-AF65-F5344CB8AC3E}">
-        <p14:creationId xmlns:p14="http://schemas.microsoft.com/office/powerpoint/2010/main" val="1324786182"/>
+        <p14:creationId xmlns:p14="http://schemas.microsoft.com/office/powerpoint/2010/main" val="4227619729"/>
+      </p:ext>
+    </p:extLst>
+  </p:cSld>
+  <p:clrMapOvr>
+    <a:masterClrMapping/>
+  </p:clrMapOvr>
+</p:sld>
+</file>
+
+<file path=ppt/slides/slide2.xml><?xml version="1.0" encoding="utf-8"?>
+<p:sld xmlns:a="http://schemas.openxmlformats.org/drawingml/2006/main" xmlns:r="http://schemas.openxmlformats.org/officeDocument/2006/relationships" xmlns:p="http://schemas.openxmlformats.org/presentationml/2006/main">
+  <p:cSld>
+    <p:bg>
+      <p:bgPr>
+        <a:solidFill>
+          <a:schemeClr val="bg2">
+            <a:lumMod val="25000"/>
+          </a:schemeClr>
+        </a:solidFill>
+        <a:effectLst/>
+      </p:bgPr>
+    </p:bg>
+    <p:spTree>
+      <p:nvGrpSpPr>
+        <p:cNvPr id="1" name=""/>
+        <p:cNvGrpSpPr/>
+        <p:nvPr/>
+      </p:nvGrpSpPr>
+      <p:grpSpPr>
+        <a:xfrm>
+          <a:off x="0" y="0"/>
+          <a:ext cx="0" cy="0"/>
+          <a:chOff x="0" y="0"/>
+          <a:chExt cx="0" cy="0"/>
+        </a:xfrm>
+      </p:grpSpPr>
+      <p:sp>
+        <p:nvSpPr>
+          <p:cNvPr id="4" name="TextBox 3">
+            <a:extLst>
+              <a:ext uri="{FF2B5EF4-FFF2-40B4-BE49-F238E27FC236}">
+                <a16:creationId xmlns:a16="http://schemas.microsoft.com/office/drawing/2014/main" id="{7BBBC584-60DD-4F8D-A86B-DA64C69219EF}"/>
+              </a:ext>
+            </a:extLst>
+          </p:cNvPr>
+          <p:cNvSpPr txBox="1"/>
+          <p:nvPr/>
+        </p:nvSpPr>
+        <p:spPr>
+          <a:xfrm>
+            <a:off x="10348" y="40951"/>
+            <a:ext cx="1282641" cy="646331"/>
+          </a:xfrm>
+          <a:prstGeom prst="rect">
+            <a:avLst/>
+          </a:prstGeom>
+          <a:noFill/>
+        </p:spPr>
+        <p:txBody>
+          <a:bodyPr wrap="square" rtlCol="0">
+            <a:spAutoFit/>
+          </a:bodyPr>
+          <a:lstStyle/>
+          <a:p>
+            <a:r>
+              <a:rPr lang="en-US" dirty="0">
+                <a:highlight>
+                  <a:srgbClr val="FFFF00"/>
+                </a:highlight>
+              </a:rPr>
+              <a:t>RESULTS PAGE</a:t>
+            </a:r>
+          </a:p>
+        </p:txBody>
+      </p:sp>
+      <p:sp>
+        <p:nvSpPr>
+          <p:cNvPr id="5" name="Title 1">
+            <a:extLst>
+              <a:ext uri="{FF2B5EF4-FFF2-40B4-BE49-F238E27FC236}">
+                <a16:creationId xmlns:a16="http://schemas.microsoft.com/office/drawing/2014/main" id="{3243682D-5053-4A4D-8A38-640CA1E587D6}"/>
+              </a:ext>
+            </a:extLst>
+          </p:cNvPr>
+          <p:cNvSpPr>
+            <a:spLocks noGrp="1"/>
+          </p:cNvSpPr>
+          <p:nvPr>
+            <p:ph type="title"/>
+          </p:nvPr>
+        </p:nvSpPr>
+        <p:spPr>
+          <a:xfrm>
+            <a:off x="838200" y="31751"/>
+            <a:ext cx="10515600" cy="726640"/>
+          </a:xfrm>
+        </p:spPr>
+        <p:txBody>
+          <a:bodyPr anchor="t">
+            <a:normAutofit/>
+          </a:bodyPr>
+          <a:lstStyle/>
+          <a:p>
+            <a:pPr algn="ctr"/>
+            <a:r>
+              <a:rPr lang="en-US" sz="3600" dirty="0">
+                <a:solidFill>
+                  <a:schemeClr val="bg1"/>
+                </a:solidFill>
+              </a:rPr>
+              <a:t>Recommended Markets</a:t>
+            </a:r>
+          </a:p>
+        </p:txBody>
+      </p:sp>
+      <p:cxnSp>
+        <p:nvCxnSpPr>
+          <p:cNvPr id="6" name="Straight Connector 5">
+            <a:extLst>
+              <a:ext uri="{FF2B5EF4-FFF2-40B4-BE49-F238E27FC236}">
+                <a16:creationId xmlns:a16="http://schemas.microsoft.com/office/drawing/2014/main" id="{FCBA789B-0647-4919-A13B-D0AD13309C81}"/>
+              </a:ext>
+            </a:extLst>
+          </p:cNvPr>
+          <p:cNvCxnSpPr/>
+          <p:nvPr/>
+        </p:nvCxnSpPr>
+        <p:spPr>
+          <a:xfrm>
+            <a:off x="838202" y="682542"/>
+            <a:ext cx="10515600" cy="0"/>
+          </a:xfrm>
+          <a:prstGeom prst="line">
+            <a:avLst/>
+          </a:prstGeom>
+          <a:ln>
+            <a:solidFill>
+              <a:schemeClr val="bg1">
+                <a:lumMod val="65000"/>
+              </a:schemeClr>
+            </a:solidFill>
+          </a:ln>
+        </p:spPr>
+        <p:style>
+          <a:lnRef idx="1">
+            <a:schemeClr val="accent1"/>
+          </a:lnRef>
+          <a:fillRef idx="0">
+            <a:schemeClr val="accent1"/>
+          </a:fillRef>
+          <a:effectRef idx="0">
+            <a:schemeClr val="accent1"/>
+          </a:effectRef>
+          <a:fontRef idx="minor">
+            <a:schemeClr val="tx1"/>
+          </a:fontRef>
+        </p:style>
+      </p:cxnSp>
+      <p:pic>
+        <p:nvPicPr>
+          <p:cNvPr id="7" name="Picture 6">
+            <a:extLst>
+              <a:ext uri="{FF2B5EF4-FFF2-40B4-BE49-F238E27FC236}">
+                <a16:creationId xmlns:a16="http://schemas.microsoft.com/office/drawing/2014/main" id="{8895A4F1-1EA2-45B7-972A-026B22FD8945}"/>
+              </a:ext>
+            </a:extLst>
+          </p:cNvPr>
+          <p:cNvPicPr>
+            <a:picLocks noChangeAspect="1"/>
+          </p:cNvPicPr>
+          <p:nvPr/>
+        </p:nvPicPr>
+        <p:blipFill>
+          <a:blip r:embed="rId2"/>
+          <a:stretch>
+            <a:fillRect/>
+          </a:stretch>
+        </p:blipFill>
+        <p:spPr>
+          <a:xfrm>
+            <a:off x="329195" y="1895475"/>
+            <a:ext cx="5486400" cy="3067050"/>
+          </a:xfrm>
+          <a:prstGeom prst="rect">
+            <a:avLst/>
+          </a:prstGeom>
+        </p:spPr>
+      </p:pic>
+      <p:cxnSp>
+        <p:nvCxnSpPr>
+          <p:cNvPr id="8" name="Straight Connector 7">
+            <a:extLst>
+              <a:ext uri="{FF2B5EF4-FFF2-40B4-BE49-F238E27FC236}">
+                <a16:creationId xmlns:a16="http://schemas.microsoft.com/office/drawing/2014/main" id="{DB15BDFD-1D35-4CA0-90B5-1F7AA9EB1FFC}"/>
+              </a:ext>
+            </a:extLst>
+          </p:cNvPr>
+          <p:cNvCxnSpPr>
+            <a:cxnSpLocks/>
+          </p:cNvCxnSpPr>
+          <p:nvPr/>
+        </p:nvCxnSpPr>
+        <p:spPr>
+          <a:xfrm>
+            <a:off x="6096000" y="1078010"/>
+            <a:ext cx="0" cy="5010273"/>
+          </a:xfrm>
+          <a:prstGeom prst="line">
+            <a:avLst/>
+          </a:prstGeom>
+          <a:ln>
+            <a:solidFill>
+              <a:schemeClr val="bg1">
+                <a:lumMod val="65000"/>
+              </a:schemeClr>
+            </a:solidFill>
+          </a:ln>
+        </p:spPr>
+        <p:style>
+          <a:lnRef idx="1">
+            <a:schemeClr val="accent1"/>
+          </a:lnRef>
+          <a:fillRef idx="0">
+            <a:schemeClr val="accent1"/>
+          </a:fillRef>
+          <a:effectRef idx="0">
+            <a:schemeClr val="accent1"/>
+          </a:effectRef>
+          <a:fontRef idx="minor">
+            <a:schemeClr val="tx1"/>
+          </a:fontRef>
+        </p:style>
+      </p:cxnSp>
+      <p:sp>
+        <p:nvSpPr>
+          <p:cNvPr id="10" name="TextBox 9">
+            <a:extLst>
+              <a:ext uri="{FF2B5EF4-FFF2-40B4-BE49-F238E27FC236}">
+                <a16:creationId xmlns:a16="http://schemas.microsoft.com/office/drawing/2014/main" id="{085093AF-B92F-426B-9AD4-BD66F57E6FCF}"/>
+              </a:ext>
+            </a:extLst>
+          </p:cNvPr>
+          <p:cNvSpPr txBox="1"/>
+          <p:nvPr/>
+        </p:nvSpPr>
+        <p:spPr>
+          <a:xfrm>
+            <a:off x="6250329" y="1000968"/>
+            <a:ext cx="3343835" cy="646331"/>
+          </a:xfrm>
+          <a:prstGeom prst="rect">
+            <a:avLst/>
+          </a:prstGeom>
+          <a:noFill/>
+        </p:spPr>
+        <p:txBody>
+          <a:bodyPr wrap="square" rtlCol="0">
+            <a:spAutoFit/>
+          </a:bodyPr>
+          <a:lstStyle/>
+          <a:p>
+            <a:r>
+              <a:rPr lang="en-US" dirty="0">
+                <a:solidFill>
+                  <a:schemeClr val="bg1"/>
+                </a:solidFill>
+              </a:rPr>
+              <a:t>Rank 1</a:t>
+            </a:r>
+          </a:p>
+          <a:p>
+            <a:r>
+              <a:rPr lang="en-US" b="1" dirty="0">
+                <a:solidFill>
+                  <a:schemeClr val="bg1"/>
+                </a:solidFill>
+              </a:rPr>
+              <a:t>55408 – Minneapolis, MN</a:t>
+            </a:r>
+          </a:p>
+        </p:txBody>
+      </p:sp>
+      <p:sp>
+        <p:nvSpPr>
+          <p:cNvPr id="12" name="TextBox 11">
+            <a:extLst>
+              <a:ext uri="{FF2B5EF4-FFF2-40B4-BE49-F238E27FC236}">
+                <a16:creationId xmlns:a16="http://schemas.microsoft.com/office/drawing/2014/main" id="{54654D6F-D81D-467C-91D5-8AD16A80E638}"/>
+              </a:ext>
+            </a:extLst>
+          </p:cNvPr>
+          <p:cNvSpPr txBox="1"/>
+          <p:nvPr/>
+        </p:nvSpPr>
+        <p:spPr>
+          <a:xfrm>
+            <a:off x="6250329" y="1654135"/>
+            <a:ext cx="833377" cy="892552"/>
+          </a:xfrm>
+          <a:prstGeom prst="rect">
+            <a:avLst/>
+          </a:prstGeom>
+          <a:noFill/>
+        </p:spPr>
+        <p:txBody>
+          <a:bodyPr wrap="square" rtlCol="0">
+            <a:spAutoFit/>
+          </a:bodyPr>
+          <a:lstStyle/>
+          <a:p>
+            <a:pPr algn="ctr"/>
+            <a:r>
+              <a:rPr lang="en-US" sz="4000" dirty="0">
+                <a:solidFill>
+                  <a:schemeClr val="bg1"/>
+                </a:solidFill>
+              </a:rPr>
+              <a:t>92</a:t>
+            </a:r>
+          </a:p>
+          <a:p>
+            <a:pPr algn="ctr"/>
+            <a:r>
+              <a:rPr lang="en-US" sz="1200" dirty="0">
+                <a:solidFill>
+                  <a:schemeClr val="bg1"/>
+                </a:solidFill>
+              </a:rPr>
+              <a:t>SCORE</a:t>
+            </a:r>
+          </a:p>
+        </p:txBody>
+      </p:sp>
+      <p:sp>
+        <p:nvSpPr>
+          <p:cNvPr id="13" name="TextBox 12">
+            <a:extLst>
+              <a:ext uri="{FF2B5EF4-FFF2-40B4-BE49-F238E27FC236}">
+                <a16:creationId xmlns:a16="http://schemas.microsoft.com/office/drawing/2014/main" id="{9616FC4D-51EB-4D8D-8D99-F24179913F25}"/>
+              </a:ext>
+            </a:extLst>
+          </p:cNvPr>
+          <p:cNvSpPr txBox="1"/>
+          <p:nvPr/>
+        </p:nvSpPr>
+        <p:spPr>
+          <a:xfrm>
+            <a:off x="7083706" y="1735987"/>
+            <a:ext cx="1828800" cy="307777"/>
+          </a:xfrm>
+          <a:prstGeom prst="rect">
+            <a:avLst/>
+          </a:prstGeom>
+          <a:noFill/>
+        </p:spPr>
+        <p:txBody>
+          <a:bodyPr wrap="square" rtlCol="0">
+            <a:spAutoFit/>
+          </a:bodyPr>
+          <a:lstStyle/>
+          <a:p>
+            <a:pPr algn="r"/>
+            <a:r>
+              <a:rPr lang="en-US" sz="1400" dirty="0">
+                <a:solidFill>
+                  <a:schemeClr val="bg1"/>
+                </a:solidFill>
+              </a:rPr>
+              <a:t>Population</a:t>
+            </a:r>
+            <a:endParaRPr lang="en-US" sz="500" dirty="0">
+              <a:solidFill>
+                <a:schemeClr val="bg1"/>
+              </a:solidFill>
+            </a:endParaRPr>
+          </a:p>
+        </p:txBody>
+      </p:sp>
+      <p:sp>
+        <p:nvSpPr>
+          <p:cNvPr id="14" name="TextBox 13">
+            <a:extLst>
+              <a:ext uri="{FF2B5EF4-FFF2-40B4-BE49-F238E27FC236}">
+                <a16:creationId xmlns:a16="http://schemas.microsoft.com/office/drawing/2014/main" id="{FE4C951A-8B90-4779-951E-2B4C2BA673F8}"/>
+              </a:ext>
+            </a:extLst>
+          </p:cNvPr>
+          <p:cNvSpPr txBox="1"/>
+          <p:nvPr/>
+        </p:nvSpPr>
+        <p:spPr>
+          <a:xfrm>
+            <a:off x="7083706" y="1992200"/>
+            <a:ext cx="1828800" cy="307777"/>
+          </a:xfrm>
+          <a:prstGeom prst="rect">
+            <a:avLst/>
+          </a:prstGeom>
+          <a:noFill/>
+        </p:spPr>
+        <p:txBody>
+          <a:bodyPr wrap="square" rtlCol="0">
+            <a:spAutoFit/>
+          </a:bodyPr>
+          <a:lstStyle/>
+          <a:p>
+            <a:pPr algn="r"/>
+            <a:r>
+              <a:rPr lang="en-US" sz="1400" dirty="0">
+                <a:solidFill>
+                  <a:schemeClr val="bg1"/>
+                </a:solidFill>
+              </a:rPr>
+              <a:t>Median Income</a:t>
+            </a:r>
+            <a:endParaRPr lang="en-US" sz="500" dirty="0">
+              <a:solidFill>
+                <a:schemeClr val="bg1"/>
+              </a:solidFill>
+            </a:endParaRPr>
+          </a:p>
+        </p:txBody>
+      </p:sp>
+      <p:sp>
+        <p:nvSpPr>
+          <p:cNvPr id="15" name="TextBox 14">
+            <a:extLst>
+              <a:ext uri="{FF2B5EF4-FFF2-40B4-BE49-F238E27FC236}">
+                <a16:creationId xmlns:a16="http://schemas.microsoft.com/office/drawing/2014/main" id="{A4F60761-F40E-49BF-99C5-E7206DEFE909}"/>
+              </a:ext>
+            </a:extLst>
+          </p:cNvPr>
+          <p:cNvSpPr txBox="1"/>
+          <p:nvPr/>
+        </p:nvSpPr>
+        <p:spPr>
+          <a:xfrm>
+            <a:off x="7083706" y="2244883"/>
+            <a:ext cx="1828800" cy="307777"/>
+          </a:xfrm>
+          <a:prstGeom prst="rect">
+            <a:avLst/>
+          </a:prstGeom>
+          <a:noFill/>
+        </p:spPr>
+        <p:txBody>
+          <a:bodyPr wrap="square" rtlCol="0">
+            <a:spAutoFit/>
+          </a:bodyPr>
+          <a:lstStyle/>
+          <a:p>
+            <a:pPr algn="r"/>
+            <a:r>
+              <a:rPr lang="en-US" sz="1400" dirty="0">
+                <a:solidFill>
+                  <a:schemeClr val="bg1"/>
+                </a:solidFill>
+              </a:rPr>
+              <a:t>Avg. Days on Market</a:t>
+            </a:r>
+            <a:endParaRPr lang="en-US" sz="500" dirty="0">
+              <a:solidFill>
+                <a:schemeClr val="bg1"/>
+              </a:solidFill>
+            </a:endParaRPr>
+          </a:p>
+        </p:txBody>
+      </p:sp>
+      <p:sp>
+        <p:nvSpPr>
+          <p:cNvPr id="16" name="TextBox 15">
+            <a:extLst>
+              <a:ext uri="{FF2B5EF4-FFF2-40B4-BE49-F238E27FC236}">
+                <a16:creationId xmlns:a16="http://schemas.microsoft.com/office/drawing/2014/main" id="{38862C95-9444-4368-9F08-DA230623E842}"/>
+              </a:ext>
+            </a:extLst>
+          </p:cNvPr>
+          <p:cNvSpPr txBox="1"/>
+          <p:nvPr/>
+        </p:nvSpPr>
+        <p:spPr>
+          <a:xfrm>
+            <a:off x="7917083" y="1735987"/>
+            <a:ext cx="1828800" cy="307777"/>
+          </a:xfrm>
+          <a:prstGeom prst="rect">
+            <a:avLst/>
+          </a:prstGeom>
+          <a:noFill/>
+        </p:spPr>
+        <p:txBody>
+          <a:bodyPr wrap="square" rtlCol="0">
+            <a:spAutoFit/>
+          </a:bodyPr>
+          <a:lstStyle/>
+          <a:p>
+            <a:pPr algn="r"/>
+            <a:r>
+              <a:rPr lang="en-US" sz="1400" dirty="0">
+                <a:solidFill>
+                  <a:schemeClr val="bg1"/>
+                </a:solidFill>
+              </a:rPr>
+              <a:t>25,125</a:t>
+            </a:r>
+            <a:endParaRPr lang="en-US" sz="500" dirty="0">
+              <a:solidFill>
+                <a:schemeClr val="bg1"/>
+              </a:solidFill>
+            </a:endParaRPr>
+          </a:p>
+        </p:txBody>
+      </p:sp>
+      <p:sp>
+        <p:nvSpPr>
+          <p:cNvPr id="17" name="TextBox 16">
+            <a:extLst>
+              <a:ext uri="{FF2B5EF4-FFF2-40B4-BE49-F238E27FC236}">
+                <a16:creationId xmlns:a16="http://schemas.microsoft.com/office/drawing/2014/main" id="{6A949E70-6C5D-401B-BE16-9F63611FB876}"/>
+              </a:ext>
+            </a:extLst>
+          </p:cNvPr>
+          <p:cNvSpPr txBox="1"/>
+          <p:nvPr/>
+        </p:nvSpPr>
+        <p:spPr>
+          <a:xfrm>
+            <a:off x="7917083" y="1992200"/>
+            <a:ext cx="1828800" cy="307777"/>
+          </a:xfrm>
+          <a:prstGeom prst="rect">
+            <a:avLst/>
+          </a:prstGeom>
+          <a:noFill/>
+        </p:spPr>
+        <p:txBody>
+          <a:bodyPr wrap="square" rtlCol="0">
+            <a:spAutoFit/>
+          </a:bodyPr>
+          <a:lstStyle/>
+          <a:p>
+            <a:pPr algn="r"/>
+            <a:r>
+              <a:rPr lang="en-US" sz="1400" dirty="0">
+                <a:solidFill>
+                  <a:schemeClr val="bg1"/>
+                </a:solidFill>
+              </a:rPr>
+              <a:t>$82,135</a:t>
+            </a:r>
+            <a:endParaRPr lang="en-US" sz="500" dirty="0">
+              <a:solidFill>
+                <a:schemeClr val="bg1"/>
+              </a:solidFill>
+            </a:endParaRPr>
+          </a:p>
+        </p:txBody>
+      </p:sp>
+      <p:sp>
+        <p:nvSpPr>
+          <p:cNvPr id="18" name="TextBox 17">
+            <a:extLst>
+              <a:ext uri="{FF2B5EF4-FFF2-40B4-BE49-F238E27FC236}">
+                <a16:creationId xmlns:a16="http://schemas.microsoft.com/office/drawing/2014/main" id="{242E09A3-1470-4DE5-B3F5-4C450140E64D}"/>
+              </a:ext>
+            </a:extLst>
+          </p:cNvPr>
+          <p:cNvSpPr txBox="1"/>
+          <p:nvPr/>
+        </p:nvSpPr>
+        <p:spPr>
+          <a:xfrm>
+            <a:off x="7917083" y="2244883"/>
+            <a:ext cx="1828800" cy="307777"/>
+          </a:xfrm>
+          <a:prstGeom prst="rect">
+            <a:avLst/>
+          </a:prstGeom>
+          <a:noFill/>
+        </p:spPr>
+        <p:txBody>
+          <a:bodyPr wrap="square" rtlCol="0">
+            <a:spAutoFit/>
+          </a:bodyPr>
+          <a:lstStyle/>
+          <a:p>
+            <a:pPr algn="r"/>
+            <a:r>
+              <a:rPr lang="en-US" sz="1400" dirty="0">
+                <a:solidFill>
+                  <a:schemeClr val="bg1"/>
+                </a:solidFill>
+              </a:rPr>
+              <a:t>32</a:t>
+            </a:r>
+            <a:endParaRPr lang="en-US" sz="500" dirty="0">
+              <a:solidFill>
+                <a:schemeClr val="bg1"/>
+              </a:solidFill>
+            </a:endParaRPr>
+          </a:p>
+        </p:txBody>
+      </p:sp>
+      <p:sp>
+        <p:nvSpPr>
+          <p:cNvPr id="19" name="TextBox 18">
+            <a:extLst>
+              <a:ext uri="{FF2B5EF4-FFF2-40B4-BE49-F238E27FC236}">
+                <a16:creationId xmlns:a16="http://schemas.microsoft.com/office/drawing/2014/main" id="{97C2D798-80F4-4E0C-BCCE-CBE80882D645}"/>
+              </a:ext>
+            </a:extLst>
+          </p:cNvPr>
+          <p:cNvSpPr txBox="1"/>
+          <p:nvPr/>
+        </p:nvSpPr>
+        <p:spPr>
+          <a:xfrm>
+            <a:off x="10150997" y="1500246"/>
+            <a:ext cx="1828800" cy="307777"/>
+          </a:xfrm>
+          <a:prstGeom prst="rect">
+            <a:avLst/>
+          </a:prstGeom>
+          <a:noFill/>
+        </p:spPr>
+        <p:txBody>
+          <a:bodyPr wrap="square" rtlCol="0">
+            <a:spAutoFit/>
+          </a:bodyPr>
+          <a:lstStyle/>
+          <a:p>
+            <a:pPr algn="r"/>
+            <a:r>
+              <a:rPr lang="en-US" sz="1400" dirty="0">
+                <a:solidFill>
+                  <a:schemeClr val="bg1"/>
+                </a:solidFill>
+              </a:rPr>
+              <a:t>Percentile</a:t>
+            </a:r>
+            <a:endParaRPr lang="en-US" sz="500" dirty="0">
+              <a:solidFill>
+                <a:schemeClr val="bg1"/>
+              </a:solidFill>
+            </a:endParaRPr>
+          </a:p>
+        </p:txBody>
+      </p:sp>
+      <p:sp>
+        <p:nvSpPr>
+          <p:cNvPr id="20" name="Rectangle 19">
+            <a:extLst>
+              <a:ext uri="{FF2B5EF4-FFF2-40B4-BE49-F238E27FC236}">
+                <a16:creationId xmlns:a16="http://schemas.microsoft.com/office/drawing/2014/main" id="{3CD237BC-ADB1-4353-B9DB-6269575044A6}"/>
+              </a:ext>
+            </a:extLst>
+          </p:cNvPr>
+          <p:cNvSpPr/>
+          <p:nvPr/>
+        </p:nvSpPr>
+        <p:spPr>
+          <a:xfrm>
+            <a:off x="9776749" y="1791081"/>
+            <a:ext cx="2103120" cy="182880"/>
+          </a:xfrm>
+          <a:prstGeom prst="rect">
+            <a:avLst/>
+          </a:prstGeom>
+          <a:noFill/>
+          <a:ln>
+            <a:solidFill>
+              <a:schemeClr val="bg1">
+                <a:lumMod val="65000"/>
+              </a:schemeClr>
+            </a:solidFill>
+          </a:ln>
+        </p:spPr>
+        <p:style>
+          <a:lnRef idx="2">
+            <a:schemeClr val="accent1">
+              <a:shade val="50000"/>
+            </a:schemeClr>
+          </a:lnRef>
+          <a:fillRef idx="1">
+            <a:schemeClr val="accent1"/>
+          </a:fillRef>
+          <a:effectRef idx="0">
+            <a:schemeClr val="accent1"/>
+          </a:effectRef>
+          <a:fontRef idx="minor">
+            <a:schemeClr val="lt1"/>
+          </a:fontRef>
+        </p:style>
+        <p:txBody>
+          <a:bodyPr rtlCol="0" anchor="ctr"/>
+          <a:lstStyle/>
+          <a:p>
+            <a:pPr algn="ctr"/>
+            <a:endParaRPr lang="en-US"/>
+          </a:p>
+        </p:txBody>
+      </p:sp>
+      <p:sp>
+        <p:nvSpPr>
+          <p:cNvPr id="21" name="Rectangle 20">
+            <a:extLst>
+              <a:ext uri="{FF2B5EF4-FFF2-40B4-BE49-F238E27FC236}">
+                <a16:creationId xmlns:a16="http://schemas.microsoft.com/office/drawing/2014/main" id="{BB241A49-9683-47BB-8803-B460486A810D}"/>
+              </a:ext>
+            </a:extLst>
+          </p:cNvPr>
+          <p:cNvSpPr/>
+          <p:nvPr/>
+        </p:nvSpPr>
+        <p:spPr>
+          <a:xfrm>
+            <a:off x="9776749" y="2053718"/>
+            <a:ext cx="2103120" cy="182880"/>
+          </a:xfrm>
+          <a:prstGeom prst="rect">
+            <a:avLst/>
+          </a:prstGeom>
+          <a:noFill/>
+          <a:ln>
+            <a:solidFill>
+              <a:schemeClr val="bg1">
+                <a:lumMod val="65000"/>
+              </a:schemeClr>
+            </a:solidFill>
+          </a:ln>
+        </p:spPr>
+        <p:style>
+          <a:lnRef idx="2">
+            <a:schemeClr val="accent1">
+              <a:shade val="50000"/>
+            </a:schemeClr>
+          </a:lnRef>
+          <a:fillRef idx="1">
+            <a:schemeClr val="accent1"/>
+          </a:fillRef>
+          <a:effectRef idx="0">
+            <a:schemeClr val="accent1"/>
+          </a:effectRef>
+          <a:fontRef idx="minor">
+            <a:schemeClr val="lt1"/>
+          </a:fontRef>
+        </p:style>
+        <p:txBody>
+          <a:bodyPr rtlCol="0" anchor="ctr"/>
+          <a:lstStyle/>
+          <a:p>
+            <a:pPr algn="ctr"/>
+            <a:endParaRPr lang="en-US"/>
+          </a:p>
+        </p:txBody>
+      </p:sp>
+      <p:sp>
+        <p:nvSpPr>
+          <p:cNvPr id="22" name="Rectangle 21">
+            <a:extLst>
+              <a:ext uri="{FF2B5EF4-FFF2-40B4-BE49-F238E27FC236}">
+                <a16:creationId xmlns:a16="http://schemas.microsoft.com/office/drawing/2014/main" id="{E63F115E-41A0-48F4-9605-2EE2498795D3}"/>
+              </a:ext>
+            </a:extLst>
+          </p:cNvPr>
+          <p:cNvSpPr/>
+          <p:nvPr/>
+        </p:nvSpPr>
+        <p:spPr>
+          <a:xfrm>
+            <a:off x="9776749" y="2299977"/>
+            <a:ext cx="2103120" cy="182880"/>
+          </a:xfrm>
+          <a:prstGeom prst="rect">
+            <a:avLst/>
+          </a:prstGeom>
+          <a:noFill/>
+          <a:ln>
+            <a:solidFill>
+              <a:schemeClr val="bg1">
+                <a:lumMod val="65000"/>
+              </a:schemeClr>
+            </a:solidFill>
+          </a:ln>
+        </p:spPr>
+        <p:style>
+          <a:lnRef idx="2">
+            <a:schemeClr val="accent1">
+              <a:shade val="50000"/>
+            </a:schemeClr>
+          </a:lnRef>
+          <a:fillRef idx="1">
+            <a:schemeClr val="accent1"/>
+          </a:fillRef>
+          <a:effectRef idx="0">
+            <a:schemeClr val="accent1"/>
+          </a:effectRef>
+          <a:fontRef idx="minor">
+            <a:schemeClr val="lt1"/>
+          </a:fontRef>
+        </p:style>
+        <p:txBody>
+          <a:bodyPr rtlCol="0" anchor="ctr"/>
+          <a:lstStyle/>
+          <a:p>
+            <a:pPr algn="ctr"/>
+            <a:endParaRPr lang="en-US"/>
+          </a:p>
+        </p:txBody>
+      </p:sp>
+      <p:sp>
+        <p:nvSpPr>
+          <p:cNvPr id="23" name="Rectangle 22">
+            <a:extLst>
+              <a:ext uri="{FF2B5EF4-FFF2-40B4-BE49-F238E27FC236}">
+                <a16:creationId xmlns:a16="http://schemas.microsoft.com/office/drawing/2014/main" id="{AE14E1C1-3927-4C82-A4E5-897307EA4EF0}"/>
+              </a:ext>
+            </a:extLst>
+          </p:cNvPr>
+          <p:cNvSpPr/>
+          <p:nvPr/>
+        </p:nvSpPr>
+        <p:spPr>
+          <a:xfrm>
+            <a:off x="9776749" y="1791081"/>
+            <a:ext cx="1280160" cy="182880"/>
+          </a:xfrm>
+          <a:prstGeom prst="rect">
+            <a:avLst/>
+          </a:prstGeom>
+          <a:solidFill>
+            <a:schemeClr val="bg1">
+              <a:lumMod val="65000"/>
+            </a:schemeClr>
+          </a:solidFill>
+          <a:ln>
+            <a:solidFill>
+              <a:schemeClr val="bg1">
+                <a:lumMod val="65000"/>
+              </a:schemeClr>
+            </a:solidFill>
+          </a:ln>
+        </p:spPr>
+        <p:style>
+          <a:lnRef idx="2">
+            <a:schemeClr val="accent1">
+              <a:shade val="50000"/>
+            </a:schemeClr>
+          </a:lnRef>
+          <a:fillRef idx="1">
+            <a:schemeClr val="accent1"/>
+          </a:fillRef>
+          <a:effectRef idx="0">
+            <a:schemeClr val="accent1"/>
+          </a:effectRef>
+          <a:fontRef idx="minor">
+            <a:schemeClr val="lt1"/>
+          </a:fontRef>
+        </p:style>
+        <p:txBody>
+          <a:bodyPr rtlCol="0" anchor="ctr"/>
+          <a:lstStyle/>
+          <a:p>
+            <a:pPr algn="ctr"/>
+            <a:endParaRPr lang="en-US"/>
+          </a:p>
+        </p:txBody>
+      </p:sp>
+      <p:sp>
+        <p:nvSpPr>
+          <p:cNvPr id="24" name="Rectangle 23">
+            <a:extLst>
+              <a:ext uri="{FF2B5EF4-FFF2-40B4-BE49-F238E27FC236}">
+                <a16:creationId xmlns:a16="http://schemas.microsoft.com/office/drawing/2014/main" id="{150B34DE-1152-4B96-B4B4-5AD8C547D8EF}"/>
+              </a:ext>
+            </a:extLst>
+          </p:cNvPr>
+          <p:cNvSpPr/>
+          <p:nvPr/>
+        </p:nvSpPr>
+        <p:spPr>
+          <a:xfrm>
+            <a:off x="9776749" y="2049497"/>
+            <a:ext cx="1920240" cy="182880"/>
+          </a:xfrm>
+          <a:prstGeom prst="rect">
+            <a:avLst/>
+          </a:prstGeom>
+          <a:solidFill>
+            <a:schemeClr val="bg1">
+              <a:lumMod val="65000"/>
+            </a:schemeClr>
+          </a:solidFill>
+          <a:ln>
+            <a:solidFill>
+              <a:schemeClr val="bg1">
+                <a:lumMod val="65000"/>
+              </a:schemeClr>
+            </a:solidFill>
+          </a:ln>
+        </p:spPr>
+        <p:style>
+          <a:lnRef idx="2">
+            <a:schemeClr val="accent1">
+              <a:shade val="50000"/>
+            </a:schemeClr>
+          </a:lnRef>
+          <a:fillRef idx="1">
+            <a:schemeClr val="accent1"/>
+          </a:fillRef>
+          <a:effectRef idx="0">
+            <a:schemeClr val="accent1"/>
+          </a:effectRef>
+          <a:fontRef idx="minor">
+            <a:schemeClr val="lt1"/>
+          </a:fontRef>
+        </p:style>
+        <p:txBody>
+          <a:bodyPr rtlCol="0" anchor="ctr"/>
+          <a:lstStyle/>
+          <a:p>
+            <a:pPr algn="ctr"/>
+            <a:endParaRPr lang="en-US"/>
+          </a:p>
+        </p:txBody>
+      </p:sp>
+      <p:sp>
+        <p:nvSpPr>
+          <p:cNvPr id="25" name="Rectangle 24">
+            <a:extLst>
+              <a:ext uri="{FF2B5EF4-FFF2-40B4-BE49-F238E27FC236}">
+                <a16:creationId xmlns:a16="http://schemas.microsoft.com/office/drawing/2014/main" id="{88C8546E-A748-4FF0-8446-C065EC3F1012}"/>
+              </a:ext>
+            </a:extLst>
+          </p:cNvPr>
+          <p:cNvSpPr/>
+          <p:nvPr/>
+        </p:nvSpPr>
+        <p:spPr>
+          <a:xfrm>
+            <a:off x="9776749" y="2307331"/>
+            <a:ext cx="1645920" cy="182880"/>
+          </a:xfrm>
+          <a:prstGeom prst="rect">
+            <a:avLst/>
+          </a:prstGeom>
+          <a:solidFill>
+            <a:schemeClr val="bg1">
+              <a:lumMod val="65000"/>
+            </a:schemeClr>
+          </a:solidFill>
+          <a:ln>
+            <a:solidFill>
+              <a:schemeClr val="bg1">
+                <a:lumMod val="65000"/>
+              </a:schemeClr>
+            </a:solidFill>
+          </a:ln>
+        </p:spPr>
+        <p:style>
+          <a:lnRef idx="2">
+            <a:schemeClr val="accent1">
+              <a:shade val="50000"/>
+            </a:schemeClr>
+          </a:lnRef>
+          <a:fillRef idx="1">
+            <a:schemeClr val="accent1"/>
+          </a:fillRef>
+          <a:effectRef idx="0">
+            <a:schemeClr val="accent1"/>
+          </a:effectRef>
+          <a:fontRef idx="minor">
+            <a:schemeClr val="lt1"/>
+          </a:fontRef>
+        </p:style>
+        <p:txBody>
+          <a:bodyPr rtlCol="0" anchor="ctr"/>
+          <a:lstStyle/>
+          <a:p>
+            <a:pPr algn="ctr"/>
+            <a:endParaRPr lang="en-US"/>
+          </a:p>
+        </p:txBody>
+      </p:sp>
+      <p:sp>
+        <p:nvSpPr>
+          <p:cNvPr id="26" name="TextBox 25">
+            <a:extLst>
+              <a:ext uri="{FF2B5EF4-FFF2-40B4-BE49-F238E27FC236}">
+                <a16:creationId xmlns:a16="http://schemas.microsoft.com/office/drawing/2014/main" id="{9BF337B2-8988-4840-9C8E-81D20B597072}"/>
+              </a:ext>
+            </a:extLst>
+          </p:cNvPr>
+          <p:cNvSpPr txBox="1"/>
+          <p:nvPr/>
+        </p:nvSpPr>
+        <p:spPr>
+          <a:xfrm>
+            <a:off x="6250329" y="2698194"/>
+            <a:ext cx="3343835" cy="646331"/>
+          </a:xfrm>
+          <a:prstGeom prst="rect">
+            <a:avLst/>
+          </a:prstGeom>
+          <a:noFill/>
+        </p:spPr>
+        <p:txBody>
+          <a:bodyPr wrap="square" rtlCol="0">
+            <a:spAutoFit/>
+          </a:bodyPr>
+          <a:lstStyle/>
+          <a:p>
+            <a:r>
+              <a:rPr lang="en-US" dirty="0">
+                <a:solidFill>
+                  <a:schemeClr val="bg1"/>
+                </a:solidFill>
+              </a:rPr>
+              <a:t>Rank 2</a:t>
+            </a:r>
+          </a:p>
+          <a:p>
+            <a:r>
+              <a:rPr lang="en-US" b="1" dirty="0">
+                <a:solidFill>
+                  <a:schemeClr val="bg1"/>
+                </a:solidFill>
+              </a:rPr>
+              <a:t>90210 – Beverly Hills, CA</a:t>
+            </a:r>
+          </a:p>
+        </p:txBody>
+      </p:sp>
+      <p:sp>
+        <p:nvSpPr>
+          <p:cNvPr id="27" name="TextBox 26">
+            <a:extLst>
+              <a:ext uri="{FF2B5EF4-FFF2-40B4-BE49-F238E27FC236}">
+                <a16:creationId xmlns:a16="http://schemas.microsoft.com/office/drawing/2014/main" id="{421AA1A7-4B14-44B3-B0D7-DAF3070E2E9C}"/>
+              </a:ext>
+            </a:extLst>
+          </p:cNvPr>
+          <p:cNvSpPr txBox="1"/>
+          <p:nvPr/>
+        </p:nvSpPr>
+        <p:spPr>
+          <a:xfrm>
+            <a:off x="6250329" y="3351361"/>
+            <a:ext cx="833377" cy="892552"/>
+          </a:xfrm>
+          <a:prstGeom prst="rect">
+            <a:avLst/>
+          </a:prstGeom>
+          <a:noFill/>
+        </p:spPr>
+        <p:txBody>
+          <a:bodyPr wrap="square" rtlCol="0">
+            <a:spAutoFit/>
+          </a:bodyPr>
+          <a:lstStyle/>
+          <a:p>
+            <a:pPr algn="ctr"/>
+            <a:r>
+              <a:rPr lang="en-US" sz="4000" dirty="0">
+                <a:solidFill>
+                  <a:schemeClr val="bg1"/>
+                </a:solidFill>
+              </a:rPr>
+              <a:t>90</a:t>
+            </a:r>
+          </a:p>
+          <a:p>
+            <a:pPr algn="ctr"/>
+            <a:r>
+              <a:rPr lang="en-US" sz="1200" dirty="0">
+                <a:solidFill>
+                  <a:schemeClr val="bg1"/>
+                </a:solidFill>
+              </a:rPr>
+              <a:t>SCORE</a:t>
+            </a:r>
+          </a:p>
+        </p:txBody>
+      </p:sp>
+      <p:sp>
+        <p:nvSpPr>
+          <p:cNvPr id="28" name="TextBox 27">
+            <a:extLst>
+              <a:ext uri="{FF2B5EF4-FFF2-40B4-BE49-F238E27FC236}">
+                <a16:creationId xmlns:a16="http://schemas.microsoft.com/office/drawing/2014/main" id="{D3D4B539-79EB-4662-B84C-D5764B845086}"/>
+              </a:ext>
+            </a:extLst>
+          </p:cNvPr>
+          <p:cNvSpPr txBox="1"/>
+          <p:nvPr/>
+        </p:nvSpPr>
+        <p:spPr>
+          <a:xfrm>
+            <a:off x="7083706" y="3433213"/>
+            <a:ext cx="1828800" cy="307777"/>
+          </a:xfrm>
+          <a:prstGeom prst="rect">
+            <a:avLst/>
+          </a:prstGeom>
+          <a:noFill/>
+        </p:spPr>
+        <p:txBody>
+          <a:bodyPr wrap="square" rtlCol="0">
+            <a:spAutoFit/>
+          </a:bodyPr>
+          <a:lstStyle/>
+          <a:p>
+            <a:pPr algn="r"/>
+            <a:r>
+              <a:rPr lang="en-US" sz="1400" dirty="0">
+                <a:solidFill>
+                  <a:schemeClr val="bg1"/>
+                </a:solidFill>
+              </a:rPr>
+              <a:t>Population</a:t>
+            </a:r>
+            <a:endParaRPr lang="en-US" sz="500" dirty="0">
+              <a:solidFill>
+                <a:schemeClr val="bg1"/>
+              </a:solidFill>
+            </a:endParaRPr>
+          </a:p>
+        </p:txBody>
+      </p:sp>
+      <p:sp>
+        <p:nvSpPr>
+          <p:cNvPr id="29" name="TextBox 28">
+            <a:extLst>
+              <a:ext uri="{FF2B5EF4-FFF2-40B4-BE49-F238E27FC236}">
+                <a16:creationId xmlns:a16="http://schemas.microsoft.com/office/drawing/2014/main" id="{0A3EB5DD-0D36-427E-9630-A9B24F7CA039}"/>
+              </a:ext>
+            </a:extLst>
+          </p:cNvPr>
+          <p:cNvSpPr txBox="1"/>
+          <p:nvPr/>
+        </p:nvSpPr>
+        <p:spPr>
+          <a:xfrm>
+            <a:off x="7083706" y="3689426"/>
+            <a:ext cx="1828800" cy="307777"/>
+          </a:xfrm>
+          <a:prstGeom prst="rect">
+            <a:avLst/>
+          </a:prstGeom>
+          <a:noFill/>
+        </p:spPr>
+        <p:txBody>
+          <a:bodyPr wrap="square" rtlCol="0">
+            <a:spAutoFit/>
+          </a:bodyPr>
+          <a:lstStyle/>
+          <a:p>
+            <a:pPr algn="r"/>
+            <a:r>
+              <a:rPr lang="en-US" sz="1400" dirty="0">
+                <a:solidFill>
+                  <a:schemeClr val="bg1"/>
+                </a:solidFill>
+              </a:rPr>
+              <a:t>Median Income</a:t>
+            </a:r>
+            <a:endParaRPr lang="en-US" sz="500" dirty="0">
+              <a:solidFill>
+                <a:schemeClr val="bg1"/>
+              </a:solidFill>
+            </a:endParaRPr>
+          </a:p>
+        </p:txBody>
+      </p:sp>
+      <p:sp>
+        <p:nvSpPr>
+          <p:cNvPr id="30" name="TextBox 29">
+            <a:extLst>
+              <a:ext uri="{FF2B5EF4-FFF2-40B4-BE49-F238E27FC236}">
+                <a16:creationId xmlns:a16="http://schemas.microsoft.com/office/drawing/2014/main" id="{A6DB24F4-C0DE-4AF6-8733-7F08035E334E}"/>
+              </a:ext>
+            </a:extLst>
+          </p:cNvPr>
+          <p:cNvSpPr txBox="1"/>
+          <p:nvPr/>
+        </p:nvSpPr>
+        <p:spPr>
+          <a:xfrm>
+            <a:off x="7083706" y="3942109"/>
+            <a:ext cx="1828800" cy="307777"/>
+          </a:xfrm>
+          <a:prstGeom prst="rect">
+            <a:avLst/>
+          </a:prstGeom>
+          <a:noFill/>
+        </p:spPr>
+        <p:txBody>
+          <a:bodyPr wrap="square" rtlCol="0">
+            <a:spAutoFit/>
+          </a:bodyPr>
+          <a:lstStyle/>
+          <a:p>
+            <a:pPr algn="r"/>
+            <a:r>
+              <a:rPr lang="en-US" sz="1400" dirty="0">
+                <a:solidFill>
+                  <a:schemeClr val="bg1"/>
+                </a:solidFill>
+              </a:rPr>
+              <a:t>Avg. Days on Market</a:t>
+            </a:r>
+            <a:endParaRPr lang="en-US" sz="500" dirty="0">
+              <a:solidFill>
+                <a:schemeClr val="bg1"/>
+              </a:solidFill>
+            </a:endParaRPr>
+          </a:p>
+        </p:txBody>
+      </p:sp>
+      <p:sp>
+        <p:nvSpPr>
+          <p:cNvPr id="31" name="TextBox 30">
+            <a:extLst>
+              <a:ext uri="{FF2B5EF4-FFF2-40B4-BE49-F238E27FC236}">
+                <a16:creationId xmlns:a16="http://schemas.microsoft.com/office/drawing/2014/main" id="{055EBAE8-F426-444F-AA8A-DB697FC14E99}"/>
+              </a:ext>
+            </a:extLst>
+          </p:cNvPr>
+          <p:cNvSpPr txBox="1"/>
+          <p:nvPr/>
+        </p:nvSpPr>
+        <p:spPr>
+          <a:xfrm>
+            <a:off x="7917083" y="3433213"/>
+            <a:ext cx="1828800" cy="307777"/>
+          </a:xfrm>
+          <a:prstGeom prst="rect">
+            <a:avLst/>
+          </a:prstGeom>
+          <a:noFill/>
+        </p:spPr>
+        <p:txBody>
+          <a:bodyPr wrap="square" rtlCol="0">
+            <a:spAutoFit/>
+          </a:bodyPr>
+          <a:lstStyle/>
+          <a:p>
+            <a:pPr algn="r"/>
+            <a:r>
+              <a:rPr lang="en-US" sz="1400" dirty="0">
+                <a:solidFill>
+                  <a:schemeClr val="bg1"/>
+                </a:solidFill>
+              </a:rPr>
+              <a:t>31,230</a:t>
+            </a:r>
+            <a:endParaRPr lang="en-US" sz="500" dirty="0">
+              <a:solidFill>
+                <a:schemeClr val="bg1"/>
+              </a:solidFill>
+            </a:endParaRPr>
+          </a:p>
+        </p:txBody>
+      </p:sp>
+      <p:sp>
+        <p:nvSpPr>
+          <p:cNvPr id="32" name="TextBox 31">
+            <a:extLst>
+              <a:ext uri="{FF2B5EF4-FFF2-40B4-BE49-F238E27FC236}">
+                <a16:creationId xmlns:a16="http://schemas.microsoft.com/office/drawing/2014/main" id="{427CB850-B9C6-4C23-AE0E-5D0DDBC8BE28}"/>
+              </a:ext>
+            </a:extLst>
+          </p:cNvPr>
+          <p:cNvSpPr txBox="1"/>
+          <p:nvPr/>
+        </p:nvSpPr>
+        <p:spPr>
+          <a:xfrm>
+            <a:off x="7917083" y="3689426"/>
+            <a:ext cx="1828800" cy="307777"/>
+          </a:xfrm>
+          <a:prstGeom prst="rect">
+            <a:avLst/>
+          </a:prstGeom>
+          <a:noFill/>
+        </p:spPr>
+        <p:txBody>
+          <a:bodyPr wrap="square" rtlCol="0">
+            <a:spAutoFit/>
+          </a:bodyPr>
+          <a:lstStyle/>
+          <a:p>
+            <a:pPr algn="r"/>
+            <a:r>
+              <a:rPr lang="en-US" sz="1400" dirty="0">
+                <a:solidFill>
+                  <a:schemeClr val="bg1"/>
+                </a:solidFill>
+              </a:rPr>
+              <a:t>$162,234</a:t>
+            </a:r>
+            <a:endParaRPr lang="en-US" sz="500" dirty="0">
+              <a:solidFill>
+                <a:schemeClr val="bg1"/>
+              </a:solidFill>
+            </a:endParaRPr>
+          </a:p>
+        </p:txBody>
+      </p:sp>
+      <p:sp>
+        <p:nvSpPr>
+          <p:cNvPr id="33" name="TextBox 32">
+            <a:extLst>
+              <a:ext uri="{FF2B5EF4-FFF2-40B4-BE49-F238E27FC236}">
+                <a16:creationId xmlns:a16="http://schemas.microsoft.com/office/drawing/2014/main" id="{56BFC727-56C6-42B6-B685-9D102AB91B3F}"/>
+              </a:ext>
+            </a:extLst>
+          </p:cNvPr>
+          <p:cNvSpPr txBox="1"/>
+          <p:nvPr/>
+        </p:nvSpPr>
+        <p:spPr>
+          <a:xfrm>
+            <a:off x="7917083" y="3942109"/>
+            <a:ext cx="1828800" cy="307777"/>
+          </a:xfrm>
+          <a:prstGeom prst="rect">
+            <a:avLst/>
+          </a:prstGeom>
+          <a:noFill/>
+        </p:spPr>
+        <p:txBody>
+          <a:bodyPr wrap="square" rtlCol="0">
+            <a:spAutoFit/>
+          </a:bodyPr>
+          <a:lstStyle/>
+          <a:p>
+            <a:pPr algn="r"/>
+            <a:r>
+              <a:rPr lang="en-US" sz="1400" dirty="0">
+                <a:solidFill>
+                  <a:schemeClr val="bg1"/>
+                </a:solidFill>
+              </a:rPr>
+              <a:t>43</a:t>
+            </a:r>
+            <a:endParaRPr lang="en-US" sz="500" dirty="0">
+              <a:solidFill>
+                <a:schemeClr val="bg1"/>
+              </a:solidFill>
+            </a:endParaRPr>
+          </a:p>
+        </p:txBody>
+      </p:sp>
+      <p:sp>
+        <p:nvSpPr>
+          <p:cNvPr id="34" name="TextBox 33">
+            <a:extLst>
+              <a:ext uri="{FF2B5EF4-FFF2-40B4-BE49-F238E27FC236}">
+                <a16:creationId xmlns:a16="http://schemas.microsoft.com/office/drawing/2014/main" id="{88A9009C-D22F-43C6-B0A4-23480C07B91D}"/>
+              </a:ext>
+            </a:extLst>
+          </p:cNvPr>
+          <p:cNvSpPr txBox="1"/>
+          <p:nvPr/>
+        </p:nvSpPr>
+        <p:spPr>
+          <a:xfrm>
+            <a:off x="10150997" y="3197472"/>
+            <a:ext cx="1828800" cy="307777"/>
+          </a:xfrm>
+          <a:prstGeom prst="rect">
+            <a:avLst/>
+          </a:prstGeom>
+          <a:noFill/>
+        </p:spPr>
+        <p:txBody>
+          <a:bodyPr wrap="square" rtlCol="0">
+            <a:spAutoFit/>
+          </a:bodyPr>
+          <a:lstStyle/>
+          <a:p>
+            <a:pPr algn="r"/>
+            <a:r>
+              <a:rPr lang="en-US" sz="1400" dirty="0">
+                <a:solidFill>
+                  <a:schemeClr val="bg1"/>
+                </a:solidFill>
+              </a:rPr>
+              <a:t>Percentile</a:t>
+            </a:r>
+            <a:endParaRPr lang="en-US" sz="500" dirty="0">
+              <a:solidFill>
+                <a:schemeClr val="bg1"/>
+              </a:solidFill>
+            </a:endParaRPr>
+          </a:p>
+        </p:txBody>
+      </p:sp>
+      <p:sp>
+        <p:nvSpPr>
+          <p:cNvPr id="35" name="Rectangle 34">
+            <a:extLst>
+              <a:ext uri="{FF2B5EF4-FFF2-40B4-BE49-F238E27FC236}">
+                <a16:creationId xmlns:a16="http://schemas.microsoft.com/office/drawing/2014/main" id="{FE1BF58A-962F-406A-A19B-A38987AA8A8E}"/>
+              </a:ext>
+            </a:extLst>
+          </p:cNvPr>
+          <p:cNvSpPr/>
+          <p:nvPr/>
+        </p:nvSpPr>
+        <p:spPr>
+          <a:xfrm>
+            <a:off x="9776749" y="3488307"/>
+            <a:ext cx="2103120" cy="182880"/>
+          </a:xfrm>
+          <a:prstGeom prst="rect">
+            <a:avLst/>
+          </a:prstGeom>
+          <a:noFill/>
+          <a:ln>
+            <a:solidFill>
+              <a:schemeClr val="bg1">
+                <a:lumMod val="65000"/>
+              </a:schemeClr>
+            </a:solidFill>
+          </a:ln>
+        </p:spPr>
+        <p:style>
+          <a:lnRef idx="2">
+            <a:schemeClr val="accent1">
+              <a:shade val="50000"/>
+            </a:schemeClr>
+          </a:lnRef>
+          <a:fillRef idx="1">
+            <a:schemeClr val="accent1"/>
+          </a:fillRef>
+          <a:effectRef idx="0">
+            <a:schemeClr val="accent1"/>
+          </a:effectRef>
+          <a:fontRef idx="minor">
+            <a:schemeClr val="lt1"/>
+          </a:fontRef>
+        </p:style>
+        <p:txBody>
+          <a:bodyPr rtlCol="0" anchor="ctr"/>
+          <a:lstStyle/>
+          <a:p>
+            <a:pPr algn="ctr"/>
+            <a:endParaRPr lang="en-US"/>
+          </a:p>
+        </p:txBody>
+      </p:sp>
+      <p:sp>
+        <p:nvSpPr>
+          <p:cNvPr id="36" name="Rectangle 35">
+            <a:extLst>
+              <a:ext uri="{FF2B5EF4-FFF2-40B4-BE49-F238E27FC236}">
+                <a16:creationId xmlns:a16="http://schemas.microsoft.com/office/drawing/2014/main" id="{CB47226A-E967-4F37-9547-7295DBD02CC0}"/>
+              </a:ext>
+            </a:extLst>
+          </p:cNvPr>
+          <p:cNvSpPr/>
+          <p:nvPr/>
+        </p:nvSpPr>
+        <p:spPr>
+          <a:xfrm>
+            <a:off x="9776749" y="3750944"/>
+            <a:ext cx="2103120" cy="182880"/>
+          </a:xfrm>
+          <a:prstGeom prst="rect">
+            <a:avLst/>
+          </a:prstGeom>
+          <a:noFill/>
+          <a:ln>
+            <a:solidFill>
+              <a:schemeClr val="bg1">
+                <a:lumMod val="65000"/>
+              </a:schemeClr>
+            </a:solidFill>
+          </a:ln>
+        </p:spPr>
+        <p:style>
+          <a:lnRef idx="2">
+            <a:schemeClr val="accent1">
+              <a:shade val="50000"/>
+            </a:schemeClr>
+          </a:lnRef>
+          <a:fillRef idx="1">
+            <a:schemeClr val="accent1"/>
+          </a:fillRef>
+          <a:effectRef idx="0">
+            <a:schemeClr val="accent1"/>
+          </a:effectRef>
+          <a:fontRef idx="minor">
+            <a:schemeClr val="lt1"/>
+          </a:fontRef>
+        </p:style>
+        <p:txBody>
+          <a:bodyPr rtlCol="0" anchor="ctr"/>
+          <a:lstStyle/>
+          <a:p>
+            <a:pPr algn="ctr"/>
+            <a:endParaRPr lang="en-US"/>
+          </a:p>
+        </p:txBody>
+      </p:sp>
+      <p:sp>
+        <p:nvSpPr>
+          <p:cNvPr id="37" name="Rectangle 36">
+            <a:extLst>
+              <a:ext uri="{FF2B5EF4-FFF2-40B4-BE49-F238E27FC236}">
+                <a16:creationId xmlns:a16="http://schemas.microsoft.com/office/drawing/2014/main" id="{C7F1D471-F02E-4F25-8113-BA74914F9D71}"/>
+              </a:ext>
+            </a:extLst>
+          </p:cNvPr>
+          <p:cNvSpPr/>
+          <p:nvPr/>
+        </p:nvSpPr>
+        <p:spPr>
+          <a:xfrm>
+            <a:off x="9776749" y="3997203"/>
+            <a:ext cx="2103120" cy="182880"/>
+          </a:xfrm>
+          <a:prstGeom prst="rect">
+            <a:avLst/>
+          </a:prstGeom>
+          <a:noFill/>
+          <a:ln>
+            <a:solidFill>
+              <a:schemeClr val="bg1">
+                <a:lumMod val="65000"/>
+              </a:schemeClr>
+            </a:solidFill>
+          </a:ln>
+        </p:spPr>
+        <p:style>
+          <a:lnRef idx="2">
+            <a:schemeClr val="accent1">
+              <a:shade val="50000"/>
+            </a:schemeClr>
+          </a:lnRef>
+          <a:fillRef idx="1">
+            <a:schemeClr val="accent1"/>
+          </a:fillRef>
+          <a:effectRef idx="0">
+            <a:schemeClr val="accent1"/>
+          </a:effectRef>
+          <a:fontRef idx="minor">
+            <a:schemeClr val="lt1"/>
+          </a:fontRef>
+        </p:style>
+        <p:txBody>
+          <a:bodyPr rtlCol="0" anchor="ctr"/>
+          <a:lstStyle/>
+          <a:p>
+            <a:pPr algn="ctr"/>
+            <a:endParaRPr lang="en-US"/>
+          </a:p>
+        </p:txBody>
+      </p:sp>
+      <p:sp>
+        <p:nvSpPr>
+          <p:cNvPr id="38" name="Rectangle 37">
+            <a:extLst>
+              <a:ext uri="{FF2B5EF4-FFF2-40B4-BE49-F238E27FC236}">
+                <a16:creationId xmlns:a16="http://schemas.microsoft.com/office/drawing/2014/main" id="{0F8AD826-70E9-49F1-A0E1-EA2385872113}"/>
+              </a:ext>
+            </a:extLst>
+          </p:cNvPr>
+          <p:cNvSpPr/>
+          <p:nvPr/>
+        </p:nvSpPr>
+        <p:spPr>
+          <a:xfrm>
+            <a:off x="9776749" y="3488307"/>
+            <a:ext cx="1280160" cy="182880"/>
+          </a:xfrm>
+          <a:prstGeom prst="rect">
+            <a:avLst/>
+          </a:prstGeom>
+          <a:solidFill>
+            <a:schemeClr val="bg1">
+              <a:lumMod val="65000"/>
+            </a:schemeClr>
+          </a:solidFill>
+          <a:ln>
+            <a:solidFill>
+              <a:schemeClr val="bg1">
+                <a:lumMod val="65000"/>
+              </a:schemeClr>
+            </a:solidFill>
+          </a:ln>
+        </p:spPr>
+        <p:style>
+          <a:lnRef idx="2">
+            <a:schemeClr val="accent1">
+              <a:shade val="50000"/>
+            </a:schemeClr>
+          </a:lnRef>
+          <a:fillRef idx="1">
+            <a:schemeClr val="accent1"/>
+          </a:fillRef>
+          <a:effectRef idx="0">
+            <a:schemeClr val="accent1"/>
+          </a:effectRef>
+          <a:fontRef idx="minor">
+            <a:schemeClr val="lt1"/>
+          </a:fontRef>
+        </p:style>
+        <p:txBody>
+          <a:bodyPr rtlCol="0" anchor="ctr"/>
+          <a:lstStyle/>
+          <a:p>
+            <a:pPr algn="ctr"/>
+            <a:endParaRPr lang="en-US"/>
+          </a:p>
+        </p:txBody>
+      </p:sp>
+      <p:sp>
+        <p:nvSpPr>
+          <p:cNvPr id="39" name="Rectangle 38">
+            <a:extLst>
+              <a:ext uri="{FF2B5EF4-FFF2-40B4-BE49-F238E27FC236}">
+                <a16:creationId xmlns:a16="http://schemas.microsoft.com/office/drawing/2014/main" id="{65548B40-E22F-4A4E-9468-1FA50587CDAA}"/>
+              </a:ext>
+            </a:extLst>
+          </p:cNvPr>
+          <p:cNvSpPr/>
+          <p:nvPr/>
+        </p:nvSpPr>
+        <p:spPr>
+          <a:xfrm>
+            <a:off x="9776749" y="3758298"/>
+            <a:ext cx="1920240" cy="182880"/>
+          </a:xfrm>
+          <a:prstGeom prst="rect">
+            <a:avLst/>
+          </a:prstGeom>
+          <a:solidFill>
+            <a:schemeClr val="bg1">
+              <a:lumMod val="65000"/>
+            </a:schemeClr>
+          </a:solidFill>
+          <a:ln>
+            <a:solidFill>
+              <a:schemeClr val="bg1">
+                <a:lumMod val="65000"/>
+              </a:schemeClr>
+            </a:solidFill>
+          </a:ln>
+        </p:spPr>
+        <p:style>
+          <a:lnRef idx="2">
+            <a:schemeClr val="accent1">
+              <a:shade val="50000"/>
+            </a:schemeClr>
+          </a:lnRef>
+          <a:fillRef idx="1">
+            <a:schemeClr val="accent1"/>
+          </a:fillRef>
+          <a:effectRef idx="0">
+            <a:schemeClr val="accent1"/>
+          </a:effectRef>
+          <a:fontRef idx="minor">
+            <a:schemeClr val="lt1"/>
+          </a:fontRef>
+        </p:style>
+        <p:txBody>
+          <a:bodyPr rtlCol="0" anchor="ctr"/>
+          <a:lstStyle/>
+          <a:p>
+            <a:pPr algn="ctr"/>
+            <a:endParaRPr lang="en-US"/>
+          </a:p>
+        </p:txBody>
+      </p:sp>
+      <p:sp>
+        <p:nvSpPr>
+          <p:cNvPr id="40" name="Rectangle 39">
+            <a:extLst>
+              <a:ext uri="{FF2B5EF4-FFF2-40B4-BE49-F238E27FC236}">
+                <a16:creationId xmlns:a16="http://schemas.microsoft.com/office/drawing/2014/main" id="{35619113-E450-4642-A716-1CECB8E6872F}"/>
+              </a:ext>
+            </a:extLst>
+          </p:cNvPr>
+          <p:cNvSpPr/>
+          <p:nvPr/>
+        </p:nvSpPr>
+        <p:spPr>
+          <a:xfrm>
+            <a:off x="9776749" y="4004557"/>
+            <a:ext cx="1645920" cy="182880"/>
+          </a:xfrm>
+          <a:prstGeom prst="rect">
+            <a:avLst/>
+          </a:prstGeom>
+          <a:solidFill>
+            <a:schemeClr val="bg1">
+              <a:lumMod val="65000"/>
+            </a:schemeClr>
+          </a:solidFill>
+          <a:ln>
+            <a:solidFill>
+              <a:schemeClr val="bg1">
+                <a:lumMod val="65000"/>
+              </a:schemeClr>
+            </a:solidFill>
+          </a:ln>
+        </p:spPr>
+        <p:style>
+          <a:lnRef idx="2">
+            <a:schemeClr val="accent1">
+              <a:shade val="50000"/>
+            </a:schemeClr>
+          </a:lnRef>
+          <a:fillRef idx="1">
+            <a:schemeClr val="accent1"/>
+          </a:fillRef>
+          <a:effectRef idx="0">
+            <a:schemeClr val="accent1"/>
+          </a:effectRef>
+          <a:fontRef idx="minor">
+            <a:schemeClr val="lt1"/>
+          </a:fontRef>
+        </p:style>
+        <p:txBody>
+          <a:bodyPr rtlCol="0" anchor="ctr"/>
+          <a:lstStyle/>
+          <a:p>
+            <a:pPr algn="ctr"/>
+            <a:endParaRPr lang="en-US"/>
+          </a:p>
+        </p:txBody>
+      </p:sp>
+      <p:sp>
+        <p:nvSpPr>
+          <p:cNvPr id="41" name="TextBox 40">
+            <a:extLst>
+              <a:ext uri="{FF2B5EF4-FFF2-40B4-BE49-F238E27FC236}">
+                <a16:creationId xmlns:a16="http://schemas.microsoft.com/office/drawing/2014/main" id="{0FF85BF6-2CCA-48A9-B996-77E364388E01}"/>
+              </a:ext>
+            </a:extLst>
+          </p:cNvPr>
+          <p:cNvSpPr txBox="1"/>
+          <p:nvPr/>
+        </p:nvSpPr>
+        <p:spPr>
+          <a:xfrm>
+            <a:off x="6250329" y="4500126"/>
+            <a:ext cx="3343835" cy="646331"/>
+          </a:xfrm>
+          <a:prstGeom prst="rect">
+            <a:avLst/>
+          </a:prstGeom>
+          <a:noFill/>
+        </p:spPr>
+        <p:txBody>
+          <a:bodyPr wrap="square" rtlCol="0">
+            <a:spAutoFit/>
+          </a:bodyPr>
+          <a:lstStyle/>
+          <a:p>
+            <a:r>
+              <a:rPr lang="en-US" dirty="0">
+                <a:solidFill>
+                  <a:schemeClr val="bg1"/>
+                </a:solidFill>
+              </a:rPr>
+              <a:t>Rank 3</a:t>
+            </a:r>
+          </a:p>
+          <a:p>
+            <a:r>
+              <a:rPr lang="en-US" b="1" dirty="0">
+                <a:solidFill>
+                  <a:schemeClr val="bg1"/>
+                </a:solidFill>
+              </a:rPr>
+              <a:t>55555 – Middle America, MO</a:t>
+            </a:r>
+          </a:p>
+        </p:txBody>
+      </p:sp>
+      <p:sp>
+        <p:nvSpPr>
+          <p:cNvPr id="42" name="TextBox 41">
+            <a:extLst>
+              <a:ext uri="{FF2B5EF4-FFF2-40B4-BE49-F238E27FC236}">
+                <a16:creationId xmlns:a16="http://schemas.microsoft.com/office/drawing/2014/main" id="{99A598D5-82C0-410B-A350-72DBE4EB0697}"/>
+              </a:ext>
+            </a:extLst>
+          </p:cNvPr>
+          <p:cNvSpPr txBox="1"/>
+          <p:nvPr/>
+        </p:nvSpPr>
+        <p:spPr>
+          <a:xfrm>
+            <a:off x="6250329" y="5153293"/>
+            <a:ext cx="833377" cy="892552"/>
+          </a:xfrm>
+          <a:prstGeom prst="rect">
+            <a:avLst/>
+          </a:prstGeom>
+          <a:noFill/>
+        </p:spPr>
+        <p:txBody>
+          <a:bodyPr wrap="square" rtlCol="0">
+            <a:spAutoFit/>
+          </a:bodyPr>
+          <a:lstStyle/>
+          <a:p>
+            <a:pPr algn="ctr"/>
+            <a:r>
+              <a:rPr lang="en-US" sz="4000" dirty="0">
+                <a:solidFill>
+                  <a:schemeClr val="bg1"/>
+                </a:solidFill>
+              </a:rPr>
+              <a:t>89</a:t>
+            </a:r>
+          </a:p>
+          <a:p>
+            <a:pPr algn="ctr"/>
+            <a:r>
+              <a:rPr lang="en-US" sz="1200" dirty="0">
+                <a:solidFill>
+                  <a:schemeClr val="bg1"/>
+                </a:solidFill>
+              </a:rPr>
+              <a:t>SCORE</a:t>
+            </a:r>
+          </a:p>
+        </p:txBody>
+      </p:sp>
+      <p:sp>
+        <p:nvSpPr>
+          <p:cNvPr id="43" name="TextBox 42">
+            <a:extLst>
+              <a:ext uri="{FF2B5EF4-FFF2-40B4-BE49-F238E27FC236}">
+                <a16:creationId xmlns:a16="http://schemas.microsoft.com/office/drawing/2014/main" id="{27B10072-5AFE-4233-8338-48C20670C758}"/>
+              </a:ext>
+            </a:extLst>
+          </p:cNvPr>
+          <p:cNvSpPr txBox="1"/>
+          <p:nvPr/>
+        </p:nvSpPr>
+        <p:spPr>
+          <a:xfrm>
+            <a:off x="7083706" y="5235145"/>
+            <a:ext cx="1828800" cy="307777"/>
+          </a:xfrm>
+          <a:prstGeom prst="rect">
+            <a:avLst/>
+          </a:prstGeom>
+          <a:noFill/>
+        </p:spPr>
+        <p:txBody>
+          <a:bodyPr wrap="square" rtlCol="0">
+            <a:spAutoFit/>
+          </a:bodyPr>
+          <a:lstStyle/>
+          <a:p>
+            <a:pPr algn="r"/>
+            <a:r>
+              <a:rPr lang="en-US" sz="1400" dirty="0">
+                <a:solidFill>
+                  <a:schemeClr val="bg1"/>
+                </a:solidFill>
+              </a:rPr>
+              <a:t>Population</a:t>
+            </a:r>
+            <a:endParaRPr lang="en-US" sz="500" dirty="0">
+              <a:solidFill>
+                <a:schemeClr val="bg1"/>
+              </a:solidFill>
+            </a:endParaRPr>
+          </a:p>
+        </p:txBody>
+      </p:sp>
+      <p:sp>
+        <p:nvSpPr>
+          <p:cNvPr id="44" name="TextBox 43">
+            <a:extLst>
+              <a:ext uri="{FF2B5EF4-FFF2-40B4-BE49-F238E27FC236}">
+                <a16:creationId xmlns:a16="http://schemas.microsoft.com/office/drawing/2014/main" id="{629D3C68-7D8B-412D-B143-2D08DA50D164}"/>
+              </a:ext>
+            </a:extLst>
+          </p:cNvPr>
+          <p:cNvSpPr txBox="1"/>
+          <p:nvPr/>
+        </p:nvSpPr>
+        <p:spPr>
+          <a:xfrm>
+            <a:off x="7083706" y="5491358"/>
+            <a:ext cx="1828800" cy="307777"/>
+          </a:xfrm>
+          <a:prstGeom prst="rect">
+            <a:avLst/>
+          </a:prstGeom>
+          <a:noFill/>
+        </p:spPr>
+        <p:txBody>
+          <a:bodyPr wrap="square" rtlCol="0">
+            <a:spAutoFit/>
+          </a:bodyPr>
+          <a:lstStyle/>
+          <a:p>
+            <a:pPr algn="r"/>
+            <a:r>
+              <a:rPr lang="en-US" sz="1400" dirty="0">
+                <a:solidFill>
+                  <a:schemeClr val="bg1"/>
+                </a:solidFill>
+              </a:rPr>
+              <a:t>Median Income</a:t>
+            </a:r>
+            <a:endParaRPr lang="en-US" sz="500" dirty="0">
+              <a:solidFill>
+                <a:schemeClr val="bg1"/>
+              </a:solidFill>
+            </a:endParaRPr>
+          </a:p>
+        </p:txBody>
+      </p:sp>
+      <p:sp>
+        <p:nvSpPr>
+          <p:cNvPr id="45" name="TextBox 44">
+            <a:extLst>
+              <a:ext uri="{FF2B5EF4-FFF2-40B4-BE49-F238E27FC236}">
+                <a16:creationId xmlns:a16="http://schemas.microsoft.com/office/drawing/2014/main" id="{9A226D67-17F1-4DE1-9DD9-F9C02520EF2E}"/>
+              </a:ext>
+            </a:extLst>
+          </p:cNvPr>
+          <p:cNvSpPr txBox="1"/>
+          <p:nvPr/>
+        </p:nvSpPr>
+        <p:spPr>
+          <a:xfrm>
+            <a:off x="7083706" y="5744041"/>
+            <a:ext cx="1828800" cy="307777"/>
+          </a:xfrm>
+          <a:prstGeom prst="rect">
+            <a:avLst/>
+          </a:prstGeom>
+          <a:noFill/>
+        </p:spPr>
+        <p:txBody>
+          <a:bodyPr wrap="square" rtlCol="0">
+            <a:spAutoFit/>
+          </a:bodyPr>
+          <a:lstStyle/>
+          <a:p>
+            <a:pPr algn="r"/>
+            <a:r>
+              <a:rPr lang="en-US" sz="1400" dirty="0">
+                <a:solidFill>
+                  <a:schemeClr val="bg1"/>
+                </a:solidFill>
+              </a:rPr>
+              <a:t>Avg. Days on Market</a:t>
+            </a:r>
+            <a:endParaRPr lang="en-US" sz="500" dirty="0">
+              <a:solidFill>
+                <a:schemeClr val="bg1"/>
+              </a:solidFill>
+            </a:endParaRPr>
+          </a:p>
+        </p:txBody>
+      </p:sp>
+      <p:sp>
+        <p:nvSpPr>
+          <p:cNvPr id="46" name="TextBox 45">
+            <a:extLst>
+              <a:ext uri="{FF2B5EF4-FFF2-40B4-BE49-F238E27FC236}">
+                <a16:creationId xmlns:a16="http://schemas.microsoft.com/office/drawing/2014/main" id="{8DE0D5DD-B33F-437B-853B-A7873156680F}"/>
+              </a:ext>
+            </a:extLst>
+          </p:cNvPr>
+          <p:cNvSpPr txBox="1"/>
+          <p:nvPr/>
+        </p:nvSpPr>
+        <p:spPr>
+          <a:xfrm>
+            <a:off x="7917083" y="5235145"/>
+            <a:ext cx="1828800" cy="307777"/>
+          </a:xfrm>
+          <a:prstGeom prst="rect">
+            <a:avLst/>
+          </a:prstGeom>
+          <a:noFill/>
+        </p:spPr>
+        <p:txBody>
+          <a:bodyPr wrap="square" rtlCol="0">
+            <a:spAutoFit/>
+          </a:bodyPr>
+          <a:lstStyle/>
+          <a:p>
+            <a:pPr algn="r"/>
+            <a:r>
+              <a:rPr lang="en-US" sz="1400" dirty="0">
+                <a:solidFill>
+                  <a:schemeClr val="bg1"/>
+                </a:solidFill>
+              </a:rPr>
+              <a:t>19,325</a:t>
+            </a:r>
+            <a:endParaRPr lang="en-US" sz="500" dirty="0">
+              <a:solidFill>
+                <a:schemeClr val="bg1"/>
+              </a:solidFill>
+            </a:endParaRPr>
+          </a:p>
+        </p:txBody>
+      </p:sp>
+      <p:sp>
+        <p:nvSpPr>
+          <p:cNvPr id="47" name="TextBox 46">
+            <a:extLst>
+              <a:ext uri="{FF2B5EF4-FFF2-40B4-BE49-F238E27FC236}">
+                <a16:creationId xmlns:a16="http://schemas.microsoft.com/office/drawing/2014/main" id="{56F6D134-6BC7-456A-92BD-3BFE271B42EB}"/>
+              </a:ext>
+            </a:extLst>
+          </p:cNvPr>
+          <p:cNvSpPr txBox="1"/>
+          <p:nvPr/>
+        </p:nvSpPr>
+        <p:spPr>
+          <a:xfrm>
+            <a:off x="7917083" y="5491358"/>
+            <a:ext cx="1828800" cy="307777"/>
+          </a:xfrm>
+          <a:prstGeom prst="rect">
+            <a:avLst/>
+          </a:prstGeom>
+          <a:noFill/>
+        </p:spPr>
+        <p:txBody>
+          <a:bodyPr wrap="square" rtlCol="0">
+            <a:spAutoFit/>
+          </a:bodyPr>
+          <a:lstStyle/>
+          <a:p>
+            <a:pPr algn="r"/>
+            <a:r>
+              <a:rPr lang="en-US" sz="1400" dirty="0">
+                <a:solidFill>
+                  <a:schemeClr val="bg1"/>
+                </a:solidFill>
+              </a:rPr>
+              <a:t>$62,324</a:t>
+            </a:r>
+            <a:endParaRPr lang="en-US" sz="500" dirty="0">
+              <a:solidFill>
+                <a:schemeClr val="bg1"/>
+              </a:solidFill>
+            </a:endParaRPr>
+          </a:p>
+        </p:txBody>
+      </p:sp>
+      <p:sp>
+        <p:nvSpPr>
+          <p:cNvPr id="48" name="TextBox 47">
+            <a:extLst>
+              <a:ext uri="{FF2B5EF4-FFF2-40B4-BE49-F238E27FC236}">
+                <a16:creationId xmlns:a16="http://schemas.microsoft.com/office/drawing/2014/main" id="{1154676F-D787-4211-AFFA-1801CD4231BB}"/>
+              </a:ext>
+            </a:extLst>
+          </p:cNvPr>
+          <p:cNvSpPr txBox="1"/>
+          <p:nvPr/>
+        </p:nvSpPr>
+        <p:spPr>
+          <a:xfrm>
+            <a:off x="7917083" y="5744041"/>
+            <a:ext cx="1828800" cy="307777"/>
+          </a:xfrm>
+          <a:prstGeom prst="rect">
+            <a:avLst/>
+          </a:prstGeom>
+          <a:noFill/>
+        </p:spPr>
+        <p:txBody>
+          <a:bodyPr wrap="square" rtlCol="0">
+            <a:spAutoFit/>
+          </a:bodyPr>
+          <a:lstStyle/>
+          <a:p>
+            <a:pPr algn="r"/>
+            <a:r>
+              <a:rPr lang="en-US" sz="1400" dirty="0">
+                <a:solidFill>
+                  <a:schemeClr val="bg1"/>
+                </a:solidFill>
+              </a:rPr>
+              <a:t>15</a:t>
+            </a:r>
+            <a:endParaRPr lang="en-US" sz="500" dirty="0">
+              <a:solidFill>
+                <a:schemeClr val="bg1"/>
+              </a:solidFill>
+            </a:endParaRPr>
+          </a:p>
+        </p:txBody>
+      </p:sp>
+      <p:sp>
+        <p:nvSpPr>
+          <p:cNvPr id="49" name="TextBox 48">
+            <a:extLst>
+              <a:ext uri="{FF2B5EF4-FFF2-40B4-BE49-F238E27FC236}">
+                <a16:creationId xmlns:a16="http://schemas.microsoft.com/office/drawing/2014/main" id="{C18C684F-3CCC-4C95-A0C8-23DD0ED578A3}"/>
+              </a:ext>
+            </a:extLst>
+          </p:cNvPr>
+          <p:cNvSpPr txBox="1"/>
+          <p:nvPr/>
+        </p:nvSpPr>
+        <p:spPr>
+          <a:xfrm>
+            <a:off x="10150997" y="4999404"/>
+            <a:ext cx="1828800" cy="307777"/>
+          </a:xfrm>
+          <a:prstGeom prst="rect">
+            <a:avLst/>
+          </a:prstGeom>
+          <a:noFill/>
+        </p:spPr>
+        <p:txBody>
+          <a:bodyPr wrap="square" rtlCol="0">
+            <a:spAutoFit/>
+          </a:bodyPr>
+          <a:lstStyle/>
+          <a:p>
+            <a:pPr algn="r"/>
+            <a:r>
+              <a:rPr lang="en-US" sz="1400" dirty="0">
+                <a:solidFill>
+                  <a:schemeClr val="bg1"/>
+                </a:solidFill>
+              </a:rPr>
+              <a:t>Percentile</a:t>
+            </a:r>
+            <a:endParaRPr lang="en-US" sz="500" dirty="0">
+              <a:solidFill>
+                <a:schemeClr val="bg1"/>
+              </a:solidFill>
+            </a:endParaRPr>
+          </a:p>
+        </p:txBody>
+      </p:sp>
+      <p:sp>
+        <p:nvSpPr>
+          <p:cNvPr id="50" name="Rectangle 49">
+            <a:extLst>
+              <a:ext uri="{FF2B5EF4-FFF2-40B4-BE49-F238E27FC236}">
+                <a16:creationId xmlns:a16="http://schemas.microsoft.com/office/drawing/2014/main" id="{89DBECB5-3136-4DC3-86FB-C4FE7DC22326}"/>
+              </a:ext>
+            </a:extLst>
+          </p:cNvPr>
+          <p:cNvSpPr/>
+          <p:nvPr/>
+        </p:nvSpPr>
+        <p:spPr>
+          <a:xfrm>
+            <a:off x="9776749" y="5290239"/>
+            <a:ext cx="2103120" cy="182880"/>
+          </a:xfrm>
+          <a:prstGeom prst="rect">
+            <a:avLst/>
+          </a:prstGeom>
+          <a:noFill/>
+          <a:ln>
+            <a:solidFill>
+              <a:schemeClr val="bg1">
+                <a:lumMod val="65000"/>
+              </a:schemeClr>
+            </a:solidFill>
+          </a:ln>
+        </p:spPr>
+        <p:style>
+          <a:lnRef idx="2">
+            <a:schemeClr val="accent1">
+              <a:shade val="50000"/>
+            </a:schemeClr>
+          </a:lnRef>
+          <a:fillRef idx="1">
+            <a:schemeClr val="accent1"/>
+          </a:fillRef>
+          <a:effectRef idx="0">
+            <a:schemeClr val="accent1"/>
+          </a:effectRef>
+          <a:fontRef idx="minor">
+            <a:schemeClr val="lt1"/>
+          </a:fontRef>
+        </p:style>
+        <p:txBody>
+          <a:bodyPr rtlCol="0" anchor="ctr"/>
+          <a:lstStyle/>
+          <a:p>
+            <a:pPr algn="ctr"/>
+            <a:endParaRPr lang="en-US"/>
+          </a:p>
+        </p:txBody>
+      </p:sp>
+      <p:sp>
+        <p:nvSpPr>
+          <p:cNvPr id="51" name="Rectangle 50">
+            <a:extLst>
+              <a:ext uri="{FF2B5EF4-FFF2-40B4-BE49-F238E27FC236}">
+                <a16:creationId xmlns:a16="http://schemas.microsoft.com/office/drawing/2014/main" id="{11E28565-FD0A-4798-BF60-A147B6F6B35E}"/>
+              </a:ext>
+            </a:extLst>
+          </p:cNvPr>
+          <p:cNvSpPr/>
+          <p:nvPr/>
+        </p:nvSpPr>
+        <p:spPr>
+          <a:xfrm>
+            <a:off x="9776749" y="5552876"/>
+            <a:ext cx="2103120" cy="182880"/>
+          </a:xfrm>
+          <a:prstGeom prst="rect">
+            <a:avLst/>
+          </a:prstGeom>
+          <a:noFill/>
+          <a:ln>
+            <a:solidFill>
+              <a:schemeClr val="bg1">
+                <a:lumMod val="65000"/>
+              </a:schemeClr>
+            </a:solidFill>
+          </a:ln>
+        </p:spPr>
+        <p:style>
+          <a:lnRef idx="2">
+            <a:schemeClr val="accent1">
+              <a:shade val="50000"/>
+            </a:schemeClr>
+          </a:lnRef>
+          <a:fillRef idx="1">
+            <a:schemeClr val="accent1"/>
+          </a:fillRef>
+          <a:effectRef idx="0">
+            <a:schemeClr val="accent1"/>
+          </a:effectRef>
+          <a:fontRef idx="minor">
+            <a:schemeClr val="lt1"/>
+          </a:fontRef>
+        </p:style>
+        <p:txBody>
+          <a:bodyPr rtlCol="0" anchor="ctr"/>
+          <a:lstStyle/>
+          <a:p>
+            <a:pPr algn="ctr"/>
+            <a:endParaRPr lang="en-US"/>
+          </a:p>
+        </p:txBody>
+      </p:sp>
+      <p:sp>
+        <p:nvSpPr>
+          <p:cNvPr id="52" name="Rectangle 51">
+            <a:extLst>
+              <a:ext uri="{FF2B5EF4-FFF2-40B4-BE49-F238E27FC236}">
+                <a16:creationId xmlns:a16="http://schemas.microsoft.com/office/drawing/2014/main" id="{D90FCB95-BFEA-42C7-890F-B798902A3FDC}"/>
+              </a:ext>
+            </a:extLst>
+          </p:cNvPr>
+          <p:cNvSpPr/>
+          <p:nvPr/>
+        </p:nvSpPr>
+        <p:spPr>
+          <a:xfrm>
+            <a:off x="9776749" y="5799135"/>
+            <a:ext cx="2103120" cy="182880"/>
+          </a:xfrm>
+          <a:prstGeom prst="rect">
+            <a:avLst/>
+          </a:prstGeom>
+          <a:noFill/>
+          <a:ln>
+            <a:solidFill>
+              <a:schemeClr val="bg1">
+                <a:lumMod val="65000"/>
+              </a:schemeClr>
+            </a:solidFill>
+          </a:ln>
+        </p:spPr>
+        <p:style>
+          <a:lnRef idx="2">
+            <a:schemeClr val="accent1">
+              <a:shade val="50000"/>
+            </a:schemeClr>
+          </a:lnRef>
+          <a:fillRef idx="1">
+            <a:schemeClr val="accent1"/>
+          </a:fillRef>
+          <a:effectRef idx="0">
+            <a:schemeClr val="accent1"/>
+          </a:effectRef>
+          <a:fontRef idx="minor">
+            <a:schemeClr val="lt1"/>
+          </a:fontRef>
+        </p:style>
+        <p:txBody>
+          <a:bodyPr rtlCol="0" anchor="ctr"/>
+          <a:lstStyle/>
+          <a:p>
+            <a:pPr algn="ctr"/>
+            <a:endParaRPr lang="en-US"/>
+          </a:p>
+        </p:txBody>
+      </p:sp>
+      <p:sp>
+        <p:nvSpPr>
+          <p:cNvPr id="53" name="Rectangle 52">
+            <a:extLst>
+              <a:ext uri="{FF2B5EF4-FFF2-40B4-BE49-F238E27FC236}">
+                <a16:creationId xmlns:a16="http://schemas.microsoft.com/office/drawing/2014/main" id="{8E5C42E4-72CD-4FCA-A46E-DD44158B2C95}"/>
+              </a:ext>
+            </a:extLst>
+          </p:cNvPr>
+          <p:cNvSpPr/>
+          <p:nvPr/>
+        </p:nvSpPr>
+        <p:spPr>
+          <a:xfrm>
+            <a:off x="9776749" y="5290239"/>
+            <a:ext cx="1280160" cy="182880"/>
+          </a:xfrm>
+          <a:prstGeom prst="rect">
+            <a:avLst/>
+          </a:prstGeom>
+          <a:solidFill>
+            <a:schemeClr val="bg1">
+              <a:lumMod val="65000"/>
+            </a:schemeClr>
+          </a:solidFill>
+          <a:ln>
+            <a:solidFill>
+              <a:schemeClr val="bg1">
+                <a:lumMod val="65000"/>
+              </a:schemeClr>
+            </a:solidFill>
+          </a:ln>
+        </p:spPr>
+        <p:style>
+          <a:lnRef idx="2">
+            <a:schemeClr val="accent1">
+              <a:shade val="50000"/>
+            </a:schemeClr>
+          </a:lnRef>
+          <a:fillRef idx="1">
+            <a:schemeClr val="accent1"/>
+          </a:fillRef>
+          <a:effectRef idx="0">
+            <a:schemeClr val="accent1"/>
+          </a:effectRef>
+          <a:fontRef idx="minor">
+            <a:schemeClr val="lt1"/>
+          </a:fontRef>
+        </p:style>
+        <p:txBody>
+          <a:bodyPr rtlCol="0" anchor="ctr"/>
+          <a:lstStyle/>
+          <a:p>
+            <a:pPr algn="ctr"/>
+            <a:endParaRPr lang="en-US"/>
+          </a:p>
+        </p:txBody>
+      </p:sp>
+      <p:sp>
+        <p:nvSpPr>
+          <p:cNvPr id="54" name="Rectangle 53">
+            <a:extLst>
+              <a:ext uri="{FF2B5EF4-FFF2-40B4-BE49-F238E27FC236}">
+                <a16:creationId xmlns:a16="http://schemas.microsoft.com/office/drawing/2014/main" id="{A17C36A1-8339-4912-A16B-3A432688B33E}"/>
+              </a:ext>
+            </a:extLst>
+          </p:cNvPr>
+          <p:cNvSpPr/>
+          <p:nvPr/>
+        </p:nvSpPr>
+        <p:spPr>
+          <a:xfrm>
+            <a:off x="9776749" y="5560230"/>
+            <a:ext cx="1737360" cy="182880"/>
+          </a:xfrm>
+          <a:prstGeom prst="rect">
+            <a:avLst/>
+          </a:prstGeom>
+          <a:solidFill>
+            <a:schemeClr val="bg1">
+              <a:lumMod val="65000"/>
+            </a:schemeClr>
+          </a:solidFill>
+          <a:ln>
+            <a:solidFill>
+              <a:schemeClr val="bg1">
+                <a:lumMod val="65000"/>
+              </a:schemeClr>
+            </a:solidFill>
+          </a:ln>
+        </p:spPr>
+        <p:style>
+          <a:lnRef idx="2">
+            <a:schemeClr val="accent1">
+              <a:shade val="50000"/>
+            </a:schemeClr>
+          </a:lnRef>
+          <a:fillRef idx="1">
+            <a:schemeClr val="accent1"/>
+          </a:fillRef>
+          <a:effectRef idx="0">
+            <a:schemeClr val="accent1"/>
+          </a:effectRef>
+          <a:fontRef idx="minor">
+            <a:schemeClr val="lt1"/>
+          </a:fontRef>
+        </p:style>
+        <p:txBody>
+          <a:bodyPr rtlCol="0" anchor="ctr"/>
+          <a:lstStyle/>
+          <a:p>
+            <a:pPr algn="ctr"/>
+            <a:endParaRPr lang="en-US"/>
+          </a:p>
+        </p:txBody>
+      </p:sp>
+      <p:sp>
+        <p:nvSpPr>
+          <p:cNvPr id="55" name="Rectangle 54">
+            <a:extLst>
+              <a:ext uri="{FF2B5EF4-FFF2-40B4-BE49-F238E27FC236}">
+                <a16:creationId xmlns:a16="http://schemas.microsoft.com/office/drawing/2014/main" id="{1D4219A8-DAD3-4B0D-A3E3-9FB5450E2977}"/>
+              </a:ext>
+            </a:extLst>
+          </p:cNvPr>
+          <p:cNvSpPr/>
+          <p:nvPr/>
+        </p:nvSpPr>
+        <p:spPr>
+          <a:xfrm>
+            <a:off x="9776749" y="5806489"/>
+            <a:ext cx="1920240" cy="182880"/>
+          </a:xfrm>
+          <a:prstGeom prst="rect">
+            <a:avLst/>
+          </a:prstGeom>
+          <a:solidFill>
+            <a:schemeClr val="bg1">
+              <a:lumMod val="65000"/>
+            </a:schemeClr>
+          </a:solidFill>
+          <a:ln>
+            <a:solidFill>
+              <a:schemeClr val="bg1">
+                <a:lumMod val="65000"/>
+              </a:schemeClr>
+            </a:solidFill>
+          </a:ln>
+        </p:spPr>
+        <p:style>
+          <a:lnRef idx="2">
+            <a:schemeClr val="accent1">
+              <a:shade val="50000"/>
+            </a:schemeClr>
+          </a:lnRef>
+          <a:fillRef idx="1">
+            <a:schemeClr val="accent1"/>
+          </a:fillRef>
+          <a:effectRef idx="0">
+            <a:schemeClr val="accent1"/>
+          </a:effectRef>
+          <a:fontRef idx="minor">
+            <a:schemeClr val="lt1"/>
+          </a:fontRef>
+        </p:style>
+        <p:txBody>
+          <a:bodyPr rtlCol="0" anchor="ctr"/>
+          <a:lstStyle/>
+          <a:p>
+            <a:pPr algn="ctr"/>
+            <a:endParaRPr lang="en-US"/>
+          </a:p>
+        </p:txBody>
+      </p:sp>
+    </p:spTree>
+    <p:extLst>
+      <p:ext uri="{BB962C8B-B14F-4D97-AF65-F5344CB8AC3E}">
+        <p14:creationId xmlns:p14="http://schemas.microsoft.com/office/powerpoint/2010/main" val="2745898906"/>
+      </p:ext>
+    </p:extLst>
+  </p:cSld>
+  <p:clrMapOvr>
+    <a:masterClrMapping/>
+  </p:clrMapOvr>
+</p:sld>
+</file>
+
+<file path=ppt/slides/slide3.xml><?xml version="1.0" encoding="utf-8"?>
+<p:sld xmlns:a="http://schemas.openxmlformats.org/drawingml/2006/main" xmlns:r="http://schemas.openxmlformats.org/officeDocument/2006/relationships" xmlns:p="http://schemas.openxmlformats.org/presentationml/2006/main">
+  <p:cSld>
+    <p:bg>
+      <p:bgPr>
+        <a:solidFill>
+          <a:schemeClr val="bg2">
+            <a:lumMod val="25000"/>
+          </a:schemeClr>
+        </a:solidFill>
+        <a:effectLst/>
+      </p:bgPr>
+    </p:bg>
+    <p:spTree>
+      <p:nvGrpSpPr>
+        <p:cNvPr id="1" name=""/>
+        <p:cNvGrpSpPr/>
+        <p:nvPr/>
+      </p:nvGrpSpPr>
+      <p:grpSpPr>
+        <a:xfrm>
+          <a:off x="0" y="0"/>
+          <a:ext cx="0" cy="0"/>
+          <a:chOff x="0" y="0"/>
+          <a:chExt cx="0" cy="0"/>
+        </a:xfrm>
+      </p:grpSpPr>
+      <p:sp>
+        <p:nvSpPr>
+          <p:cNvPr id="5" name="Rectangle 4">
+            <a:extLst>
+              <a:ext uri="{FF2B5EF4-FFF2-40B4-BE49-F238E27FC236}">
+                <a16:creationId xmlns:a16="http://schemas.microsoft.com/office/drawing/2014/main" id="{CE06CC3B-378E-41A3-AE34-13428A3CFA61}"/>
+              </a:ext>
+            </a:extLst>
+          </p:cNvPr>
+          <p:cNvSpPr/>
+          <p:nvPr/>
+        </p:nvSpPr>
+        <p:spPr>
+          <a:xfrm>
+            <a:off x="1309687" y="676274"/>
+            <a:ext cx="9572625" cy="1104721"/>
+          </a:xfrm>
+          <a:prstGeom prst="rect">
+            <a:avLst/>
+          </a:prstGeom>
+          <a:solidFill>
+            <a:srgbClr val="FFFF00"/>
+          </a:solidFill>
+          <a:ln>
+            <a:noFill/>
+          </a:ln>
+        </p:spPr>
+        <p:style>
+          <a:lnRef idx="2">
+            <a:schemeClr val="accent1">
+              <a:shade val="50000"/>
+            </a:schemeClr>
+          </a:lnRef>
+          <a:fillRef idx="1">
+            <a:schemeClr val="accent1"/>
+          </a:fillRef>
+          <a:effectRef idx="0">
+            <a:schemeClr val="accent1"/>
+          </a:effectRef>
+          <a:fontRef idx="minor">
+            <a:schemeClr val="lt1"/>
+          </a:fontRef>
+        </p:style>
+        <p:txBody>
+          <a:bodyPr rtlCol="0" anchor="ctr"/>
+          <a:lstStyle/>
+          <a:p>
+            <a:pPr algn="ctr"/>
+            <a:endParaRPr lang="en-US"/>
+          </a:p>
+        </p:txBody>
+      </p:sp>
+      <p:sp>
+        <p:nvSpPr>
+          <p:cNvPr id="4" name="Rectangle 3">
+            <a:extLst>
+              <a:ext uri="{FF2B5EF4-FFF2-40B4-BE49-F238E27FC236}">
+                <a16:creationId xmlns:a16="http://schemas.microsoft.com/office/drawing/2014/main" id="{F61BD918-011E-4AE6-92D5-0074F0D3A003}"/>
+              </a:ext>
+            </a:extLst>
+          </p:cNvPr>
+          <p:cNvSpPr/>
+          <p:nvPr/>
+        </p:nvSpPr>
+        <p:spPr>
+          <a:xfrm>
+            <a:off x="1387018" y="628470"/>
+            <a:ext cx="9417963" cy="1200329"/>
+          </a:xfrm>
+          <a:prstGeom prst="rect">
+            <a:avLst/>
+          </a:prstGeom>
+        </p:spPr>
+        <p:txBody>
+          <a:bodyPr wrap="none">
+            <a:spAutoFit/>
+          </a:bodyPr>
+          <a:lstStyle/>
+          <a:p>
+            <a:r>
+              <a:rPr lang="en-US" sz="7200" b="1" dirty="0">
+                <a:solidFill>
+                  <a:srgbClr val="3B3838"/>
+                </a:solidFill>
+              </a:rPr>
+              <a:t>SHOULD WE INVEST</a:t>
+            </a:r>
+            <a:endParaRPr lang="en-US" sz="7200" dirty="0"/>
+          </a:p>
+        </p:txBody>
+      </p:sp>
+    </p:spTree>
+    <p:extLst>
+      <p:ext uri="{BB962C8B-B14F-4D97-AF65-F5344CB8AC3E}">
+        <p14:creationId xmlns:p14="http://schemas.microsoft.com/office/powerpoint/2010/main" val="3255677606"/>
       </p:ext>
     </p:extLst>
   </p:cSld>
@@ -3988,67 +7740,15 @@
         <a:srgbClr val="954F72"/>
       </a:folHlink>
     </a:clrScheme>
-    <a:fontScheme name="Office">
+    <a:fontScheme name="Arial">
       <a:majorFont>
-        <a:latin typeface="Calibri Light" panose="020F0302020204030204"/>
+        <a:latin typeface="Arial" panose="020B0604020202020204"/>
         <a:ea typeface=""/>
         <a:cs typeface=""/>
-        <a:font script="Jpan" typeface="游ゴシック Light"/>
-        <a:font script="Hang" typeface="맑은 고딕"/>
-        <a:font script="Hans" typeface="等线 Light"/>
-        <a:font script="Hant" typeface="新細明體"/>
-        <a:font script="Arab" typeface="Times New Roman"/>
-        <a:font script="Hebr" typeface="Times New Roman"/>
-        <a:font script="Thai" typeface="Angsana New"/>
-        <a:font script="Ethi" typeface="Nyala"/>
-        <a:font script="Beng" typeface="Vrinda"/>
-        <a:font script="Gujr" typeface="Shruti"/>
-        <a:font script="Khmr" typeface="MoolBoran"/>
-        <a:font script="Knda" typeface="Tunga"/>
-        <a:font script="Guru" typeface="Raavi"/>
-        <a:font script="Cans" typeface="Euphemia"/>
-        <a:font script="Cher" typeface="Plantagenet Cherokee"/>
-        <a:font script="Yiii" typeface="Microsoft Yi Baiti"/>
-        <a:font script="Tibt" typeface="Microsoft Himalaya"/>
-        <a:font script="Thaa" typeface="MV Boli"/>
-        <a:font script="Deva" typeface="Mangal"/>
-        <a:font script="Telu" typeface="Gautami"/>
-        <a:font script="Taml" typeface="Latha"/>
-        <a:font script="Syrc" typeface="Estrangelo Edessa"/>
-        <a:font script="Orya" typeface="Kalinga"/>
-        <a:font script="Mlym" typeface="Kartika"/>
-        <a:font script="Laoo" typeface="DokChampa"/>
-        <a:font script="Sinh" typeface="Iskoola Pota"/>
-        <a:font script="Mong" typeface="Mongolian Baiti"/>
-        <a:font script="Viet" typeface="Times New Roman"/>
-        <a:font script="Uigh" typeface="Microsoft Uighur"/>
-        <a:font script="Geor" typeface="Sylfaen"/>
-        <a:font script="Armn" typeface="Arial"/>
-        <a:font script="Bugi" typeface="Leelawadee UI"/>
-        <a:font script="Bopo" typeface="Microsoft JhengHei"/>
-        <a:font script="Java" typeface="Javanese Text"/>
-        <a:font script="Lisu" typeface="Segoe UI"/>
-        <a:font script="Mymr" typeface="Myanmar Text"/>
-        <a:font script="Nkoo" typeface="Ebrima"/>
-        <a:font script="Olck" typeface="Nirmala UI"/>
-        <a:font script="Osma" typeface="Ebrima"/>
-        <a:font script="Phag" typeface="Phagspa"/>
-        <a:font script="Syrn" typeface="Estrangelo Edessa"/>
-        <a:font script="Syrj" typeface="Estrangelo Edessa"/>
-        <a:font script="Syre" typeface="Estrangelo Edessa"/>
-        <a:font script="Sora" typeface="Nirmala UI"/>
-        <a:font script="Tale" typeface="Microsoft Tai Le"/>
-        <a:font script="Talu" typeface="Microsoft New Tai Lue"/>
-        <a:font script="Tfng" typeface="Ebrima"/>
-      </a:majorFont>
-      <a:minorFont>
-        <a:latin typeface="Calibri" panose="020F0502020204030204"/>
-        <a:ea typeface=""/>
-        <a:cs typeface=""/>
-        <a:font script="Jpan" typeface="游ゴシック"/>
-        <a:font script="Hang" typeface="맑은 고딕"/>
-        <a:font script="Hans" typeface="等线"/>
-        <a:font script="Hant" typeface="新細明體"/>
+        <a:font script="Jpan" typeface="ＭＳ Ｐゴシック"/>
+        <a:font script="Hang" typeface="굴림"/>
+        <a:font script="Hans" typeface="黑体"/>
+        <a:font script="Hant" typeface="微軟正黑體"/>
         <a:font script="Arab" typeface="Arial"/>
         <a:font script="Hebr" typeface="Arial"/>
         <a:font script="Thai" typeface="Cordia New"/>
@@ -4075,23 +7775,41 @@
         <a:font script="Viet" typeface="Arial"/>
         <a:font script="Uigh" typeface="Microsoft Uighur"/>
         <a:font script="Geor" typeface="Sylfaen"/>
-        <a:font script="Armn" typeface="Arial"/>
-        <a:font script="Bugi" typeface="Leelawadee UI"/>
-        <a:font script="Bopo" typeface="Microsoft JhengHei"/>
-        <a:font script="Java" typeface="Javanese Text"/>
-        <a:font script="Lisu" typeface="Segoe UI"/>
-        <a:font script="Mymr" typeface="Myanmar Text"/>
-        <a:font script="Nkoo" typeface="Ebrima"/>
-        <a:font script="Olck" typeface="Nirmala UI"/>
-        <a:font script="Osma" typeface="Ebrima"/>
-        <a:font script="Phag" typeface="Phagspa"/>
-        <a:font script="Syrn" typeface="Estrangelo Edessa"/>
-        <a:font script="Syrj" typeface="Estrangelo Edessa"/>
-        <a:font script="Syre" typeface="Estrangelo Edessa"/>
-        <a:font script="Sora" typeface="Nirmala UI"/>
-        <a:font script="Tale" typeface="Microsoft Tai Le"/>
-        <a:font script="Talu" typeface="Microsoft New Tai Lue"/>
-        <a:font script="Tfng" typeface="Ebrima"/>
+      </a:majorFont>
+      <a:minorFont>
+        <a:latin typeface="Arial" panose="020B0604020202020204"/>
+        <a:ea typeface=""/>
+        <a:cs typeface=""/>
+        <a:font script="Jpan" typeface="ＭＳ Ｐゴシック"/>
+        <a:font script="Hang" typeface="굴림"/>
+        <a:font script="Hans" typeface="黑体"/>
+        <a:font script="Hant" typeface="微軟正黑體"/>
+        <a:font script="Arab" typeface="Arial"/>
+        <a:font script="Hebr" typeface="Arial"/>
+        <a:font script="Thai" typeface="Cordia New"/>
+        <a:font script="Ethi" typeface="Nyala"/>
+        <a:font script="Beng" typeface="Vrinda"/>
+        <a:font script="Gujr" typeface="Shruti"/>
+        <a:font script="Khmr" typeface="DaunPenh"/>
+        <a:font script="Knda" typeface="Tunga"/>
+        <a:font script="Guru" typeface="Raavi"/>
+        <a:font script="Cans" typeface="Euphemia"/>
+        <a:font script="Cher" typeface="Plantagenet Cherokee"/>
+        <a:font script="Yiii" typeface="Microsoft Yi Baiti"/>
+        <a:font script="Tibt" typeface="Microsoft Himalaya"/>
+        <a:font script="Thaa" typeface="MV Boli"/>
+        <a:font script="Deva" typeface="Mangal"/>
+        <a:font script="Telu" typeface="Gautami"/>
+        <a:font script="Taml" typeface="Latha"/>
+        <a:font script="Syrc" typeface="Estrangelo Edessa"/>
+        <a:font script="Orya" typeface="Kalinga"/>
+        <a:font script="Mlym" typeface="Kartika"/>
+        <a:font script="Laoo" typeface="DokChampa"/>
+        <a:font script="Sinh" typeface="Iskoola Pota"/>
+        <a:font script="Mong" typeface="Mongolian Baiti"/>
+        <a:font script="Viet" typeface="Arial"/>
+        <a:font script="Uigh" typeface="Microsoft Uighur"/>
+        <a:font script="Geor" typeface="Sylfaen"/>
       </a:minorFont>
     </a:fontScheme>
     <a:fmtScheme name="Office">
